--- a/documentacao/escopo/LLD v2.pptx
+++ b/documentacao/escopo/LLD v2.pptx
@@ -2,7 +2,7 @@
 <file path=ppt/presentation.xml><?xml version="1.0" encoding="utf-8"?>
 <p:presentation xmlns:a="http://schemas.openxmlformats.org/drawingml/2006/main" xmlns:r="http://schemas.openxmlformats.org/officeDocument/2006/relationships" xmlns:p="http://schemas.openxmlformats.org/presentationml/2006/main" embedTrueTypeFonts="1" saveSubsetFonts="1">
   <p:sldMasterIdLst>
-    <p:sldMasterId id="2147483648" r:id="rId1"/>
+    <p:sldMasterId id="2147483672" r:id="rId1"/>
   </p:sldMasterIdLst>
   <p:sldIdLst>
     <p:sldId id="257" r:id="rId2"/>
@@ -18,20 +18,25 @@
       <p:boldItalic r:id="rId6"/>
     </p:embeddedFont>
     <p:embeddedFont>
+      <p:font typeface="Calibri Light" panose="020F0302020204030204" pitchFamily="34" charset="0"/>
+      <p:regular r:id="rId7"/>
+      <p:italic r:id="rId8"/>
+    </p:embeddedFont>
+    <p:embeddedFont>
       <p:font typeface="Exo 2 Black" panose="00000A00000000000000" pitchFamily="50" charset="0"/>
-      <p:regular r:id="rId7"/>
-      <p:bold r:id="rId8"/>
-      <p:boldItalic r:id="rId9"/>
+      <p:regular r:id="rId9"/>
+      <p:bold r:id="rId10"/>
+      <p:boldItalic r:id="rId11"/>
     </p:embeddedFont>
     <p:embeddedFont>
       <p:font typeface="Exo 2 Medium" panose="00000600000000000000" pitchFamily="50" charset="0"/>
-      <p:regular r:id="rId10"/>
-      <p:italic r:id="rId11"/>
+      <p:regular r:id="rId12"/>
+      <p:italic r:id="rId13"/>
     </p:embeddedFont>
   </p:embeddedFontLst>
   <p:defaultTextStyle>
     <a:defPPr>
-      <a:defRPr lang="en-US"/>
+      <a:defRPr lang="pt-BR"/>
     </a:defPPr>
     <a:lvl1pPr marL="0" algn="l" defTabSz="914400" rtl="0" eaLnBrk="1" latinLnBrk="0" hangingPunct="1">
       <a:defRPr sz="1800" kern="1200">
@@ -145,7 +150,7 @@
 
 <file path=ppt/slideLayouts/slideLayout1.xml><?xml version="1.0" encoding="utf-8"?>
 <p:sldLayout xmlns:a="http://schemas.openxmlformats.org/drawingml/2006/main" xmlns:r="http://schemas.openxmlformats.org/officeDocument/2006/relationships" xmlns:p="http://schemas.openxmlformats.org/presentationml/2006/main" type="title" preserve="1">
-  <p:cSld name="Title Slide">
+  <p:cSld name="Slide de Título">
     <p:spTree>
       <p:nvGrpSpPr>
         <p:cNvPr id="1" name=""/>
@@ -162,7 +167,13 @@
       </p:grpSpPr>
       <p:sp>
         <p:nvSpPr>
-          <p:cNvPr id="2" name="Title 1"/>
+          <p:cNvPr id="2" name="Título 1">
+            <a:extLst>
+              <a:ext uri="{FF2B5EF4-FFF2-40B4-BE49-F238E27FC236}">
+                <a16:creationId xmlns:a16="http://schemas.microsoft.com/office/drawing/2014/main" id="{6C4E9F91-0F52-4F99-9527-50BAAA6CDCEA}"/>
+              </a:ext>
+            </a:extLst>
+          </p:cNvPr>
           <p:cNvSpPr>
             <a:spLocks noGrp="1"/>
           </p:cNvSpPr>
@@ -172,24 +183,34 @@
         </p:nvSpPr>
         <p:spPr>
           <a:xfrm>
-            <a:off x="685800" y="2130425"/>
-            <a:ext cx="7772400" cy="1470025"/>
+            <a:off x="2286000" y="1683545"/>
+            <a:ext cx="13716000" cy="3581400"/>
           </a:xfrm>
         </p:spPr>
         <p:txBody>
-          <a:bodyPr/>
-          <a:lstStyle/>
-          <a:p>
-            <a:r>
-              <a:rPr lang="en-US"/>
-              <a:t>Click to edit Master title style</a:t>
-            </a:r>
-          </a:p>
-        </p:txBody>
-      </p:sp>
-      <p:sp>
-        <p:nvSpPr>
-          <p:cNvPr id="3" name="Subtitle 2"/>
+          <a:bodyPr anchor="b"/>
+          <a:lstStyle>
+            <a:lvl1pPr algn="ctr">
+              <a:defRPr sz="9000"/>
+            </a:lvl1pPr>
+          </a:lstStyle>
+          <a:p>
+            <a:r>
+              <a:rPr lang="pt-BR"/>
+              <a:t>Clique para editar o título Mestre</a:t>
+            </a:r>
+          </a:p>
+        </p:txBody>
+      </p:sp>
+      <p:sp>
+        <p:nvSpPr>
+          <p:cNvPr id="3" name="Subtítulo 2">
+            <a:extLst>
+              <a:ext uri="{FF2B5EF4-FFF2-40B4-BE49-F238E27FC236}">
+                <a16:creationId xmlns:a16="http://schemas.microsoft.com/office/drawing/2014/main" id="{5E41F4DD-DFE9-4D14-AC3A-43166018A3F4}"/>
+              </a:ext>
+            </a:extLst>
+          </p:cNvPr>
           <p:cNvSpPr>
             <a:spLocks noGrp="1"/>
           </p:cNvSpPr>
@@ -199,8 +220,8 @@
         </p:nvSpPr>
         <p:spPr>
           <a:xfrm>
-            <a:off x="1371600" y="3886200"/>
-            <a:ext cx="6400800" cy="1752600"/>
+            <a:off x="2286000" y="5403057"/>
+            <a:ext cx="13716000" cy="2483643"/>
           </a:xfrm>
         </p:spPr>
         <p:txBody>
@@ -208,106 +229,58 @@
           <a:lstStyle>
             <a:lvl1pPr marL="0" indent="0" algn="ctr">
               <a:buNone/>
-              <a:defRPr>
-                <a:solidFill>
-                  <a:schemeClr val="tx1">
-                    <a:tint val="75000"/>
-                  </a:schemeClr>
-                </a:solidFill>
-              </a:defRPr>
+              <a:defRPr sz="3600"/>
             </a:lvl1pPr>
-            <a:lvl2pPr marL="457200" indent="0" algn="ctr">
-              <a:buNone/>
-              <a:defRPr>
-                <a:solidFill>
-                  <a:schemeClr val="tx1">
-                    <a:tint val="75000"/>
-                  </a:schemeClr>
-                </a:solidFill>
-              </a:defRPr>
+            <a:lvl2pPr marL="685800" indent="0" algn="ctr">
+              <a:buNone/>
+              <a:defRPr sz="3000"/>
             </a:lvl2pPr>
-            <a:lvl3pPr marL="914400" indent="0" algn="ctr">
-              <a:buNone/>
-              <a:defRPr>
-                <a:solidFill>
-                  <a:schemeClr val="tx1">
-                    <a:tint val="75000"/>
-                  </a:schemeClr>
-                </a:solidFill>
-              </a:defRPr>
+            <a:lvl3pPr marL="1371600" indent="0" algn="ctr">
+              <a:buNone/>
+              <a:defRPr sz="2700"/>
             </a:lvl3pPr>
-            <a:lvl4pPr marL="1371600" indent="0" algn="ctr">
-              <a:buNone/>
-              <a:defRPr>
-                <a:solidFill>
-                  <a:schemeClr val="tx1">
-                    <a:tint val="75000"/>
-                  </a:schemeClr>
-                </a:solidFill>
-              </a:defRPr>
+            <a:lvl4pPr marL="2057400" indent="0" algn="ctr">
+              <a:buNone/>
+              <a:defRPr sz="2400"/>
             </a:lvl4pPr>
-            <a:lvl5pPr marL="1828800" indent="0" algn="ctr">
-              <a:buNone/>
-              <a:defRPr>
-                <a:solidFill>
-                  <a:schemeClr val="tx1">
-                    <a:tint val="75000"/>
-                  </a:schemeClr>
-                </a:solidFill>
-              </a:defRPr>
+            <a:lvl5pPr marL="2743200" indent="0" algn="ctr">
+              <a:buNone/>
+              <a:defRPr sz="2400"/>
             </a:lvl5pPr>
-            <a:lvl6pPr marL="2286000" indent="0" algn="ctr">
-              <a:buNone/>
-              <a:defRPr>
-                <a:solidFill>
-                  <a:schemeClr val="tx1">
-                    <a:tint val="75000"/>
-                  </a:schemeClr>
-                </a:solidFill>
-              </a:defRPr>
+            <a:lvl6pPr marL="3429000" indent="0" algn="ctr">
+              <a:buNone/>
+              <a:defRPr sz="2400"/>
             </a:lvl6pPr>
-            <a:lvl7pPr marL="2743200" indent="0" algn="ctr">
-              <a:buNone/>
-              <a:defRPr>
-                <a:solidFill>
-                  <a:schemeClr val="tx1">
-                    <a:tint val="75000"/>
-                  </a:schemeClr>
-                </a:solidFill>
-              </a:defRPr>
+            <a:lvl7pPr marL="4114800" indent="0" algn="ctr">
+              <a:buNone/>
+              <a:defRPr sz="2400"/>
             </a:lvl7pPr>
-            <a:lvl8pPr marL="3200400" indent="0" algn="ctr">
-              <a:buNone/>
-              <a:defRPr>
-                <a:solidFill>
-                  <a:schemeClr val="tx1">
-                    <a:tint val="75000"/>
-                  </a:schemeClr>
-                </a:solidFill>
-              </a:defRPr>
+            <a:lvl8pPr marL="4800600" indent="0" algn="ctr">
+              <a:buNone/>
+              <a:defRPr sz="2400"/>
             </a:lvl8pPr>
-            <a:lvl9pPr marL="3657600" indent="0" algn="ctr">
-              <a:buNone/>
-              <a:defRPr>
-                <a:solidFill>
-                  <a:schemeClr val="tx1">
-                    <a:tint val="75000"/>
-                  </a:schemeClr>
-                </a:solidFill>
-              </a:defRPr>
+            <a:lvl9pPr marL="5486400" indent="0" algn="ctr">
+              <a:buNone/>
+              <a:defRPr sz="2400"/>
             </a:lvl9pPr>
           </a:lstStyle>
           <a:p>
             <a:r>
-              <a:rPr lang="en-US"/>
-              <a:t>Click to edit Master subtitle style</a:t>
-            </a:r>
-          </a:p>
-        </p:txBody>
-      </p:sp>
-      <p:sp>
-        <p:nvSpPr>
-          <p:cNvPr id="4" name="Date Placeholder 3"/>
+              <a:rPr lang="pt-BR"/>
+              <a:t>Clique para editar o estilo do subtítulo Mestre</a:t>
+            </a:r>
+          </a:p>
+        </p:txBody>
+      </p:sp>
+      <p:sp>
+        <p:nvSpPr>
+          <p:cNvPr id="4" name="Espaço Reservado para Data 3">
+            <a:extLst>
+              <a:ext uri="{FF2B5EF4-FFF2-40B4-BE49-F238E27FC236}">
+                <a16:creationId xmlns:a16="http://schemas.microsoft.com/office/drawing/2014/main" id="{1BB9A3D5-F655-4E1D-9CE8-AAF344ED6B7D}"/>
+              </a:ext>
+            </a:extLst>
+          </p:cNvPr>
           <p:cNvSpPr>
             <a:spLocks noGrp="1"/>
           </p:cNvSpPr>
@@ -323,7 +296,7 @@
             <a:fld id="{1D8BD707-D9CF-40AE-B4C6-C98DA3205C09}" type="datetimeFigureOut">
               <a:rPr lang="en-US" smtClean="0"/>
               <a:pPr/>
-              <a:t>11/6/2020</a:t>
+              <a:t>11/10/2020</a:t>
             </a:fld>
             <a:endParaRPr lang="en-US"/>
           </a:p>
@@ -331,7 +304,13 @@
       </p:sp>
       <p:sp>
         <p:nvSpPr>
-          <p:cNvPr id="5" name="Footer Placeholder 4"/>
+          <p:cNvPr id="5" name="Espaço Reservado para Rodapé 4">
+            <a:extLst>
+              <a:ext uri="{FF2B5EF4-FFF2-40B4-BE49-F238E27FC236}">
+                <a16:creationId xmlns:a16="http://schemas.microsoft.com/office/drawing/2014/main" id="{20BDF458-08E4-44BC-9DDE-4015837F5533}"/>
+              </a:ext>
+            </a:extLst>
+          </p:cNvPr>
           <p:cNvSpPr>
             <a:spLocks noGrp="1"/>
           </p:cNvSpPr>
@@ -350,7 +329,13 @@
       </p:sp>
       <p:sp>
         <p:nvSpPr>
-          <p:cNvPr id="6" name="Slide Number Placeholder 5"/>
+          <p:cNvPr id="6" name="Espaço Reservado para Número de Slide 5">
+            <a:extLst>
+              <a:ext uri="{FF2B5EF4-FFF2-40B4-BE49-F238E27FC236}">
+                <a16:creationId xmlns:a16="http://schemas.microsoft.com/office/drawing/2014/main" id="{32F8CE95-B7DE-4AF8-AEC2-D566B2E25109}"/>
+              </a:ext>
+            </a:extLst>
+          </p:cNvPr>
           <p:cNvSpPr>
             <a:spLocks noGrp="1"/>
           </p:cNvSpPr>
@@ -373,6 +358,11 @@
         </p:txBody>
       </p:sp>
     </p:spTree>
+    <p:extLst>
+      <p:ext uri="{BB962C8B-B14F-4D97-AF65-F5344CB8AC3E}">
+        <p14:creationId xmlns:p14="http://schemas.microsoft.com/office/powerpoint/2010/main" val="1007736269"/>
+      </p:ext>
+    </p:extLst>
   </p:cSld>
   <p:clrMapOvr>
     <a:masterClrMapping/>
@@ -382,7 +372,7 @@
 
 <file path=ppt/slideLayouts/slideLayout10.xml><?xml version="1.0" encoding="utf-8"?>
 <p:sldLayout xmlns:a="http://schemas.openxmlformats.org/drawingml/2006/main" xmlns:r="http://schemas.openxmlformats.org/officeDocument/2006/relationships" xmlns:p="http://schemas.openxmlformats.org/presentationml/2006/main" type="vertTx" preserve="1">
-  <p:cSld name="Title and Vertical Text">
+  <p:cSld name="Título e Texto Vertical">
     <p:spTree>
       <p:nvGrpSpPr>
         <p:cNvPr id="1" name=""/>
@@ -399,7 +389,13 @@
       </p:grpSpPr>
       <p:sp>
         <p:nvSpPr>
-          <p:cNvPr id="2" name="Title 1"/>
+          <p:cNvPr id="2" name="Título 1">
+            <a:extLst>
+              <a:ext uri="{FF2B5EF4-FFF2-40B4-BE49-F238E27FC236}">
+                <a16:creationId xmlns:a16="http://schemas.microsoft.com/office/drawing/2014/main" id="{E4A21A8B-3FB3-4DEB-AFF5-E91079B42FAE}"/>
+              </a:ext>
+            </a:extLst>
+          </p:cNvPr>
           <p:cNvSpPr>
             <a:spLocks noGrp="1"/>
           </p:cNvSpPr>
@@ -413,15 +409,21 @@
           <a:lstStyle/>
           <a:p>
             <a:r>
-              <a:rPr lang="en-US"/>
-              <a:t>Click to edit Master title style</a:t>
-            </a:r>
-          </a:p>
-        </p:txBody>
-      </p:sp>
-      <p:sp>
-        <p:nvSpPr>
-          <p:cNvPr id="3" name="Vertical Text Placeholder 2"/>
+              <a:rPr lang="pt-BR"/>
+              <a:t>Clique para editar o título Mestre</a:t>
+            </a:r>
+          </a:p>
+        </p:txBody>
+      </p:sp>
+      <p:sp>
+        <p:nvSpPr>
+          <p:cNvPr id="3" name="Espaço Reservado para Texto Vertical 2">
+            <a:extLst>
+              <a:ext uri="{FF2B5EF4-FFF2-40B4-BE49-F238E27FC236}">
+                <a16:creationId xmlns:a16="http://schemas.microsoft.com/office/drawing/2014/main" id="{E01C8DD9-C68E-483F-BB02-50A7E4CDF867}"/>
+              </a:ext>
+            </a:extLst>
+          </p:cNvPr>
           <p:cNvSpPr>
             <a:spLocks noGrp="1"/>
           </p:cNvSpPr>
@@ -436,43 +438,49 @@
           <a:p>
             <a:pPr lvl="0"/>
             <a:r>
-              <a:rPr lang="en-US"/>
-              <a:t>Click to edit Master text styles</a:t>
+              <a:rPr lang="pt-BR"/>
+              <a:t>Clique para editar os estilos de texto Mestres</a:t>
             </a:r>
           </a:p>
           <a:p>
             <a:pPr lvl="1"/>
             <a:r>
-              <a:rPr lang="en-US"/>
-              <a:t>Second level</a:t>
+              <a:rPr lang="pt-BR"/>
+              <a:t>Segundo nível</a:t>
             </a:r>
           </a:p>
           <a:p>
             <a:pPr lvl="2"/>
             <a:r>
-              <a:rPr lang="en-US"/>
-              <a:t>Third level</a:t>
+              <a:rPr lang="pt-BR"/>
+              <a:t>Terceiro nível</a:t>
             </a:r>
           </a:p>
           <a:p>
             <a:pPr lvl="3"/>
             <a:r>
-              <a:rPr lang="en-US"/>
-              <a:t>Fourth level</a:t>
+              <a:rPr lang="pt-BR"/>
+              <a:t>Quarto nível</a:t>
             </a:r>
           </a:p>
           <a:p>
             <a:pPr lvl="4"/>
             <a:r>
-              <a:rPr lang="en-US"/>
-              <a:t>Fifth level</a:t>
-            </a:r>
-          </a:p>
-        </p:txBody>
-      </p:sp>
-      <p:sp>
-        <p:nvSpPr>
-          <p:cNvPr id="4" name="Date Placeholder 3"/>
+              <a:rPr lang="pt-BR"/>
+              <a:t>Quinto nível</a:t>
+            </a:r>
+          </a:p>
+        </p:txBody>
+      </p:sp>
+      <p:sp>
+        <p:nvSpPr>
+          <p:cNvPr id="4" name="Espaço Reservado para Data 3">
+            <a:extLst>
+              <a:ext uri="{FF2B5EF4-FFF2-40B4-BE49-F238E27FC236}">
+                <a16:creationId xmlns:a16="http://schemas.microsoft.com/office/drawing/2014/main" id="{ED9E97F5-F2CD-4FA7-824E-79690180B8A0}"/>
+              </a:ext>
+            </a:extLst>
+          </p:cNvPr>
           <p:cNvSpPr>
             <a:spLocks noGrp="1"/>
           </p:cNvSpPr>
@@ -488,7 +496,7 @@
             <a:fld id="{1D8BD707-D9CF-40AE-B4C6-C98DA3205C09}" type="datetimeFigureOut">
               <a:rPr lang="en-US" smtClean="0"/>
               <a:pPr/>
-              <a:t>11/6/2020</a:t>
+              <a:t>11/10/2020</a:t>
             </a:fld>
             <a:endParaRPr lang="en-US"/>
           </a:p>
@@ -496,7 +504,13 @@
       </p:sp>
       <p:sp>
         <p:nvSpPr>
-          <p:cNvPr id="5" name="Footer Placeholder 4"/>
+          <p:cNvPr id="5" name="Espaço Reservado para Rodapé 4">
+            <a:extLst>
+              <a:ext uri="{FF2B5EF4-FFF2-40B4-BE49-F238E27FC236}">
+                <a16:creationId xmlns:a16="http://schemas.microsoft.com/office/drawing/2014/main" id="{571C1D2D-0E6A-401D-B77B-D379E35DFAB8}"/>
+              </a:ext>
+            </a:extLst>
+          </p:cNvPr>
           <p:cNvSpPr>
             <a:spLocks noGrp="1"/>
           </p:cNvSpPr>
@@ -515,7 +529,13 @@
       </p:sp>
       <p:sp>
         <p:nvSpPr>
-          <p:cNvPr id="6" name="Slide Number Placeholder 5"/>
+          <p:cNvPr id="6" name="Espaço Reservado para Número de Slide 5">
+            <a:extLst>
+              <a:ext uri="{FF2B5EF4-FFF2-40B4-BE49-F238E27FC236}">
+                <a16:creationId xmlns:a16="http://schemas.microsoft.com/office/drawing/2014/main" id="{EE6C4258-6CF1-4B19-A688-FA9C0E532F7D}"/>
+              </a:ext>
+            </a:extLst>
+          </p:cNvPr>
           <p:cNvSpPr>
             <a:spLocks noGrp="1"/>
           </p:cNvSpPr>
@@ -538,6 +558,11 @@
         </p:txBody>
       </p:sp>
     </p:spTree>
+    <p:extLst>
+      <p:ext uri="{BB962C8B-B14F-4D97-AF65-F5344CB8AC3E}">
+        <p14:creationId xmlns:p14="http://schemas.microsoft.com/office/powerpoint/2010/main" val="2429952574"/>
+      </p:ext>
+    </p:extLst>
   </p:cSld>
   <p:clrMapOvr>
     <a:masterClrMapping/>
@@ -547,7 +572,7 @@
 
 <file path=ppt/slideLayouts/slideLayout11.xml><?xml version="1.0" encoding="utf-8"?>
 <p:sldLayout xmlns:a="http://schemas.openxmlformats.org/drawingml/2006/main" xmlns:r="http://schemas.openxmlformats.org/officeDocument/2006/relationships" xmlns:p="http://schemas.openxmlformats.org/presentationml/2006/main" type="vertTitleAndTx" preserve="1">
-  <p:cSld name="Vertical Title and Text">
+  <p:cSld name="Texto e Título Vertical">
     <p:spTree>
       <p:nvGrpSpPr>
         <p:cNvPr id="1" name=""/>
@@ -564,7 +589,13 @@
       </p:grpSpPr>
       <p:sp>
         <p:nvSpPr>
-          <p:cNvPr id="2" name="Vertical Title 1"/>
+          <p:cNvPr id="2" name="Título Vertical 1">
+            <a:extLst>
+              <a:ext uri="{FF2B5EF4-FFF2-40B4-BE49-F238E27FC236}">
+                <a16:creationId xmlns:a16="http://schemas.microsoft.com/office/drawing/2014/main" id="{D22AA248-7BE5-4445-8BE1-30F05A3A46EE}"/>
+              </a:ext>
+            </a:extLst>
+          </p:cNvPr>
           <p:cNvSpPr>
             <a:spLocks noGrp="1"/>
           </p:cNvSpPr>
@@ -574,8 +605,8 @@
         </p:nvSpPr>
         <p:spPr>
           <a:xfrm>
-            <a:off x="6629400" y="274638"/>
-            <a:ext cx="2057400" cy="5851525"/>
+            <a:off x="13087350" y="547688"/>
+            <a:ext cx="3943350" cy="8717757"/>
           </a:xfrm>
         </p:spPr>
         <p:txBody>
@@ -583,15 +614,21 @@
           <a:lstStyle/>
           <a:p>
             <a:r>
-              <a:rPr lang="en-US"/>
-              <a:t>Click to edit Master title style</a:t>
-            </a:r>
-          </a:p>
-        </p:txBody>
-      </p:sp>
-      <p:sp>
-        <p:nvSpPr>
-          <p:cNvPr id="3" name="Vertical Text Placeholder 2"/>
+              <a:rPr lang="pt-BR"/>
+              <a:t>Clique para editar o título Mestre</a:t>
+            </a:r>
+          </a:p>
+        </p:txBody>
+      </p:sp>
+      <p:sp>
+        <p:nvSpPr>
+          <p:cNvPr id="3" name="Espaço Reservado para Texto Vertical 2">
+            <a:extLst>
+              <a:ext uri="{FF2B5EF4-FFF2-40B4-BE49-F238E27FC236}">
+                <a16:creationId xmlns:a16="http://schemas.microsoft.com/office/drawing/2014/main" id="{D49A05A2-C0F0-4BA6-A49C-45BA733065C9}"/>
+              </a:ext>
+            </a:extLst>
+          </p:cNvPr>
           <p:cNvSpPr>
             <a:spLocks noGrp="1"/>
           </p:cNvSpPr>
@@ -601,8 +638,8 @@
         </p:nvSpPr>
         <p:spPr>
           <a:xfrm>
-            <a:off x="457200" y="274638"/>
-            <a:ext cx="6019800" cy="5851525"/>
+            <a:off x="1257300" y="547688"/>
+            <a:ext cx="11601450" cy="8717757"/>
           </a:xfrm>
         </p:spPr>
         <p:txBody>
@@ -611,43 +648,49 @@
           <a:p>
             <a:pPr lvl="0"/>
             <a:r>
-              <a:rPr lang="en-US"/>
-              <a:t>Click to edit Master text styles</a:t>
+              <a:rPr lang="pt-BR"/>
+              <a:t>Clique para editar os estilos de texto Mestres</a:t>
             </a:r>
           </a:p>
           <a:p>
             <a:pPr lvl="1"/>
             <a:r>
-              <a:rPr lang="en-US"/>
-              <a:t>Second level</a:t>
+              <a:rPr lang="pt-BR"/>
+              <a:t>Segundo nível</a:t>
             </a:r>
           </a:p>
           <a:p>
             <a:pPr lvl="2"/>
             <a:r>
-              <a:rPr lang="en-US"/>
-              <a:t>Third level</a:t>
+              <a:rPr lang="pt-BR"/>
+              <a:t>Terceiro nível</a:t>
             </a:r>
           </a:p>
           <a:p>
             <a:pPr lvl="3"/>
             <a:r>
-              <a:rPr lang="en-US"/>
-              <a:t>Fourth level</a:t>
+              <a:rPr lang="pt-BR"/>
+              <a:t>Quarto nível</a:t>
             </a:r>
           </a:p>
           <a:p>
             <a:pPr lvl="4"/>
             <a:r>
-              <a:rPr lang="en-US"/>
-              <a:t>Fifth level</a:t>
-            </a:r>
-          </a:p>
-        </p:txBody>
-      </p:sp>
-      <p:sp>
-        <p:nvSpPr>
-          <p:cNvPr id="4" name="Date Placeholder 3"/>
+              <a:rPr lang="pt-BR"/>
+              <a:t>Quinto nível</a:t>
+            </a:r>
+          </a:p>
+        </p:txBody>
+      </p:sp>
+      <p:sp>
+        <p:nvSpPr>
+          <p:cNvPr id="4" name="Espaço Reservado para Data 3">
+            <a:extLst>
+              <a:ext uri="{FF2B5EF4-FFF2-40B4-BE49-F238E27FC236}">
+                <a16:creationId xmlns:a16="http://schemas.microsoft.com/office/drawing/2014/main" id="{E454951F-7BB2-4A91-ACF3-2021D68579C7}"/>
+              </a:ext>
+            </a:extLst>
+          </p:cNvPr>
           <p:cNvSpPr>
             <a:spLocks noGrp="1"/>
           </p:cNvSpPr>
@@ -663,7 +706,7 @@
             <a:fld id="{1D8BD707-D9CF-40AE-B4C6-C98DA3205C09}" type="datetimeFigureOut">
               <a:rPr lang="en-US" smtClean="0"/>
               <a:pPr/>
-              <a:t>11/6/2020</a:t>
+              <a:t>11/10/2020</a:t>
             </a:fld>
             <a:endParaRPr lang="en-US"/>
           </a:p>
@@ -671,7 +714,13 @@
       </p:sp>
       <p:sp>
         <p:nvSpPr>
-          <p:cNvPr id="5" name="Footer Placeholder 4"/>
+          <p:cNvPr id="5" name="Espaço Reservado para Rodapé 4">
+            <a:extLst>
+              <a:ext uri="{FF2B5EF4-FFF2-40B4-BE49-F238E27FC236}">
+                <a16:creationId xmlns:a16="http://schemas.microsoft.com/office/drawing/2014/main" id="{76C6E17B-7C14-4433-BF6C-778A00EE41AD}"/>
+              </a:ext>
+            </a:extLst>
+          </p:cNvPr>
           <p:cNvSpPr>
             <a:spLocks noGrp="1"/>
           </p:cNvSpPr>
@@ -690,7 +739,13 @@
       </p:sp>
       <p:sp>
         <p:nvSpPr>
-          <p:cNvPr id="6" name="Slide Number Placeholder 5"/>
+          <p:cNvPr id="6" name="Espaço Reservado para Número de Slide 5">
+            <a:extLst>
+              <a:ext uri="{FF2B5EF4-FFF2-40B4-BE49-F238E27FC236}">
+                <a16:creationId xmlns:a16="http://schemas.microsoft.com/office/drawing/2014/main" id="{0FCD791B-9BAE-4FED-85E2-236D903D8292}"/>
+              </a:ext>
+            </a:extLst>
+          </p:cNvPr>
           <p:cNvSpPr>
             <a:spLocks noGrp="1"/>
           </p:cNvSpPr>
@@ -713,6 +768,11 @@
         </p:txBody>
       </p:sp>
     </p:spTree>
+    <p:extLst>
+      <p:ext uri="{BB962C8B-B14F-4D97-AF65-F5344CB8AC3E}">
+        <p14:creationId xmlns:p14="http://schemas.microsoft.com/office/powerpoint/2010/main" val="2162193856"/>
+      </p:ext>
+    </p:extLst>
   </p:cSld>
   <p:clrMapOvr>
     <a:masterClrMapping/>
@@ -722,7 +782,7 @@
 
 <file path=ppt/slideLayouts/slideLayout2.xml><?xml version="1.0" encoding="utf-8"?>
 <p:sldLayout xmlns:a="http://schemas.openxmlformats.org/drawingml/2006/main" xmlns:r="http://schemas.openxmlformats.org/officeDocument/2006/relationships" xmlns:p="http://schemas.openxmlformats.org/presentationml/2006/main" type="obj" preserve="1">
-  <p:cSld name="Title and Content">
+  <p:cSld name="Título e Conteúdo">
     <p:spTree>
       <p:nvGrpSpPr>
         <p:cNvPr id="1" name=""/>
@@ -739,7 +799,13 @@
       </p:grpSpPr>
       <p:sp>
         <p:nvSpPr>
-          <p:cNvPr id="2" name="Title 1"/>
+          <p:cNvPr id="2" name="Título 1">
+            <a:extLst>
+              <a:ext uri="{FF2B5EF4-FFF2-40B4-BE49-F238E27FC236}">
+                <a16:creationId xmlns:a16="http://schemas.microsoft.com/office/drawing/2014/main" id="{663D3B14-B44B-40EB-B188-3603E7B70AD8}"/>
+              </a:ext>
+            </a:extLst>
+          </p:cNvPr>
           <p:cNvSpPr>
             <a:spLocks noGrp="1"/>
           </p:cNvSpPr>
@@ -753,15 +819,21 @@
           <a:lstStyle/>
           <a:p>
             <a:r>
-              <a:rPr lang="en-US"/>
-              <a:t>Click to edit Master title style</a:t>
-            </a:r>
-          </a:p>
-        </p:txBody>
-      </p:sp>
-      <p:sp>
-        <p:nvSpPr>
-          <p:cNvPr id="3" name="Content Placeholder 2"/>
+              <a:rPr lang="pt-BR"/>
+              <a:t>Clique para editar o título Mestre</a:t>
+            </a:r>
+          </a:p>
+        </p:txBody>
+      </p:sp>
+      <p:sp>
+        <p:nvSpPr>
+          <p:cNvPr id="3" name="Espaço Reservado para Conteúdo 2">
+            <a:extLst>
+              <a:ext uri="{FF2B5EF4-FFF2-40B4-BE49-F238E27FC236}">
+                <a16:creationId xmlns:a16="http://schemas.microsoft.com/office/drawing/2014/main" id="{6E97D696-BB56-4AFC-BAE9-EACB60F5FDC8}"/>
+              </a:ext>
+            </a:extLst>
+          </p:cNvPr>
           <p:cNvSpPr>
             <a:spLocks noGrp="1"/>
           </p:cNvSpPr>
@@ -776,43 +848,49 @@
           <a:p>
             <a:pPr lvl="0"/>
             <a:r>
-              <a:rPr lang="en-US"/>
-              <a:t>Click to edit Master text styles</a:t>
+              <a:rPr lang="pt-BR"/>
+              <a:t>Clique para editar os estilos de texto Mestres</a:t>
             </a:r>
           </a:p>
           <a:p>
             <a:pPr lvl="1"/>
             <a:r>
-              <a:rPr lang="en-US"/>
-              <a:t>Second level</a:t>
+              <a:rPr lang="pt-BR"/>
+              <a:t>Segundo nível</a:t>
             </a:r>
           </a:p>
           <a:p>
             <a:pPr lvl="2"/>
             <a:r>
-              <a:rPr lang="en-US"/>
-              <a:t>Third level</a:t>
+              <a:rPr lang="pt-BR"/>
+              <a:t>Terceiro nível</a:t>
             </a:r>
           </a:p>
           <a:p>
             <a:pPr lvl="3"/>
             <a:r>
-              <a:rPr lang="en-US"/>
-              <a:t>Fourth level</a:t>
+              <a:rPr lang="pt-BR"/>
+              <a:t>Quarto nível</a:t>
             </a:r>
           </a:p>
           <a:p>
             <a:pPr lvl="4"/>
             <a:r>
-              <a:rPr lang="en-US"/>
-              <a:t>Fifth level</a:t>
-            </a:r>
-          </a:p>
-        </p:txBody>
-      </p:sp>
-      <p:sp>
-        <p:nvSpPr>
-          <p:cNvPr id="4" name="Date Placeholder 3"/>
+              <a:rPr lang="pt-BR"/>
+              <a:t>Quinto nível</a:t>
+            </a:r>
+          </a:p>
+        </p:txBody>
+      </p:sp>
+      <p:sp>
+        <p:nvSpPr>
+          <p:cNvPr id="4" name="Espaço Reservado para Data 3">
+            <a:extLst>
+              <a:ext uri="{FF2B5EF4-FFF2-40B4-BE49-F238E27FC236}">
+                <a16:creationId xmlns:a16="http://schemas.microsoft.com/office/drawing/2014/main" id="{3FE96C5A-7A2E-4023-BA3A-1A7B39C3508B}"/>
+              </a:ext>
+            </a:extLst>
+          </p:cNvPr>
           <p:cNvSpPr>
             <a:spLocks noGrp="1"/>
           </p:cNvSpPr>
@@ -828,7 +906,7 @@
             <a:fld id="{1D8BD707-D9CF-40AE-B4C6-C98DA3205C09}" type="datetimeFigureOut">
               <a:rPr lang="en-US" smtClean="0"/>
               <a:pPr/>
-              <a:t>11/6/2020</a:t>
+              <a:t>11/10/2020</a:t>
             </a:fld>
             <a:endParaRPr lang="en-US"/>
           </a:p>
@@ -836,7 +914,13 @@
       </p:sp>
       <p:sp>
         <p:nvSpPr>
-          <p:cNvPr id="5" name="Footer Placeholder 4"/>
+          <p:cNvPr id="5" name="Espaço Reservado para Rodapé 4">
+            <a:extLst>
+              <a:ext uri="{FF2B5EF4-FFF2-40B4-BE49-F238E27FC236}">
+                <a16:creationId xmlns:a16="http://schemas.microsoft.com/office/drawing/2014/main" id="{69258C74-9FF7-4DB7-BC5A-21F536647F79}"/>
+              </a:ext>
+            </a:extLst>
+          </p:cNvPr>
           <p:cNvSpPr>
             <a:spLocks noGrp="1"/>
           </p:cNvSpPr>
@@ -855,7 +939,13 @@
       </p:sp>
       <p:sp>
         <p:nvSpPr>
-          <p:cNvPr id="6" name="Slide Number Placeholder 5"/>
+          <p:cNvPr id="6" name="Espaço Reservado para Número de Slide 5">
+            <a:extLst>
+              <a:ext uri="{FF2B5EF4-FFF2-40B4-BE49-F238E27FC236}">
+                <a16:creationId xmlns:a16="http://schemas.microsoft.com/office/drawing/2014/main" id="{1736AB40-A0C9-4B9F-8EF7-534BA7CD92D9}"/>
+              </a:ext>
+            </a:extLst>
+          </p:cNvPr>
           <p:cNvSpPr>
             <a:spLocks noGrp="1"/>
           </p:cNvSpPr>
@@ -878,6 +968,11 @@
         </p:txBody>
       </p:sp>
     </p:spTree>
+    <p:extLst>
+      <p:ext uri="{BB962C8B-B14F-4D97-AF65-F5344CB8AC3E}">
+        <p14:creationId xmlns:p14="http://schemas.microsoft.com/office/powerpoint/2010/main" val="3814510649"/>
+      </p:ext>
+    </p:extLst>
   </p:cSld>
   <p:clrMapOvr>
     <a:masterClrMapping/>
@@ -887,7 +982,7 @@
 
 <file path=ppt/slideLayouts/slideLayout3.xml><?xml version="1.0" encoding="utf-8"?>
 <p:sldLayout xmlns:a="http://schemas.openxmlformats.org/drawingml/2006/main" xmlns:r="http://schemas.openxmlformats.org/officeDocument/2006/relationships" xmlns:p="http://schemas.openxmlformats.org/presentationml/2006/main" type="secHead" preserve="1">
-  <p:cSld name="Section Header">
+  <p:cSld name="Cabeçalho da Seção">
     <p:spTree>
       <p:nvGrpSpPr>
         <p:cNvPr id="1" name=""/>
@@ -904,7 +999,13 @@
       </p:grpSpPr>
       <p:sp>
         <p:nvSpPr>
-          <p:cNvPr id="2" name="Title 1"/>
+          <p:cNvPr id="2" name="Título 1">
+            <a:extLst>
+              <a:ext uri="{FF2B5EF4-FFF2-40B4-BE49-F238E27FC236}">
+                <a16:creationId xmlns:a16="http://schemas.microsoft.com/office/drawing/2014/main" id="{76110452-6D1F-42B5-870D-85F662151D12}"/>
+              </a:ext>
+            </a:extLst>
+          </p:cNvPr>
           <p:cNvSpPr>
             <a:spLocks noGrp="1"/>
           </p:cNvSpPr>
@@ -914,28 +1015,34 @@
         </p:nvSpPr>
         <p:spPr>
           <a:xfrm>
-            <a:off x="722313" y="4406900"/>
-            <a:ext cx="7772400" cy="1362075"/>
+            <a:off x="1247775" y="2564608"/>
+            <a:ext cx="15773400" cy="4279106"/>
           </a:xfrm>
         </p:spPr>
         <p:txBody>
-          <a:bodyPr anchor="t"/>
+          <a:bodyPr anchor="b"/>
           <a:lstStyle>
-            <a:lvl1pPr algn="l">
-              <a:defRPr sz="4000" b="1" cap="all"/>
+            <a:lvl1pPr>
+              <a:defRPr sz="9000"/>
             </a:lvl1pPr>
           </a:lstStyle>
           <a:p>
             <a:r>
-              <a:rPr lang="en-US"/>
-              <a:t>Click to edit Master title style</a:t>
-            </a:r>
-          </a:p>
-        </p:txBody>
-      </p:sp>
-      <p:sp>
-        <p:nvSpPr>
-          <p:cNvPr id="3" name="Text Placeholder 2"/>
+              <a:rPr lang="pt-BR"/>
+              <a:t>Clique para editar o título Mestre</a:t>
+            </a:r>
+          </a:p>
+        </p:txBody>
+      </p:sp>
+      <p:sp>
+        <p:nvSpPr>
+          <p:cNvPr id="3" name="Espaço Reservado para Texto 2">
+            <a:extLst>
+              <a:ext uri="{FF2B5EF4-FFF2-40B4-BE49-F238E27FC236}">
+                <a16:creationId xmlns:a16="http://schemas.microsoft.com/office/drawing/2014/main" id="{05EA8947-F3E0-467E-9A69-D7D2B1643FCA}"/>
+              </a:ext>
+            </a:extLst>
+          </p:cNvPr>
           <p:cNvSpPr>
             <a:spLocks noGrp="1"/>
           </p:cNvSpPr>
@@ -945,16 +1052,16 @@
         </p:nvSpPr>
         <p:spPr>
           <a:xfrm>
-            <a:off x="722313" y="2906713"/>
-            <a:ext cx="7772400" cy="1500187"/>
+            <a:off x="1247775" y="6884195"/>
+            <a:ext cx="15773400" cy="2250281"/>
           </a:xfrm>
         </p:spPr>
         <p:txBody>
-          <a:bodyPr anchor="b"/>
+          <a:bodyPr/>
           <a:lstStyle>
             <a:lvl1pPr marL="0" indent="0">
               <a:buNone/>
-              <a:defRPr sz="2000">
+              <a:defRPr sz="3600">
                 <a:solidFill>
                   <a:schemeClr val="tx1">
                     <a:tint val="75000"/>
@@ -962,9 +1069,9 @@
                 </a:solidFill>
               </a:defRPr>
             </a:lvl1pPr>
-            <a:lvl2pPr marL="457200" indent="0">
-              <a:buNone/>
-              <a:defRPr sz="1800">
+            <a:lvl2pPr marL="685800" indent="0">
+              <a:buNone/>
+              <a:defRPr sz="3000">
                 <a:solidFill>
                   <a:schemeClr val="tx1">
                     <a:tint val="75000"/>
@@ -972,9 +1079,9 @@
                 </a:solidFill>
               </a:defRPr>
             </a:lvl2pPr>
-            <a:lvl3pPr marL="914400" indent="0">
-              <a:buNone/>
-              <a:defRPr sz="1600">
+            <a:lvl3pPr marL="1371600" indent="0">
+              <a:buNone/>
+              <a:defRPr sz="2700">
                 <a:solidFill>
                   <a:schemeClr val="tx1">
                     <a:tint val="75000"/>
@@ -982,9 +1089,9 @@
                 </a:solidFill>
               </a:defRPr>
             </a:lvl3pPr>
-            <a:lvl4pPr marL="1371600" indent="0">
-              <a:buNone/>
-              <a:defRPr sz="1400">
+            <a:lvl4pPr marL="2057400" indent="0">
+              <a:buNone/>
+              <a:defRPr sz="2400">
                 <a:solidFill>
                   <a:schemeClr val="tx1">
                     <a:tint val="75000"/>
@@ -992,9 +1099,9 @@
                 </a:solidFill>
               </a:defRPr>
             </a:lvl4pPr>
-            <a:lvl5pPr marL="1828800" indent="0">
-              <a:buNone/>
-              <a:defRPr sz="1400">
+            <a:lvl5pPr marL="2743200" indent="0">
+              <a:buNone/>
+              <a:defRPr sz="2400">
                 <a:solidFill>
                   <a:schemeClr val="tx1">
                     <a:tint val="75000"/>
@@ -1002,9 +1109,9 @@
                 </a:solidFill>
               </a:defRPr>
             </a:lvl5pPr>
-            <a:lvl6pPr marL="2286000" indent="0">
-              <a:buNone/>
-              <a:defRPr sz="1400">
+            <a:lvl6pPr marL="3429000" indent="0">
+              <a:buNone/>
+              <a:defRPr sz="2400">
                 <a:solidFill>
                   <a:schemeClr val="tx1">
                     <a:tint val="75000"/>
@@ -1012,9 +1119,9 @@
                 </a:solidFill>
               </a:defRPr>
             </a:lvl6pPr>
-            <a:lvl7pPr marL="2743200" indent="0">
-              <a:buNone/>
-              <a:defRPr sz="1400">
+            <a:lvl7pPr marL="4114800" indent="0">
+              <a:buNone/>
+              <a:defRPr sz="2400">
                 <a:solidFill>
                   <a:schemeClr val="tx1">
                     <a:tint val="75000"/>
@@ -1022,9 +1129,9 @@
                 </a:solidFill>
               </a:defRPr>
             </a:lvl7pPr>
-            <a:lvl8pPr marL="3200400" indent="0">
-              <a:buNone/>
-              <a:defRPr sz="1400">
+            <a:lvl8pPr marL="4800600" indent="0">
+              <a:buNone/>
+              <a:defRPr sz="2400">
                 <a:solidFill>
                   <a:schemeClr val="tx1">
                     <a:tint val="75000"/>
@@ -1032,9 +1139,9 @@
                 </a:solidFill>
               </a:defRPr>
             </a:lvl8pPr>
-            <a:lvl9pPr marL="3657600" indent="0">
-              <a:buNone/>
-              <a:defRPr sz="1400">
+            <a:lvl9pPr marL="5486400" indent="0">
+              <a:buNone/>
+              <a:defRPr sz="2400">
                 <a:solidFill>
                   <a:schemeClr val="tx1">
                     <a:tint val="75000"/>
@@ -1046,15 +1153,21 @@
           <a:p>
             <a:pPr lvl="0"/>
             <a:r>
-              <a:rPr lang="en-US"/>
-              <a:t>Click to edit Master text styles</a:t>
-            </a:r>
-          </a:p>
-        </p:txBody>
-      </p:sp>
-      <p:sp>
-        <p:nvSpPr>
-          <p:cNvPr id="4" name="Date Placeholder 3"/>
+              <a:rPr lang="pt-BR"/>
+              <a:t>Clique para editar os estilos de texto Mestres</a:t>
+            </a:r>
+          </a:p>
+        </p:txBody>
+      </p:sp>
+      <p:sp>
+        <p:nvSpPr>
+          <p:cNvPr id="4" name="Espaço Reservado para Data 3">
+            <a:extLst>
+              <a:ext uri="{FF2B5EF4-FFF2-40B4-BE49-F238E27FC236}">
+                <a16:creationId xmlns:a16="http://schemas.microsoft.com/office/drawing/2014/main" id="{7D66619F-25D6-45FE-BDCC-1A125153BBFA}"/>
+              </a:ext>
+            </a:extLst>
+          </p:cNvPr>
           <p:cNvSpPr>
             <a:spLocks noGrp="1"/>
           </p:cNvSpPr>
@@ -1070,7 +1183,7 @@
             <a:fld id="{1D8BD707-D9CF-40AE-B4C6-C98DA3205C09}" type="datetimeFigureOut">
               <a:rPr lang="en-US" smtClean="0"/>
               <a:pPr/>
-              <a:t>11/6/2020</a:t>
+              <a:t>11/10/2020</a:t>
             </a:fld>
             <a:endParaRPr lang="en-US"/>
           </a:p>
@@ -1078,7 +1191,13 @@
       </p:sp>
       <p:sp>
         <p:nvSpPr>
-          <p:cNvPr id="5" name="Footer Placeholder 4"/>
+          <p:cNvPr id="5" name="Espaço Reservado para Rodapé 4">
+            <a:extLst>
+              <a:ext uri="{FF2B5EF4-FFF2-40B4-BE49-F238E27FC236}">
+                <a16:creationId xmlns:a16="http://schemas.microsoft.com/office/drawing/2014/main" id="{CAE9B57E-2447-4DBD-BEF7-63F8DDA5EC86}"/>
+              </a:ext>
+            </a:extLst>
+          </p:cNvPr>
           <p:cNvSpPr>
             <a:spLocks noGrp="1"/>
           </p:cNvSpPr>
@@ -1097,7 +1216,13 @@
       </p:sp>
       <p:sp>
         <p:nvSpPr>
-          <p:cNvPr id="6" name="Slide Number Placeholder 5"/>
+          <p:cNvPr id="6" name="Espaço Reservado para Número de Slide 5">
+            <a:extLst>
+              <a:ext uri="{FF2B5EF4-FFF2-40B4-BE49-F238E27FC236}">
+                <a16:creationId xmlns:a16="http://schemas.microsoft.com/office/drawing/2014/main" id="{518B49CF-D62C-4612-8148-30D39D1D3252}"/>
+              </a:ext>
+            </a:extLst>
+          </p:cNvPr>
           <p:cNvSpPr>
             <a:spLocks noGrp="1"/>
           </p:cNvSpPr>
@@ -1120,6 +1245,11 @@
         </p:txBody>
       </p:sp>
     </p:spTree>
+    <p:extLst>
+      <p:ext uri="{BB962C8B-B14F-4D97-AF65-F5344CB8AC3E}">
+        <p14:creationId xmlns:p14="http://schemas.microsoft.com/office/powerpoint/2010/main" val="2232689981"/>
+      </p:ext>
+    </p:extLst>
   </p:cSld>
   <p:clrMapOvr>
     <a:masterClrMapping/>
@@ -1129,7 +1259,7 @@
 
 <file path=ppt/slideLayouts/slideLayout4.xml><?xml version="1.0" encoding="utf-8"?>
 <p:sldLayout xmlns:a="http://schemas.openxmlformats.org/drawingml/2006/main" xmlns:r="http://schemas.openxmlformats.org/officeDocument/2006/relationships" xmlns:p="http://schemas.openxmlformats.org/presentationml/2006/main" type="twoObj" preserve="1">
-  <p:cSld name="Two Content">
+  <p:cSld name="Duas Partes de Conteúdo">
     <p:spTree>
       <p:nvGrpSpPr>
         <p:cNvPr id="1" name=""/>
@@ -1146,7 +1276,13 @@
       </p:grpSpPr>
       <p:sp>
         <p:nvSpPr>
-          <p:cNvPr id="2" name="Title 1"/>
+          <p:cNvPr id="2" name="Título 1">
+            <a:extLst>
+              <a:ext uri="{FF2B5EF4-FFF2-40B4-BE49-F238E27FC236}">
+                <a16:creationId xmlns:a16="http://schemas.microsoft.com/office/drawing/2014/main" id="{340DA030-E4FE-4953-A228-99DB2162A8C6}"/>
+              </a:ext>
+            </a:extLst>
+          </p:cNvPr>
           <p:cNvSpPr>
             <a:spLocks noGrp="1"/>
           </p:cNvSpPr>
@@ -1160,15 +1296,21 @@
           <a:lstStyle/>
           <a:p>
             <a:r>
-              <a:rPr lang="en-US"/>
-              <a:t>Click to edit Master title style</a:t>
-            </a:r>
-          </a:p>
-        </p:txBody>
-      </p:sp>
-      <p:sp>
-        <p:nvSpPr>
-          <p:cNvPr id="3" name="Content Placeholder 2"/>
+              <a:rPr lang="pt-BR"/>
+              <a:t>Clique para editar o título Mestre</a:t>
+            </a:r>
+          </a:p>
+        </p:txBody>
+      </p:sp>
+      <p:sp>
+        <p:nvSpPr>
+          <p:cNvPr id="3" name="Espaço Reservado para Conteúdo 2">
+            <a:extLst>
+              <a:ext uri="{FF2B5EF4-FFF2-40B4-BE49-F238E27FC236}">
+                <a16:creationId xmlns:a16="http://schemas.microsoft.com/office/drawing/2014/main" id="{EB8ADECD-5E72-4976-B13B-5FB7F1FDE0A6}"/>
+              </a:ext>
+            </a:extLst>
+          </p:cNvPr>
           <p:cNvSpPr>
             <a:spLocks noGrp="1"/>
           </p:cNvSpPr>
@@ -1178,81 +1320,59 @@
         </p:nvSpPr>
         <p:spPr>
           <a:xfrm>
-            <a:off x="457200" y="1600200"/>
-            <a:ext cx="4038600" cy="4525963"/>
+            <a:off x="1257300" y="2738438"/>
+            <a:ext cx="7772400" cy="6527007"/>
           </a:xfrm>
         </p:spPr>
         <p:txBody>
           <a:bodyPr/>
-          <a:lstStyle>
-            <a:lvl1pPr>
-              <a:defRPr sz="2800"/>
-            </a:lvl1pPr>
-            <a:lvl2pPr>
-              <a:defRPr sz="2400"/>
-            </a:lvl2pPr>
-            <a:lvl3pPr>
-              <a:defRPr sz="2000"/>
-            </a:lvl3pPr>
-            <a:lvl4pPr>
-              <a:defRPr sz="1800"/>
-            </a:lvl4pPr>
-            <a:lvl5pPr>
-              <a:defRPr sz="1800"/>
-            </a:lvl5pPr>
-            <a:lvl6pPr>
-              <a:defRPr sz="1800"/>
-            </a:lvl6pPr>
-            <a:lvl7pPr>
-              <a:defRPr sz="1800"/>
-            </a:lvl7pPr>
-            <a:lvl8pPr>
-              <a:defRPr sz="1800"/>
-            </a:lvl8pPr>
-            <a:lvl9pPr>
-              <a:defRPr sz="1800"/>
-            </a:lvl9pPr>
-          </a:lstStyle>
+          <a:lstStyle/>
           <a:p>
             <a:pPr lvl="0"/>
             <a:r>
-              <a:rPr lang="en-US"/>
-              <a:t>Click to edit Master text styles</a:t>
+              <a:rPr lang="pt-BR"/>
+              <a:t>Clique para editar os estilos de texto Mestres</a:t>
             </a:r>
           </a:p>
           <a:p>
             <a:pPr lvl="1"/>
             <a:r>
-              <a:rPr lang="en-US"/>
-              <a:t>Second level</a:t>
+              <a:rPr lang="pt-BR"/>
+              <a:t>Segundo nível</a:t>
             </a:r>
           </a:p>
           <a:p>
             <a:pPr lvl="2"/>
             <a:r>
-              <a:rPr lang="en-US"/>
-              <a:t>Third level</a:t>
+              <a:rPr lang="pt-BR"/>
+              <a:t>Terceiro nível</a:t>
             </a:r>
           </a:p>
           <a:p>
             <a:pPr lvl="3"/>
             <a:r>
-              <a:rPr lang="en-US"/>
-              <a:t>Fourth level</a:t>
+              <a:rPr lang="pt-BR"/>
+              <a:t>Quarto nível</a:t>
             </a:r>
           </a:p>
           <a:p>
             <a:pPr lvl="4"/>
             <a:r>
-              <a:rPr lang="en-US"/>
-              <a:t>Fifth level</a:t>
-            </a:r>
-          </a:p>
-        </p:txBody>
-      </p:sp>
-      <p:sp>
-        <p:nvSpPr>
-          <p:cNvPr id="4" name="Content Placeholder 3"/>
+              <a:rPr lang="pt-BR"/>
+              <a:t>Quinto nível</a:t>
+            </a:r>
+          </a:p>
+        </p:txBody>
+      </p:sp>
+      <p:sp>
+        <p:nvSpPr>
+          <p:cNvPr id="4" name="Espaço Reservado para Conteúdo 3">
+            <a:extLst>
+              <a:ext uri="{FF2B5EF4-FFF2-40B4-BE49-F238E27FC236}">
+                <a16:creationId xmlns:a16="http://schemas.microsoft.com/office/drawing/2014/main" id="{CD44C33A-2D37-4D47-9E55-F3E6DF886F0D}"/>
+              </a:ext>
+            </a:extLst>
+          </p:cNvPr>
           <p:cNvSpPr>
             <a:spLocks noGrp="1"/>
           </p:cNvSpPr>
@@ -1262,81 +1382,59 @@
         </p:nvSpPr>
         <p:spPr>
           <a:xfrm>
-            <a:off x="4648200" y="1600200"/>
-            <a:ext cx="4038600" cy="4525963"/>
+            <a:off x="9258300" y="2738438"/>
+            <a:ext cx="7772400" cy="6527007"/>
           </a:xfrm>
         </p:spPr>
         <p:txBody>
           <a:bodyPr/>
-          <a:lstStyle>
-            <a:lvl1pPr>
-              <a:defRPr sz="2800"/>
-            </a:lvl1pPr>
-            <a:lvl2pPr>
-              <a:defRPr sz="2400"/>
-            </a:lvl2pPr>
-            <a:lvl3pPr>
-              <a:defRPr sz="2000"/>
-            </a:lvl3pPr>
-            <a:lvl4pPr>
-              <a:defRPr sz="1800"/>
-            </a:lvl4pPr>
-            <a:lvl5pPr>
-              <a:defRPr sz="1800"/>
-            </a:lvl5pPr>
-            <a:lvl6pPr>
-              <a:defRPr sz="1800"/>
-            </a:lvl6pPr>
-            <a:lvl7pPr>
-              <a:defRPr sz="1800"/>
-            </a:lvl7pPr>
-            <a:lvl8pPr>
-              <a:defRPr sz="1800"/>
-            </a:lvl8pPr>
-            <a:lvl9pPr>
-              <a:defRPr sz="1800"/>
-            </a:lvl9pPr>
-          </a:lstStyle>
+          <a:lstStyle/>
           <a:p>
             <a:pPr lvl="0"/>
             <a:r>
-              <a:rPr lang="en-US"/>
-              <a:t>Click to edit Master text styles</a:t>
+              <a:rPr lang="pt-BR"/>
+              <a:t>Clique para editar os estilos de texto Mestres</a:t>
             </a:r>
           </a:p>
           <a:p>
             <a:pPr lvl="1"/>
             <a:r>
-              <a:rPr lang="en-US"/>
-              <a:t>Second level</a:t>
+              <a:rPr lang="pt-BR"/>
+              <a:t>Segundo nível</a:t>
             </a:r>
           </a:p>
           <a:p>
             <a:pPr lvl="2"/>
             <a:r>
-              <a:rPr lang="en-US"/>
-              <a:t>Third level</a:t>
+              <a:rPr lang="pt-BR"/>
+              <a:t>Terceiro nível</a:t>
             </a:r>
           </a:p>
           <a:p>
             <a:pPr lvl="3"/>
             <a:r>
-              <a:rPr lang="en-US"/>
-              <a:t>Fourth level</a:t>
+              <a:rPr lang="pt-BR"/>
+              <a:t>Quarto nível</a:t>
             </a:r>
           </a:p>
           <a:p>
             <a:pPr lvl="4"/>
             <a:r>
-              <a:rPr lang="en-US"/>
-              <a:t>Fifth level</a:t>
-            </a:r>
-          </a:p>
-        </p:txBody>
-      </p:sp>
-      <p:sp>
-        <p:nvSpPr>
-          <p:cNvPr id="5" name="Date Placeholder 4"/>
+              <a:rPr lang="pt-BR"/>
+              <a:t>Quinto nível</a:t>
+            </a:r>
+          </a:p>
+        </p:txBody>
+      </p:sp>
+      <p:sp>
+        <p:nvSpPr>
+          <p:cNvPr id="5" name="Espaço Reservado para Data 4">
+            <a:extLst>
+              <a:ext uri="{FF2B5EF4-FFF2-40B4-BE49-F238E27FC236}">
+                <a16:creationId xmlns:a16="http://schemas.microsoft.com/office/drawing/2014/main" id="{EFC56E6A-BB18-4757-8EB4-75CD6AF93A9C}"/>
+              </a:ext>
+            </a:extLst>
+          </p:cNvPr>
           <p:cNvSpPr>
             <a:spLocks noGrp="1"/>
           </p:cNvSpPr>
@@ -1352,7 +1450,7 @@
             <a:fld id="{1D8BD707-D9CF-40AE-B4C6-C98DA3205C09}" type="datetimeFigureOut">
               <a:rPr lang="en-US" smtClean="0"/>
               <a:pPr/>
-              <a:t>11/6/2020</a:t>
+              <a:t>11/10/2020</a:t>
             </a:fld>
             <a:endParaRPr lang="en-US"/>
           </a:p>
@@ -1360,7 +1458,13 @@
       </p:sp>
       <p:sp>
         <p:nvSpPr>
-          <p:cNvPr id="6" name="Footer Placeholder 5"/>
+          <p:cNvPr id="6" name="Espaço Reservado para Rodapé 5">
+            <a:extLst>
+              <a:ext uri="{FF2B5EF4-FFF2-40B4-BE49-F238E27FC236}">
+                <a16:creationId xmlns:a16="http://schemas.microsoft.com/office/drawing/2014/main" id="{789B629D-331E-444C-8F52-254D03A04C33}"/>
+              </a:ext>
+            </a:extLst>
+          </p:cNvPr>
           <p:cNvSpPr>
             <a:spLocks noGrp="1"/>
           </p:cNvSpPr>
@@ -1379,7 +1483,13 @@
       </p:sp>
       <p:sp>
         <p:nvSpPr>
-          <p:cNvPr id="7" name="Slide Number Placeholder 6"/>
+          <p:cNvPr id="7" name="Espaço Reservado para Número de Slide 6">
+            <a:extLst>
+              <a:ext uri="{FF2B5EF4-FFF2-40B4-BE49-F238E27FC236}">
+                <a16:creationId xmlns:a16="http://schemas.microsoft.com/office/drawing/2014/main" id="{6E13B497-172C-4706-BC1E-551D0A95F3F6}"/>
+              </a:ext>
+            </a:extLst>
+          </p:cNvPr>
           <p:cNvSpPr>
             <a:spLocks noGrp="1"/>
           </p:cNvSpPr>
@@ -1402,6 +1512,11 @@
         </p:txBody>
       </p:sp>
     </p:spTree>
+    <p:extLst>
+      <p:ext uri="{BB962C8B-B14F-4D97-AF65-F5344CB8AC3E}">
+        <p14:creationId xmlns:p14="http://schemas.microsoft.com/office/powerpoint/2010/main" val="4142300385"/>
+      </p:ext>
+    </p:extLst>
   </p:cSld>
   <p:clrMapOvr>
     <a:masterClrMapping/>
@@ -1411,7 +1526,7 @@
 
 <file path=ppt/slideLayouts/slideLayout5.xml><?xml version="1.0" encoding="utf-8"?>
 <p:sldLayout xmlns:a="http://schemas.openxmlformats.org/drawingml/2006/main" xmlns:r="http://schemas.openxmlformats.org/officeDocument/2006/relationships" xmlns:p="http://schemas.openxmlformats.org/presentationml/2006/main" type="twoTxTwoObj" preserve="1">
-  <p:cSld name="Comparison">
+  <p:cSld name="Comparação">
     <p:spTree>
       <p:nvGrpSpPr>
         <p:cNvPr id="1" name=""/>
@@ -1428,44 +1543,57 @@
       </p:grpSpPr>
       <p:sp>
         <p:nvSpPr>
-          <p:cNvPr id="2" name="Title 1"/>
+          <p:cNvPr id="2" name="Título 1">
+            <a:extLst>
+              <a:ext uri="{FF2B5EF4-FFF2-40B4-BE49-F238E27FC236}">
+                <a16:creationId xmlns:a16="http://schemas.microsoft.com/office/drawing/2014/main" id="{CB1ADCAB-A03E-4F23-9689-C61C76916CDD}"/>
+              </a:ext>
+            </a:extLst>
+          </p:cNvPr>
           <p:cNvSpPr>
             <a:spLocks noGrp="1"/>
           </p:cNvSpPr>
           <p:nvPr>
             <p:ph type="title"/>
-          </p:nvPr>
-        </p:nvSpPr>
-        <p:spPr/>
-        <p:txBody>
-          <a:bodyPr/>
-          <a:lstStyle>
-            <a:lvl1pPr>
-              <a:defRPr/>
-            </a:lvl1pPr>
-          </a:lstStyle>
-          <a:p>
-            <a:r>
-              <a:rPr lang="en-US"/>
-              <a:t>Click to edit Master title style</a:t>
-            </a:r>
-          </a:p>
-        </p:txBody>
-      </p:sp>
-      <p:sp>
-        <p:nvSpPr>
-          <p:cNvPr id="3" name="Text Placeholder 2"/>
-          <p:cNvSpPr>
-            <a:spLocks noGrp="1"/>
-          </p:cNvSpPr>
-          <p:nvPr>
-            <p:ph type="body" idx="1"/>
           </p:nvPr>
         </p:nvSpPr>
         <p:spPr>
           <a:xfrm>
-            <a:off x="457200" y="1535113"/>
-            <a:ext cx="4040188" cy="639762"/>
+            <a:off x="1259682" y="547688"/>
+            <a:ext cx="15773400" cy="1988345"/>
+          </a:xfrm>
+        </p:spPr>
+        <p:txBody>
+          <a:bodyPr/>
+          <a:lstStyle/>
+          <a:p>
+            <a:r>
+              <a:rPr lang="pt-BR"/>
+              <a:t>Clique para editar o título Mestre</a:t>
+            </a:r>
+          </a:p>
+        </p:txBody>
+      </p:sp>
+      <p:sp>
+        <p:nvSpPr>
+          <p:cNvPr id="3" name="Espaço Reservado para Texto 2">
+            <a:extLst>
+              <a:ext uri="{FF2B5EF4-FFF2-40B4-BE49-F238E27FC236}">
+                <a16:creationId xmlns:a16="http://schemas.microsoft.com/office/drawing/2014/main" id="{4BA36C78-D72C-4C8D-95C9-066E923656C3}"/>
+              </a:ext>
+            </a:extLst>
+          </p:cNvPr>
+          <p:cNvSpPr>
+            <a:spLocks noGrp="1"/>
+          </p:cNvSpPr>
+          <p:nvPr>
+            <p:ph type="body" idx="1"/>
+          </p:nvPr>
+        </p:nvSpPr>
+        <p:spPr>
+          <a:xfrm>
+            <a:off x="1259683" y="2521745"/>
+            <a:ext cx="7736681" cy="1235868"/>
           </a:xfrm>
         </p:spPr>
         <p:txBody>
@@ -1473,53 +1601,59 @@
           <a:lstStyle>
             <a:lvl1pPr marL="0" indent="0">
               <a:buNone/>
+              <a:defRPr sz="3600" b="1"/>
+            </a:lvl1pPr>
+            <a:lvl2pPr marL="685800" indent="0">
+              <a:buNone/>
+              <a:defRPr sz="3000" b="1"/>
+            </a:lvl2pPr>
+            <a:lvl3pPr marL="1371600" indent="0">
+              <a:buNone/>
+              <a:defRPr sz="2700" b="1"/>
+            </a:lvl3pPr>
+            <a:lvl4pPr marL="2057400" indent="0">
+              <a:buNone/>
               <a:defRPr sz="2400" b="1"/>
-            </a:lvl1pPr>
-            <a:lvl2pPr marL="457200" indent="0">
-              <a:buNone/>
-              <a:defRPr sz="2000" b="1"/>
-            </a:lvl2pPr>
-            <a:lvl3pPr marL="914400" indent="0">
-              <a:buNone/>
-              <a:defRPr sz="1800" b="1"/>
-            </a:lvl3pPr>
-            <a:lvl4pPr marL="1371600" indent="0">
-              <a:buNone/>
-              <a:defRPr sz="1600" b="1"/>
             </a:lvl4pPr>
-            <a:lvl5pPr marL="1828800" indent="0">
-              <a:buNone/>
-              <a:defRPr sz="1600" b="1"/>
+            <a:lvl5pPr marL="2743200" indent="0">
+              <a:buNone/>
+              <a:defRPr sz="2400" b="1"/>
             </a:lvl5pPr>
-            <a:lvl6pPr marL="2286000" indent="0">
-              <a:buNone/>
-              <a:defRPr sz="1600" b="1"/>
+            <a:lvl6pPr marL="3429000" indent="0">
+              <a:buNone/>
+              <a:defRPr sz="2400" b="1"/>
             </a:lvl6pPr>
-            <a:lvl7pPr marL="2743200" indent="0">
-              <a:buNone/>
-              <a:defRPr sz="1600" b="1"/>
+            <a:lvl7pPr marL="4114800" indent="0">
+              <a:buNone/>
+              <a:defRPr sz="2400" b="1"/>
             </a:lvl7pPr>
-            <a:lvl8pPr marL="3200400" indent="0">
-              <a:buNone/>
-              <a:defRPr sz="1600" b="1"/>
+            <a:lvl8pPr marL="4800600" indent="0">
+              <a:buNone/>
+              <a:defRPr sz="2400" b="1"/>
             </a:lvl8pPr>
-            <a:lvl9pPr marL="3657600" indent="0">
-              <a:buNone/>
-              <a:defRPr sz="1600" b="1"/>
+            <a:lvl9pPr marL="5486400" indent="0">
+              <a:buNone/>
+              <a:defRPr sz="2400" b="1"/>
             </a:lvl9pPr>
           </a:lstStyle>
           <a:p>
             <a:pPr lvl="0"/>
             <a:r>
-              <a:rPr lang="en-US"/>
-              <a:t>Click to edit Master text styles</a:t>
-            </a:r>
-          </a:p>
-        </p:txBody>
-      </p:sp>
-      <p:sp>
-        <p:nvSpPr>
-          <p:cNvPr id="4" name="Content Placeholder 3"/>
+              <a:rPr lang="pt-BR"/>
+              <a:t>Clique para editar os estilos de texto Mestres</a:t>
+            </a:r>
+          </a:p>
+        </p:txBody>
+      </p:sp>
+      <p:sp>
+        <p:nvSpPr>
+          <p:cNvPr id="4" name="Espaço Reservado para Conteúdo 3">
+            <a:extLst>
+              <a:ext uri="{FF2B5EF4-FFF2-40B4-BE49-F238E27FC236}">
+                <a16:creationId xmlns:a16="http://schemas.microsoft.com/office/drawing/2014/main" id="{5FC129D4-13CA-4FE2-8CEA-42722041DC00}"/>
+              </a:ext>
+            </a:extLst>
+          </p:cNvPr>
           <p:cNvSpPr>
             <a:spLocks noGrp="1"/>
           </p:cNvSpPr>
@@ -1529,81 +1663,59 @@
         </p:nvSpPr>
         <p:spPr>
           <a:xfrm>
-            <a:off x="457200" y="2174875"/>
-            <a:ext cx="4040188" cy="3951288"/>
+            <a:off x="1259683" y="3757613"/>
+            <a:ext cx="7736681" cy="5526882"/>
           </a:xfrm>
         </p:spPr>
         <p:txBody>
           <a:bodyPr/>
-          <a:lstStyle>
-            <a:lvl1pPr>
-              <a:defRPr sz="2400"/>
-            </a:lvl1pPr>
-            <a:lvl2pPr>
-              <a:defRPr sz="2000"/>
-            </a:lvl2pPr>
-            <a:lvl3pPr>
-              <a:defRPr sz="1800"/>
-            </a:lvl3pPr>
-            <a:lvl4pPr>
-              <a:defRPr sz="1600"/>
-            </a:lvl4pPr>
-            <a:lvl5pPr>
-              <a:defRPr sz="1600"/>
-            </a:lvl5pPr>
-            <a:lvl6pPr>
-              <a:defRPr sz="1600"/>
-            </a:lvl6pPr>
-            <a:lvl7pPr>
-              <a:defRPr sz="1600"/>
-            </a:lvl7pPr>
-            <a:lvl8pPr>
-              <a:defRPr sz="1600"/>
-            </a:lvl8pPr>
-            <a:lvl9pPr>
-              <a:defRPr sz="1600"/>
-            </a:lvl9pPr>
-          </a:lstStyle>
+          <a:lstStyle/>
           <a:p>
             <a:pPr lvl="0"/>
             <a:r>
-              <a:rPr lang="en-US"/>
-              <a:t>Click to edit Master text styles</a:t>
+              <a:rPr lang="pt-BR"/>
+              <a:t>Clique para editar os estilos de texto Mestres</a:t>
             </a:r>
           </a:p>
           <a:p>
             <a:pPr lvl="1"/>
             <a:r>
-              <a:rPr lang="en-US"/>
-              <a:t>Second level</a:t>
+              <a:rPr lang="pt-BR"/>
+              <a:t>Segundo nível</a:t>
             </a:r>
           </a:p>
           <a:p>
             <a:pPr lvl="2"/>
             <a:r>
-              <a:rPr lang="en-US"/>
-              <a:t>Third level</a:t>
+              <a:rPr lang="pt-BR"/>
+              <a:t>Terceiro nível</a:t>
             </a:r>
           </a:p>
           <a:p>
             <a:pPr lvl="3"/>
             <a:r>
-              <a:rPr lang="en-US"/>
-              <a:t>Fourth level</a:t>
+              <a:rPr lang="pt-BR"/>
+              <a:t>Quarto nível</a:t>
             </a:r>
           </a:p>
           <a:p>
             <a:pPr lvl="4"/>
             <a:r>
-              <a:rPr lang="en-US"/>
-              <a:t>Fifth level</a:t>
-            </a:r>
-          </a:p>
-        </p:txBody>
-      </p:sp>
-      <p:sp>
-        <p:nvSpPr>
-          <p:cNvPr id="5" name="Text Placeholder 4"/>
+              <a:rPr lang="pt-BR"/>
+              <a:t>Quinto nível</a:t>
+            </a:r>
+          </a:p>
+        </p:txBody>
+      </p:sp>
+      <p:sp>
+        <p:nvSpPr>
+          <p:cNvPr id="5" name="Espaço Reservado para Texto 4">
+            <a:extLst>
+              <a:ext uri="{FF2B5EF4-FFF2-40B4-BE49-F238E27FC236}">
+                <a16:creationId xmlns:a16="http://schemas.microsoft.com/office/drawing/2014/main" id="{2A3438D6-487C-4C93-85E3-34000CB5A6DE}"/>
+              </a:ext>
+            </a:extLst>
+          </p:cNvPr>
           <p:cNvSpPr>
             <a:spLocks noGrp="1"/>
           </p:cNvSpPr>
@@ -1613,8 +1725,8 @@
         </p:nvSpPr>
         <p:spPr>
           <a:xfrm>
-            <a:off x="4645025" y="1535113"/>
-            <a:ext cx="4041775" cy="639762"/>
+            <a:off x="9258300" y="2521745"/>
+            <a:ext cx="7774782" cy="1235868"/>
           </a:xfrm>
         </p:spPr>
         <p:txBody>
@@ -1622,53 +1734,59 @@
           <a:lstStyle>
             <a:lvl1pPr marL="0" indent="0">
               <a:buNone/>
+              <a:defRPr sz="3600" b="1"/>
+            </a:lvl1pPr>
+            <a:lvl2pPr marL="685800" indent="0">
+              <a:buNone/>
+              <a:defRPr sz="3000" b="1"/>
+            </a:lvl2pPr>
+            <a:lvl3pPr marL="1371600" indent="0">
+              <a:buNone/>
+              <a:defRPr sz="2700" b="1"/>
+            </a:lvl3pPr>
+            <a:lvl4pPr marL="2057400" indent="0">
+              <a:buNone/>
               <a:defRPr sz="2400" b="1"/>
-            </a:lvl1pPr>
-            <a:lvl2pPr marL="457200" indent="0">
-              <a:buNone/>
-              <a:defRPr sz="2000" b="1"/>
-            </a:lvl2pPr>
-            <a:lvl3pPr marL="914400" indent="0">
-              <a:buNone/>
-              <a:defRPr sz="1800" b="1"/>
-            </a:lvl3pPr>
-            <a:lvl4pPr marL="1371600" indent="0">
-              <a:buNone/>
-              <a:defRPr sz="1600" b="1"/>
             </a:lvl4pPr>
-            <a:lvl5pPr marL="1828800" indent="0">
-              <a:buNone/>
-              <a:defRPr sz="1600" b="1"/>
+            <a:lvl5pPr marL="2743200" indent="0">
+              <a:buNone/>
+              <a:defRPr sz="2400" b="1"/>
             </a:lvl5pPr>
-            <a:lvl6pPr marL="2286000" indent="0">
-              <a:buNone/>
-              <a:defRPr sz="1600" b="1"/>
+            <a:lvl6pPr marL="3429000" indent="0">
+              <a:buNone/>
+              <a:defRPr sz="2400" b="1"/>
             </a:lvl6pPr>
-            <a:lvl7pPr marL="2743200" indent="0">
-              <a:buNone/>
-              <a:defRPr sz="1600" b="1"/>
+            <a:lvl7pPr marL="4114800" indent="0">
+              <a:buNone/>
+              <a:defRPr sz="2400" b="1"/>
             </a:lvl7pPr>
-            <a:lvl8pPr marL="3200400" indent="0">
-              <a:buNone/>
-              <a:defRPr sz="1600" b="1"/>
+            <a:lvl8pPr marL="4800600" indent="0">
+              <a:buNone/>
+              <a:defRPr sz="2400" b="1"/>
             </a:lvl8pPr>
-            <a:lvl9pPr marL="3657600" indent="0">
-              <a:buNone/>
-              <a:defRPr sz="1600" b="1"/>
+            <a:lvl9pPr marL="5486400" indent="0">
+              <a:buNone/>
+              <a:defRPr sz="2400" b="1"/>
             </a:lvl9pPr>
           </a:lstStyle>
           <a:p>
             <a:pPr lvl="0"/>
             <a:r>
-              <a:rPr lang="en-US"/>
-              <a:t>Click to edit Master text styles</a:t>
-            </a:r>
-          </a:p>
-        </p:txBody>
-      </p:sp>
-      <p:sp>
-        <p:nvSpPr>
-          <p:cNvPr id="6" name="Content Placeholder 5"/>
+              <a:rPr lang="pt-BR"/>
+              <a:t>Clique para editar os estilos de texto Mestres</a:t>
+            </a:r>
+          </a:p>
+        </p:txBody>
+      </p:sp>
+      <p:sp>
+        <p:nvSpPr>
+          <p:cNvPr id="6" name="Espaço Reservado para Conteúdo 5">
+            <a:extLst>
+              <a:ext uri="{FF2B5EF4-FFF2-40B4-BE49-F238E27FC236}">
+                <a16:creationId xmlns:a16="http://schemas.microsoft.com/office/drawing/2014/main" id="{1CCBF813-6C0C-40FF-AE53-86109EA7FD77}"/>
+              </a:ext>
+            </a:extLst>
+          </p:cNvPr>
           <p:cNvSpPr>
             <a:spLocks noGrp="1"/>
           </p:cNvSpPr>
@@ -1678,81 +1796,59 @@
         </p:nvSpPr>
         <p:spPr>
           <a:xfrm>
-            <a:off x="4645025" y="2174875"/>
-            <a:ext cx="4041775" cy="3951288"/>
+            <a:off x="9258300" y="3757613"/>
+            <a:ext cx="7774782" cy="5526882"/>
           </a:xfrm>
         </p:spPr>
         <p:txBody>
           <a:bodyPr/>
-          <a:lstStyle>
-            <a:lvl1pPr>
-              <a:defRPr sz="2400"/>
-            </a:lvl1pPr>
-            <a:lvl2pPr>
-              <a:defRPr sz="2000"/>
-            </a:lvl2pPr>
-            <a:lvl3pPr>
-              <a:defRPr sz="1800"/>
-            </a:lvl3pPr>
-            <a:lvl4pPr>
-              <a:defRPr sz="1600"/>
-            </a:lvl4pPr>
-            <a:lvl5pPr>
-              <a:defRPr sz="1600"/>
-            </a:lvl5pPr>
-            <a:lvl6pPr>
-              <a:defRPr sz="1600"/>
-            </a:lvl6pPr>
-            <a:lvl7pPr>
-              <a:defRPr sz="1600"/>
-            </a:lvl7pPr>
-            <a:lvl8pPr>
-              <a:defRPr sz="1600"/>
-            </a:lvl8pPr>
-            <a:lvl9pPr>
-              <a:defRPr sz="1600"/>
-            </a:lvl9pPr>
-          </a:lstStyle>
+          <a:lstStyle/>
           <a:p>
             <a:pPr lvl="0"/>
             <a:r>
-              <a:rPr lang="en-US"/>
-              <a:t>Click to edit Master text styles</a:t>
+              <a:rPr lang="pt-BR"/>
+              <a:t>Clique para editar os estilos de texto Mestres</a:t>
             </a:r>
           </a:p>
           <a:p>
             <a:pPr lvl="1"/>
             <a:r>
-              <a:rPr lang="en-US"/>
-              <a:t>Second level</a:t>
+              <a:rPr lang="pt-BR"/>
+              <a:t>Segundo nível</a:t>
             </a:r>
           </a:p>
           <a:p>
             <a:pPr lvl="2"/>
             <a:r>
-              <a:rPr lang="en-US"/>
-              <a:t>Third level</a:t>
+              <a:rPr lang="pt-BR"/>
+              <a:t>Terceiro nível</a:t>
             </a:r>
           </a:p>
           <a:p>
             <a:pPr lvl="3"/>
             <a:r>
-              <a:rPr lang="en-US"/>
-              <a:t>Fourth level</a:t>
+              <a:rPr lang="pt-BR"/>
+              <a:t>Quarto nível</a:t>
             </a:r>
           </a:p>
           <a:p>
             <a:pPr lvl="4"/>
             <a:r>
-              <a:rPr lang="en-US"/>
-              <a:t>Fifth level</a:t>
-            </a:r>
-          </a:p>
-        </p:txBody>
-      </p:sp>
-      <p:sp>
-        <p:nvSpPr>
-          <p:cNvPr id="7" name="Date Placeholder 6"/>
+              <a:rPr lang="pt-BR"/>
+              <a:t>Quinto nível</a:t>
+            </a:r>
+          </a:p>
+        </p:txBody>
+      </p:sp>
+      <p:sp>
+        <p:nvSpPr>
+          <p:cNvPr id="7" name="Espaço Reservado para Data 6">
+            <a:extLst>
+              <a:ext uri="{FF2B5EF4-FFF2-40B4-BE49-F238E27FC236}">
+                <a16:creationId xmlns:a16="http://schemas.microsoft.com/office/drawing/2014/main" id="{5CF82A4E-A03F-4214-8453-4FFC266551E3}"/>
+              </a:ext>
+            </a:extLst>
+          </p:cNvPr>
           <p:cNvSpPr>
             <a:spLocks noGrp="1"/>
           </p:cNvSpPr>
@@ -1768,7 +1864,7 @@
             <a:fld id="{1D8BD707-D9CF-40AE-B4C6-C98DA3205C09}" type="datetimeFigureOut">
               <a:rPr lang="en-US" smtClean="0"/>
               <a:pPr/>
-              <a:t>11/6/2020</a:t>
+              <a:t>11/10/2020</a:t>
             </a:fld>
             <a:endParaRPr lang="en-US"/>
           </a:p>
@@ -1776,7 +1872,13 @@
       </p:sp>
       <p:sp>
         <p:nvSpPr>
-          <p:cNvPr id="8" name="Footer Placeholder 7"/>
+          <p:cNvPr id="8" name="Espaço Reservado para Rodapé 7">
+            <a:extLst>
+              <a:ext uri="{FF2B5EF4-FFF2-40B4-BE49-F238E27FC236}">
+                <a16:creationId xmlns:a16="http://schemas.microsoft.com/office/drawing/2014/main" id="{B6D95830-F5AE-4DE4-A762-815A204DB05A}"/>
+              </a:ext>
+            </a:extLst>
+          </p:cNvPr>
           <p:cNvSpPr>
             <a:spLocks noGrp="1"/>
           </p:cNvSpPr>
@@ -1795,7 +1897,13 @@
       </p:sp>
       <p:sp>
         <p:nvSpPr>
-          <p:cNvPr id="9" name="Slide Number Placeholder 8"/>
+          <p:cNvPr id="9" name="Espaço Reservado para Número de Slide 8">
+            <a:extLst>
+              <a:ext uri="{FF2B5EF4-FFF2-40B4-BE49-F238E27FC236}">
+                <a16:creationId xmlns:a16="http://schemas.microsoft.com/office/drawing/2014/main" id="{5BFBFF65-2ED2-4B02-B4BB-FB243EAE360D}"/>
+              </a:ext>
+            </a:extLst>
+          </p:cNvPr>
           <p:cNvSpPr>
             <a:spLocks noGrp="1"/>
           </p:cNvSpPr>
@@ -1818,6 +1926,11 @@
         </p:txBody>
       </p:sp>
     </p:spTree>
+    <p:extLst>
+      <p:ext uri="{BB962C8B-B14F-4D97-AF65-F5344CB8AC3E}">
+        <p14:creationId xmlns:p14="http://schemas.microsoft.com/office/powerpoint/2010/main" val="839629703"/>
+      </p:ext>
+    </p:extLst>
   </p:cSld>
   <p:clrMapOvr>
     <a:masterClrMapping/>
@@ -1827,7 +1940,7 @@
 
 <file path=ppt/slideLayouts/slideLayout6.xml><?xml version="1.0" encoding="utf-8"?>
 <p:sldLayout xmlns:a="http://schemas.openxmlformats.org/drawingml/2006/main" xmlns:r="http://schemas.openxmlformats.org/officeDocument/2006/relationships" xmlns:p="http://schemas.openxmlformats.org/presentationml/2006/main" type="titleOnly" preserve="1">
-  <p:cSld name="Title Only">
+  <p:cSld name="Somente Título">
     <p:spTree>
       <p:nvGrpSpPr>
         <p:cNvPr id="1" name=""/>
@@ -1844,7 +1957,13 @@
       </p:grpSpPr>
       <p:sp>
         <p:nvSpPr>
-          <p:cNvPr id="2" name="Title 1"/>
+          <p:cNvPr id="2" name="Título 1">
+            <a:extLst>
+              <a:ext uri="{FF2B5EF4-FFF2-40B4-BE49-F238E27FC236}">
+                <a16:creationId xmlns:a16="http://schemas.microsoft.com/office/drawing/2014/main" id="{0C7153F8-E1C4-4316-A473-2A67283DDAC5}"/>
+              </a:ext>
+            </a:extLst>
+          </p:cNvPr>
           <p:cNvSpPr>
             <a:spLocks noGrp="1"/>
           </p:cNvSpPr>
@@ -1858,15 +1977,21 @@
           <a:lstStyle/>
           <a:p>
             <a:r>
-              <a:rPr lang="en-US"/>
-              <a:t>Click to edit Master title style</a:t>
-            </a:r>
-          </a:p>
-        </p:txBody>
-      </p:sp>
-      <p:sp>
-        <p:nvSpPr>
-          <p:cNvPr id="3" name="Date Placeholder 2"/>
+              <a:rPr lang="pt-BR"/>
+              <a:t>Clique para editar o título Mestre</a:t>
+            </a:r>
+          </a:p>
+        </p:txBody>
+      </p:sp>
+      <p:sp>
+        <p:nvSpPr>
+          <p:cNvPr id="3" name="Espaço Reservado para Data 2">
+            <a:extLst>
+              <a:ext uri="{FF2B5EF4-FFF2-40B4-BE49-F238E27FC236}">
+                <a16:creationId xmlns:a16="http://schemas.microsoft.com/office/drawing/2014/main" id="{EF8A9AE4-807E-467A-8D35-4BF896428C7F}"/>
+              </a:ext>
+            </a:extLst>
+          </p:cNvPr>
           <p:cNvSpPr>
             <a:spLocks noGrp="1"/>
           </p:cNvSpPr>
@@ -1882,7 +2007,7 @@
             <a:fld id="{1D8BD707-D9CF-40AE-B4C6-C98DA3205C09}" type="datetimeFigureOut">
               <a:rPr lang="en-US" smtClean="0"/>
               <a:pPr/>
-              <a:t>11/6/2020</a:t>
+              <a:t>11/10/2020</a:t>
             </a:fld>
             <a:endParaRPr lang="en-US"/>
           </a:p>
@@ -1890,7 +2015,13 @@
       </p:sp>
       <p:sp>
         <p:nvSpPr>
-          <p:cNvPr id="4" name="Footer Placeholder 3"/>
+          <p:cNvPr id="4" name="Espaço Reservado para Rodapé 3">
+            <a:extLst>
+              <a:ext uri="{FF2B5EF4-FFF2-40B4-BE49-F238E27FC236}">
+                <a16:creationId xmlns:a16="http://schemas.microsoft.com/office/drawing/2014/main" id="{71C850F0-7728-4DE8-8851-002302102D23}"/>
+              </a:ext>
+            </a:extLst>
+          </p:cNvPr>
           <p:cNvSpPr>
             <a:spLocks noGrp="1"/>
           </p:cNvSpPr>
@@ -1909,7 +2040,13 @@
       </p:sp>
       <p:sp>
         <p:nvSpPr>
-          <p:cNvPr id="5" name="Slide Number Placeholder 4"/>
+          <p:cNvPr id="5" name="Espaço Reservado para Número de Slide 4">
+            <a:extLst>
+              <a:ext uri="{FF2B5EF4-FFF2-40B4-BE49-F238E27FC236}">
+                <a16:creationId xmlns:a16="http://schemas.microsoft.com/office/drawing/2014/main" id="{E7EB254D-7C81-4ACC-A23C-1350E9B84E45}"/>
+              </a:ext>
+            </a:extLst>
+          </p:cNvPr>
           <p:cNvSpPr>
             <a:spLocks noGrp="1"/>
           </p:cNvSpPr>
@@ -1932,6 +2069,11 @@
         </p:txBody>
       </p:sp>
     </p:spTree>
+    <p:extLst>
+      <p:ext uri="{BB962C8B-B14F-4D97-AF65-F5344CB8AC3E}">
+        <p14:creationId xmlns:p14="http://schemas.microsoft.com/office/powerpoint/2010/main" val="4130153955"/>
+      </p:ext>
+    </p:extLst>
   </p:cSld>
   <p:clrMapOvr>
     <a:masterClrMapping/>
@@ -1941,7 +2083,7 @@
 
 <file path=ppt/slideLayouts/slideLayout7.xml><?xml version="1.0" encoding="utf-8"?>
 <p:sldLayout xmlns:a="http://schemas.openxmlformats.org/drawingml/2006/main" xmlns:r="http://schemas.openxmlformats.org/officeDocument/2006/relationships" xmlns:p="http://schemas.openxmlformats.org/presentationml/2006/main" type="blank" preserve="1">
-  <p:cSld name="Blank">
+  <p:cSld name="Em Branco">
     <p:spTree>
       <p:nvGrpSpPr>
         <p:cNvPr id="1" name=""/>
@@ -1958,7 +2100,13 @@
       </p:grpSpPr>
       <p:sp>
         <p:nvSpPr>
-          <p:cNvPr id="2" name="Date Placeholder 1"/>
+          <p:cNvPr id="2" name="Espaço Reservado para Data 1">
+            <a:extLst>
+              <a:ext uri="{FF2B5EF4-FFF2-40B4-BE49-F238E27FC236}">
+                <a16:creationId xmlns:a16="http://schemas.microsoft.com/office/drawing/2014/main" id="{4EFF13C1-C720-408F-A840-70B14177358A}"/>
+              </a:ext>
+            </a:extLst>
+          </p:cNvPr>
           <p:cNvSpPr>
             <a:spLocks noGrp="1"/>
           </p:cNvSpPr>
@@ -1974,7 +2122,7 @@
             <a:fld id="{1D8BD707-D9CF-40AE-B4C6-C98DA3205C09}" type="datetimeFigureOut">
               <a:rPr lang="en-US" smtClean="0"/>
               <a:pPr/>
-              <a:t>11/6/2020</a:t>
+              <a:t>11/10/2020</a:t>
             </a:fld>
             <a:endParaRPr lang="en-US"/>
           </a:p>
@@ -1982,7 +2130,13 @@
       </p:sp>
       <p:sp>
         <p:nvSpPr>
-          <p:cNvPr id="3" name="Footer Placeholder 2"/>
+          <p:cNvPr id="3" name="Espaço Reservado para Rodapé 2">
+            <a:extLst>
+              <a:ext uri="{FF2B5EF4-FFF2-40B4-BE49-F238E27FC236}">
+                <a16:creationId xmlns:a16="http://schemas.microsoft.com/office/drawing/2014/main" id="{8EF2CCA4-FAC0-4FFF-9BE0-8C10BFB3741B}"/>
+              </a:ext>
+            </a:extLst>
+          </p:cNvPr>
           <p:cNvSpPr>
             <a:spLocks noGrp="1"/>
           </p:cNvSpPr>
@@ -2001,7 +2155,13 @@
       </p:sp>
       <p:sp>
         <p:nvSpPr>
-          <p:cNvPr id="4" name="Slide Number Placeholder 3"/>
+          <p:cNvPr id="4" name="Espaço Reservado para Número de Slide 3">
+            <a:extLst>
+              <a:ext uri="{FF2B5EF4-FFF2-40B4-BE49-F238E27FC236}">
+                <a16:creationId xmlns:a16="http://schemas.microsoft.com/office/drawing/2014/main" id="{DE0D5296-C40C-4F0F-B89D-B9B5D95D6F7E}"/>
+              </a:ext>
+            </a:extLst>
+          </p:cNvPr>
           <p:cNvSpPr>
             <a:spLocks noGrp="1"/>
           </p:cNvSpPr>
@@ -2024,6 +2184,11 @@
         </p:txBody>
       </p:sp>
     </p:spTree>
+    <p:extLst>
+      <p:ext uri="{BB962C8B-B14F-4D97-AF65-F5344CB8AC3E}">
+        <p14:creationId xmlns:p14="http://schemas.microsoft.com/office/powerpoint/2010/main" val="3424714585"/>
+      </p:ext>
+    </p:extLst>
   </p:cSld>
   <p:clrMapOvr>
     <a:masterClrMapping/>
@@ -2033,7 +2198,7 @@
 
 <file path=ppt/slideLayouts/slideLayout8.xml><?xml version="1.0" encoding="utf-8"?>
 <p:sldLayout xmlns:a="http://schemas.openxmlformats.org/drawingml/2006/main" xmlns:r="http://schemas.openxmlformats.org/officeDocument/2006/relationships" xmlns:p="http://schemas.openxmlformats.org/presentationml/2006/main" type="objTx" preserve="1">
-  <p:cSld name="Content with Caption">
+  <p:cSld name="Conteúdo com Legenda">
     <p:spTree>
       <p:nvGrpSpPr>
         <p:cNvPr id="1" name=""/>
@@ -2050,7 +2215,13 @@
       </p:grpSpPr>
       <p:sp>
         <p:nvSpPr>
-          <p:cNvPr id="2" name="Title 1"/>
+          <p:cNvPr id="2" name="Título 1">
+            <a:extLst>
+              <a:ext uri="{FF2B5EF4-FFF2-40B4-BE49-F238E27FC236}">
+                <a16:creationId xmlns:a16="http://schemas.microsoft.com/office/drawing/2014/main" id="{A3FB9543-2F84-41CD-82D1-95503E88B508}"/>
+              </a:ext>
+            </a:extLst>
+          </p:cNvPr>
           <p:cNvSpPr>
             <a:spLocks noGrp="1"/>
           </p:cNvSpPr>
@@ -2060,28 +2231,34 @@
         </p:nvSpPr>
         <p:spPr>
           <a:xfrm>
-            <a:off x="457200" y="273050"/>
-            <a:ext cx="3008313" cy="1162050"/>
+            <a:off x="1259683" y="685800"/>
+            <a:ext cx="5898356" cy="2400300"/>
           </a:xfrm>
         </p:spPr>
         <p:txBody>
           <a:bodyPr anchor="b"/>
           <a:lstStyle>
-            <a:lvl1pPr algn="l">
-              <a:defRPr sz="2000" b="1"/>
+            <a:lvl1pPr>
+              <a:defRPr sz="4800"/>
             </a:lvl1pPr>
           </a:lstStyle>
           <a:p>
             <a:r>
-              <a:rPr lang="en-US"/>
-              <a:t>Click to edit Master title style</a:t>
-            </a:r>
-          </a:p>
-        </p:txBody>
-      </p:sp>
-      <p:sp>
-        <p:nvSpPr>
-          <p:cNvPr id="3" name="Content Placeholder 2"/>
+              <a:rPr lang="pt-BR"/>
+              <a:t>Clique para editar o título Mestre</a:t>
+            </a:r>
+          </a:p>
+        </p:txBody>
+      </p:sp>
+      <p:sp>
+        <p:nvSpPr>
+          <p:cNvPr id="3" name="Espaço Reservado para Conteúdo 2">
+            <a:extLst>
+              <a:ext uri="{FF2B5EF4-FFF2-40B4-BE49-F238E27FC236}">
+                <a16:creationId xmlns:a16="http://schemas.microsoft.com/office/drawing/2014/main" id="{634A778E-6CCF-4D69-86B4-9FC2979440EF}"/>
+              </a:ext>
+            </a:extLst>
+          </p:cNvPr>
           <p:cNvSpPr>
             <a:spLocks noGrp="1"/>
           </p:cNvSpPr>
@@ -2091,81 +2268,87 @@
         </p:nvSpPr>
         <p:spPr>
           <a:xfrm>
-            <a:off x="3575050" y="273050"/>
-            <a:ext cx="5111750" cy="5853113"/>
+            <a:off x="7774782" y="1481138"/>
+            <a:ext cx="9258300" cy="7310438"/>
           </a:xfrm>
         </p:spPr>
         <p:txBody>
           <a:bodyPr/>
           <a:lstStyle>
             <a:lvl1pPr>
-              <a:defRPr sz="3200"/>
+              <a:defRPr sz="4800"/>
             </a:lvl1pPr>
             <a:lvl2pPr>
-              <a:defRPr sz="2800"/>
+              <a:defRPr sz="4200"/>
             </a:lvl2pPr>
             <a:lvl3pPr>
-              <a:defRPr sz="2400"/>
+              <a:defRPr sz="3600"/>
             </a:lvl3pPr>
             <a:lvl4pPr>
-              <a:defRPr sz="2000"/>
+              <a:defRPr sz="3000"/>
             </a:lvl4pPr>
             <a:lvl5pPr>
-              <a:defRPr sz="2000"/>
+              <a:defRPr sz="3000"/>
             </a:lvl5pPr>
             <a:lvl6pPr>
-              <a:defRPr sz="2000"/>
+              <a:defRPr sz="3000"/>
             </a:lvl6pPr>
             <a:lvl7pPr>
-              <a:defRPr sz="2000"/>
+              <a:defRPr sz="3000"/>
             </a:lvl7pPr>
             <a:lvl8pPr>
-              <a:defRPr sz="2000"/>
+              <a:defRPr sz="3000"/>
             </a:lvl8pPr>
             <a:lvl9pPr>
-              <a:defRPr sz="2000"/>
+              <a:defRPr sz="3000"/>
             </a:lvl9pPr>
           </a:lstStyle>
           <a:p>
             <a:pPr lvl="0"/>
             <a:r>
-              <a:rPr lang="en-US"/>
-              <a:t>Click to edit Master text styles</a:t>
+              <a:rPr lang="pt-BR"/>
+              <a:t>Clique para editar os estilos de texto Mestres</a:t>
             </a:r>
           </a:p>
           <a:p>
             <a:pPr lvl="1"/>
             <a:r>
-              <a:rPr lang="en-US"/>
-              <a:t>Second level</a:t>
+              <a:rPr lang="pt-BR"/>
+              <a:t>Segundo nível</a:t>
             </a:r>
           </a:p>
           <a:p>
             <a:pPr lvl="2"/>
             <a:r>
-              <a:rPr lang="en-US"/>
-              <a:t>Third level</a:t>
+              <a:rPr lang="pt-BR"/>
+              <a:t>Terceiro nível</a:t>
             </a:r>
           </a:p>
           <a:p>
             <a:pPr lvl="3"/>
             <a:r>
-              <a:rPr lang="en-US"/>
-              <a:t>Fourth level</a:t>
+              <a:rPr lang="pt-BR"/>
+              <a:t>Quarto nível</a:t>
             </a:r>
           </a:p>
           <a:p>
             <a:pPr lvl="4"/>
             <a:r>
-              <a:rPr lang="en-US"/>
-              <a:t>Fifth level</a:t>
-            </a:r>
-          </a:p>
-        </p:txBody>
-      </p:sp>
-      <p:sp>
-        <p:nvSpPr>
-          <p:cNvPr id="4" name="Text Placeholder 3"/>
+              <a:rPr lang="pt-BR"/>
+              <a:t>Quinto nível</a:t>
+            </a:r>
+          </a:p>
+        </p:txBody>
+      </p:sp>
+      <p:sp>
+        <p:nvSpPr>
+          <p:cNvPr id="4" name="Espaço Reservado para Texto 3">
+            <a:extLst>
+              <a:ext uri="{FF2B5EF4-FFF2-40B4-BE49-F238E27FC236}">
+                <a16:creationId xmlns:a16="http://schemas.microsoft.com/office/drawing/2014/main" id="{E6D369C2-D65E-41A2-B94F-81C243241A90}"/>
+              </a:ext>
+            </a:extLst>
+          </p:cNvPr>
           <p:cNvSpPr>
             <a:spLocks noGrp="1"/>
           </p:cNvSpPr>
@@ -2175,8 +2358,8 @@
         </p:nvSpPr>
         <p:spPr>
           <a:xfrm>
-            <a:off x="457200" y="1435100"/>
-            <a:ext cx="3008313" cy="4691063"/>
+            <a:off x="1259683" y="3086100"/>
+            <a:ext cx="5898356" cy="5717382"/>
           </a:xfrm>
         </p:spPr>
         <p:txBody>
@@ -2184,53 +2367,59 @@
           <a:lstStyle>
             <a:lvl1pPr marL="0" indent="0">
               <a:buNone/>
-              <a:defRPr sz="1400"/>
+              <a:defRPr sz="2400"/>
             </a:lvl1pPr>
-            <a:lvl2pPr marL="457200" indent="0">
-              <a:buNone/>
-              <a:defRPr sz="1200"/>
+            <a:lvl2pPr marL="685800" indent="0">
+              <a:buNone/>
+              <a:defRPr sz="2100"/>
             </a:lvl2pPr>
-            <a:lvl3pPr marL="914400" indent="0">
-              <a:buNone/>
-              <a:defRPr sz="1000"/>
+            <a:lvl3pPr marL="1371600" indent="0">
+              <a:buNone/>
+              <a:defRPr sz="1800"/>
             </a:lvl3pPr>
-            <a:lvl4pPr marL="1371600" indent="0">
-              <a:buNone/>
-              <a:defRPr sz="900"/>
+            <a:lvl4pPr marL="2057400" indent="0">
+              <a:buNone/>
+              <a:defRPr sz="1500"/>
             </a:lvl4pPr>
-            <a:lvl5pPr marL="1828800" indent="0">
-              <a:buNone/>
-              <a:defRPr sz="900"/>
+            <a:lvl5pPr marL="2743200" indent="0">
+              <a:buNone/>
+              <a:defRPr sz="1500"/>
             </a:lvl5pPr>
-            <a:lvl6pPr marL="2286000" indent="0">
-              <a:buNone/>
-              <a:defRPr sz="900"/>
+            <a:lvl6pPr marL="3429000" indent="0">
+              <a:buNone/>
+              <a:defRPr sz="1500"/>
             </a:lvl6pPr>
-            <a:lvl7pPr marL="2743200" indent="0">
-              <a:buNone/>
-              <a:defRPr sz="900"/>
+            <a:lvl7pPr marL="4114800" indent="0">
+              <a:buNone/>
+              <a:defRPr sz="1500"/>
             </a:lvl7pPr>
-            <a:lvl8pPr marL="3200400" indent="0">
-              <a:buNone/>
-              <a:defRPr sz="900"/>
+            <a:lvl8pPr marL="4800600" indent="0">
+              <a:buNone/>
+              <a:defRPr sz="1500"/>
             </a:lvl8pPr>
-            <a:lvl9pPr marL="3657600" indent="0">
-              <a:buNone/>
-              <a:defRPr sz="900"/>
+            <a:lvl9pPr marL="5486400" indent="0">
+              <a:buNone/>
+              <a:defRPr sz="1500"/>
             </a:lvl9pPr>
           </a:lstStyle>
           <a:p>
             <a:pPr lvl="0"/>
             <a:r>
-              <a:rPr lang="en-US"/>
-              <a:t>Click to edit Master text styles</a:t>
-            </a:r>
-          </a:p>
-        </p:txBody>
-      </p:sp>
-      <p:sp>
-        <p:nvSpPr>
-          <p:cNvPr id="5" name="Date Placeholder 4"/>
+              <a:rPr lang="pt-BR"/>
+              <a:t>Clique para editar os estilos de texto Mestres</a:t>
+            </a:r>
+          </a:p>
+        </p:txBody>
+      </p:sp>
+      <p:sp>
+        <p:nvSpPr>
+          <p:cNvPr id="5" name="Espaço Reservado para Data 4">
+            <a:extLst>
+              <a:ext uri="{FF2B5EF4-FFF2-40B4-BE49-F238E27FC236}">
+                <a16:creationId xmlns:a16="http://schemas.microsoft.com/office/drawing/2014/main" id="{4E93B0E7-E67F-452C-BE2E-73D7353CBBC8}"/>
+              </a:ext>
+            </a:extLst>
+          </p:cNvPr>
           <p:cNvSpPr>
             <a:spLocks noGrp="1"/>
           </p:cNvSpPr>
@@ -2246,7 +2435,7 @@
             <a:fld id="{1D8BD707-D9CF-40AE-B4C6-C98DA3205C09}" type="datetimeFigureOut">
               <a:rPr lang="en-US" smtClean="0"/>
               <a:pPr/>
-              <a:t>11/6/2020</a:t>
+              <a:t>11/10/2020</a:t>
             </a:fld>
             <a:endParaRPr lang="en-US"/>
           </a:p>
@@ -2254,7 +2443,13 @@
       </p:sp>
       <p:sp>
         <p:nvSpPr>
-          <p:cNvPr id="6" name="Footer Placeholder 5"/>
+          <p:cNvPr id="6" name="Espaço Reservado para Rodapé 5">
+            <a:extLst>
+              <a:ext uri="{FF2B5EF4-FFF2-40B4-BE49-F238E27FC236}">
+                <a16:creationId xmlns:a16="http://schemas.microsoft.com/office/drawing/2014/main" id="{F04A9149-09D9-40E9-986B-5F09684B164A}"/>
+              </a:ext>
+            </a:extLst>
+          </p:cNvPr>
           <p:cNvSpPr>
             <a:spLocks noGrp="1"/>
           </p:cNvSpPr>
@@ -2273,7 +2468,13 @@
       </p:sp>
       <p:sp>
         <p:nvSpPr>
-          <p:cNvPr id="7" name="Slide Number Placeholder 6"/>
+          <p:cNvPr id="7" name="Espaço Reservado para Número de Slide 6">
+            <a:extLst>
+              <a:ext uri="{FF2B5EF4-FFF2-40B4-BE49-F238E27FC236}">
+                <a16:creationId xmlns:a16="http://schemas.microsoft.com/office/drawing/2014/main" id="{484205F0-2AFD-4DCD-B7C1-4909C6980DC9}"/>
+              </a:ext>
+            </a:extLst>
+          </p:cNvPr>
           <p:cNvSpPr>
             <a:spLocks noGrp="1"/>
           </p:cNvSpPr>
@@ -2296,6 +2497,11 @@
         </p:txBody>
       </p:sp>
     </p:spTree>
+    <p:extLst>
+      <p:ext uri="{BB962C8B-B14F-4D97-AF65-F5344CB8AC3E}">
+        <p14:creationId xmlns:p14="http://schemas.microsoft.com/office/powerpoint/2010/main" val="1303324462"/>
+      </p:ext>
+    </p:extLst>
   </p:cSld>
   <p:clrMapOvr>
     <a:masterClrMapping/>
@@ -2305,7 +2511,7 @@
 
 <file path=ppt/slideLayouts/slideLayout9.xml><?xml version="1.0" encoding="utf-8"?>
 <p:sldLayout xmlns:a="http://schemas.openxmlformats.org/drawingml/2006/main" xmlns:r="http://schemas.openxmlformats.org/officeDocument/2006/relationships" xmlns:p="http://schemas.openxmlformats.org/presentationml/2006/main" type="picTx" preserve="1">
-  <p:cSld name="Picture with Caption">
+  <p:cSld name="Imagem com Legenda">
     <p:spTree>
       <p:nvGrpSpPr>
         <p:cNvPr id="1" name=""/>
@@ -2322,7 +2528,13 @@
       </p:grpSpPr>
       <p:sp>
         <p:nvSpPr>
-          <p:cNvPr id="2" name="Title 1"/>
+          <p:cNvPr id="2" name="Título 1">
+            <a:extLst>
+              <a:ext uri="{FF2B5EF4-FFF2-40B4-BE49-F238E27FC236}">
+                <a16:creationId xmlns:a16="http://schemas.microsoft.com/office/drawing/2014/main" id="{97D9438F-2620-4274-A6BF-2C8BC3518662}"/>
+              </a:ext>
+            </a:extLst>
+          </p:cNvPr>
           <p:cNvSpPr>
             <a:spLocks noGrp="1"/>
           </p:cNvSpPr>
@@ -2332,28 +2544,34 @@
         </p:nvSpPr>
         <p:spPr>
           <a:xfrm>
-            <a:off x="1792288" y="4800600"/>
-            <a:ext cx="5486400" cy="566738"/>
+            <a:off x="1259683" y="685800"/>
+            <a:ext cx="5898356" cy="2400300"/>
           </a:xfrm>
         </p:spPr>
         <p:txBody>
           <a:bodyPr anchor="b"/>
           <a:lstStyle>
-            <a:lvl1pPr algn="l">
-              <a:defRPr sz="2000" b="1"/>
+            <a:lvl1pPr>
+              <a:defRPr sz="4800"/>
             </a:lvl1pPr>
           </a:lstStyle>
           <a:p>
             <a:r>
-              <a:rPr lang="en-US"/>
-              <a:t>Click to edit Master title style</a:t>
-            </a:r>
-          </a:p>
-        </p:txBody>
-      </p:sp>
-      <p:sp>
-        <p:nvSpPr>
-          <p:cNvPr id="3" name="Picture Placeholder 2"/>
+              <a:rPr lang="pt-BR"/>
+              <a:t>Clique para editar o título Mestre</a:t>
+            </a:r>
+          </a:p>
+        </p:txBody>
+      </p:sp>
+      <p:sp>
+        <p:nvSpPr>
+          <p:cNvPr id="3" name="Espaço Reservado para Imagem 2">
+            <a:extLst>
+              <a:ext uri="{FF2B5EF4-FFF2-40B4-BE49-F238E27FC236}">
+                <a16:creationId xmlns:a16="http://schemas.microsoft.com/office/drawing/2014/main" id="{868D3033-2ABB-4C58-A47A-275E2649C00B}"/>
+              </a:ext>
+            </a:extLst>
+          </p:cNvPr>
           <p:cNvSpPr>
             <a:spLocks noGrp="1"/>
           </p:cNvSpPr>
@@ -2363,8 +2581,8 @@
         </p:nvSpPr>
         <p:spPr>
           <a:xfrm>
-            <a:off x="1792288" y="612775"/>
-            <a:ext cx="5486400" cy="4114800"/>
+            <a:off x="7774782" y="1481138"/>
+            <a:ext cx="9258300" cy="7310438"/>
           </a:xfrm>
         </p:spPr>
         <p:txBody>
@@ -2372,49 +2590,58 @@
           <a:lstStyle>
             <a:lvl1pPr marL="0" indent="0">
               <a:buNone/>
-              <a:defRPr sz="3200"/>
+              <a:defRPr sz="4800"/>
             </a:lvl1pPr>
-            <a:lvl2pPr marL="457200" indent="0">
-              <a:buNone/>
-              <a:defRPr sz="2800"/>
+            <a:lvl2pPr marL="685800" indent="0">
+              <a:buNone/>
+              <a:defRPr sz="4200"/>
             </a:lvl2pPr>
-            <a:lvl3pPr marL="914400" indent="0">
-              <a:buNone/>
-              <a:defRPr sz="2400"/>
+            <a:lvl3pPr marL="1371600" indent="0">
+              <a:buNone/>
+              <a:defRPr sz="3600"/>
             </a:lvl3pPr>
-            <a:lvl4pPr marL="1371600" indent="0">
-              <a:buNone/>
-              <a:defRPr sz="2000"/>
+            <a:lvl4pPr marL="2057400" indent="0">
+              <a:buNone/>
+              <a:defRPr sz="3000"/>
             </a:lvl4pPr>
-            <a:lvl5pPr marL="1828800" indent="0">
-              <a:buNone/>
-              <a:defRPr sz="2000"/>
+            <a:lvl5pPr marL="2743200" indent="0">
+              <a:buNone/>
+              <a:defRPr sz="3000"/>
             </a:lvl5pPr>
-            <a:lvl6pPr marL="2286000" indent="0">
-              <a:buNone/>
-              <a:defRPr sz="2000"/>
+            <a:lvl6pPr marL="3429000" indent="0">
+              <a:buNone/>
+              <a:defRPr sz="3000"/>
             </a:lvl6pPr>
-            <a:lvl7pPr marL="2743200" indent="0">
-              <a:buNone/>
-              <a:defRPr sz="2000"/>
+            <a:lvl7pPr marL="4114800" indent="0">
+              <a:buNone/>
+              <a:defRPr sz="3000"/>
             </a:lvl7pPr>
-            <a:lvl8pPr marL="3200400" indent="0">
-              <a:buNone/>
-              <a:defRPr sz="2000"/>
+            <a:lvl8pPr marL="4800600" indent="0">
+              <a:buNone/>
+              <a:defRPr sz="3000"/>
             </a:lvl8pPr>
-            <a:lvl9pPr marL="3657600" indent="0">
-              <a:buNone/>
-              <a:defRPr sz="2000"/>
+            <a:lvl9pPr marL="5486400" indent="0">
+              <a:buNone/>
+              <a:defRPr sz="3000"/>
             </a:lvl9pPr>
           </a:lstStyle>
           <a:p>
-            <a:endParaRPr lang="en-US"/>
-          </a:p>
-        </p:txBody>
-      </p:sp>
-      <p:sp>
-        <p:nvSpPr>
-          <p:cNvPr id="4" name="Text Placeholder 3"/>
+            <a:r>
+              <a:rPr lang="pt-BR"/>
+              <a:t>Clique no ícone para adicionar uma imagem</a:t>
+            </a:r>
+          </a:p>
+        </p:txBody>
+      </p:sp>
+      <p:sp>
+        <p:nvSpPr>
+          <p:cNvPr id="4" name="Espaço Reservado para Texto 3">
+            <a:extLst>
+              <a:ext uri="{FF2B5EF4-FFF2-40B4-BE49-F238E27FC236}">
+                <a16:creationId xmlns:a16="http://schemas.microsoft.com/office/drawing/2014/main" id="{6849D7AF-025C-40AA-AF7C-93B84E371A5D}"/>
+              </a:ext>
+            </a:extLst>
+          </p:cNvPr>
           <p:cNvSpPr>
             <a:spLocks noGrp="1"/>
           </p:cNvSpPr>
@@ -2424,8 +2651,8 @@
         </p:nvSpPr>
         <p:spPr>
           <a:xfrm>
-            <a:off x="1792288" y="5367338"/>
-            <a:ext cx="5486400" cy="804862"/>
+            <a:off x="1259683" y="3086100"/>
+            <a:ext cx="5898356" cy="5717382"/>
           </a:xfrm>
         </p:spPr>
         <p:txBody>
@@ -2433,53 +2660,59 @@
           <a:lstStyle>
             <a:lvl1pPr marL="0" indent="0">
               <a:buNone/>
-              <a:defRPr sz="1400"/>
+              <a:defRPr sz="2400"/>
             </a:lvl1pPr>
-            <a:lvl2pPr marL="457200" indent="0">
-              <a:buNone/>
-              <a:defRPr sz="1200"/>
+            <a:lvl2pPr marL="685800" indent="0">
+              <a:buNone/>
+              <a:defRPr sz="2100"/>
             </a:lvl2pPr>
-            <a:lvl3pPr marL="914400" indent="0">
-              <a:buNone/>
-              <a:defRPr sz="1000"/>
+            <a:lvl3pPr marL="1371600" indent="0">
+              <a:buNone/>
+              <a:defRPr sz="1800"/>
             </a:lvl3pPr>
-            <a:lvl4pPr marL="1371600" indent="0">
-              <a:buNone/>
-              <a:defRPr sz="900"/>
+            <a:lvl4pPr marL="2057400" indent="0">
+              <a:buNone/>
+              <a:defRPr sz="1500"/>
             </a:lvl4pPr>
-            <a:lvl5pPr marL="1828800" indent="0">
-              <a:buNone/>
-              <a:defRPr sz="900"/>
+            <a:lvl5pPr marL="2743200" indent="0">
+              <a:buNone/>
+              <a:defRPr sz="1500"/>
             </a:lvl5pPr>
-            <a:lvl6pPr marL="2286000" indent="0">
-              <a:buNone/>
-              <a:defRPr sz="900"/>
+            <a:lvl6pPr marL="3429000" indent="0">
+              <a:buNone/>
+              <a:defRPr sz="1500"/>
             </a:lvl6pPr>
-            <a:lvl7pPr marL="2743200" indent="0">
-              <a:buNone/>
-              <a:defRPr sz="900"/>
+            <a:lvl7pPr marL="4114800" indent="0">
+              <a:buNone/>
+              <a:defRPr sz="1500"/>
             </a:lvl7pPr>
-            <a:lvl8pPr marL="3200400" indent="0">
-              <a:buNone/>
-              <a:defRPr sz="900"/>
+            <a:lvl8pPr marL="4800600" indent="0">
+              <a:buNone/>
+              <a:defRPr sz="1500"/>
             </a:lvl8pPr>
-            <a:lvl9pPr marL="3657600" indent="0">
-              <a:buNone/>
-              <a:defRPr sz="900"/>
+            <a:lvl9pPr marL="5486400" indent="0">
+              <a:buNone/>
+              <a:defRPr sz="1500"/>
             </a:lvl9pPr>
           </a:lstStyle>
           <a:p>
             <a:pPr lvl="0"/>
             <a:r>
-              <a:rPr lang="en-US"/>
-              <a:t>Click to edit Master text styles</a:t>
-            </a:r>
-          </a:p>
-        </p:txBody>
-      </p:sp>
-      <p:sp>
-        <p:nvSpPr>
-          <p:cNvPr id="5" name="Date Placeholder 4"/>
+              <a:rPr lang="pt-BR"/>
+              <a:t>Clique para editar os estilos de texto Mestres</a:t>
+            </a:r>
+          </a:p>
+        </p:txBody>
+      </p:sp>
+      <p:sp>
+        <p:nvSpPr>
+          <p:cNvPr id="5" name="Espaço Reservado para Data 4">
+            <a:extLst>
+              <a:ext uri="{FF2B5EF4-FFF2-40B4-BE49-F238E27FC236}">
+                <a16:creationId xmlns:a16="http://schemas.microsoft.com/office/drawing/2014/main" id="{352088F9-414C-433F-8807-0B5868B8EEA4}"/>
+              </a:ext>
+            </a:extLst>
+          </p:cNvPr>
           <p:cNvSpPr>
             <a:spLocks noGrp="1"/>
           </p:cNvSpPr>
@@ -2495,7 +2728,7 @@
             <a:fld id="{1D8BD707-D9CF-40AE-B4C6-C98DA3205C09}" type="datetimeFigureOut">
               <a:rPr lang="en-US" smtClean="0"/>
               <a:pPr/>
-              <a:t>11/6/2020</a:t>
+              <a:t>11/10/2020</a:t>
             </a:fld>
             <a:endParaRPr lang="en-US"/>
           </a:p>
@@ -2503,7 +2736,13 @@
       </p:sp>
       <p:sp>
         <p:nvSpPr>
-          <p:cNvPr id="6" name="Footer Placeholder 5"/>
+          <p:cNvPr id="6" name="Espaço Reservado para Rodapé 5">
+            <a:extLst>
+              <a:ext uri="{FF2B5EF4-FFF2-40B4-BE49-F238E27FC236}">
+                <a16:creationId xmlns:a16="http://schemas.microsoft.com/office/drawing/2014/main" id="{238BB74F-40C9-40E6-BFB9-CC67B0C865C6}"/>
+              </a:ext>
+            </a:extLst>
+          </p:cNvPr>
           <p:cNvSpPr>
             <a:spLocks noGrp="1"/>
           </p:cNvSpPr>
@@ -2522,7 +2761,13 @@
       </p:sp>
       <p:sp>
         <p:nvSpPr>
-          <p:cNvPr id="7" name="Slide Number Placeholder 6"/>
+          <p:cNvPr id="7" name="Espaço Reservado para Número de Slide 6">
+            <a:extLst>
+              <a:ext uri="{FF2B5EF4-FFF2-40B4-BE49-F238E27FC236}">
+                <a16:creationId xmlns:a16="http://schemas.microsoft.com/office/drawing/2014/main" id="{30229941-ED0D-45BE-9180-B608F38120EF}"/>
+              </a:ext>
+            </a:extLst>
+          </p:cNvPr>
           <p:cNvSpPr>
             <a:spLocks noGrp="1"/>
           </p:cNvSpPr>
@@ -2545,6 +2790,11 @@
         </p:txBody>
       </p:sp>
     </p:spTree>
+    <p:extLst>
+      <p:ext uri="{BB962C8B-B14F-4D97-AF65-F5344CB8AC3E}">
+        <p14:creationId xmlns:p14="http://schemas.microsoft.com/office/powerpoint/2010/main" val="3877166672"/>
+      </p:ext>
+    </p:extLst>
   </p:cSld>
   <p:clrMapOvr>
     <a:masterClrMapping/>
@@ -2576,7 +2826,13 @@
       </p:grpSpPr>
       <p:sp>
         <p:nvSpPr>
-          <p:cNvPr id="2" name="Title Placeholder 1"/>
+          <p:cNvPr id="2" name="Espaço Reservado para Título 1">
+            <a:extLst>
+              <a:ext uri="{FF2B5EF4-FFF2-40B4-BE49-F238E27FC236}">
+                <a16:creationId xmlns:a16="http://schemas.microsoft.com/office/drawing/2014/main" id="{73F31548-5DBD-4406-911D-8EB3FE33B65A}"/>
+              </a:ext>
+            </a:extLst>
+          </p:cNvPr>
           <p:cNvSpPr>
             <a:spLocks noGrp="1"/>
           </p:cNvSpPr>
@@ -2586,8 +2842,8 @@
         </p:nvSpPr>
         <p:spPr>
           <a:xfrm>
-            <a:off x="457200" y="274638"/>
-            <a:ext cx="8229600" cy="1143000"/>
+            <a:off x="1257300" y="547688"/>
+            <a:ext cx="15773400" cy="1988345"/>
           </a:xfrm>
           <a:prstGeom prst="rect">
             <a:avLst/>
@@ -2600,15 +2856,21 @@
           <a:lstStyle/>
           <a:p>
             <a:r>
-              <a:rPr lang="en-US"/>
-              <a:t>Click to edit Master title style</a:t>
-            </a:r>
-          </a:p>
-        </p:txBody>
-      </p:sp>
-      <p:sp>
-        <p:nvSpPr>
-          <p:cNvPr id="3" name="Text Placeholder 2"/>
+              <a:rPr lang="pt-BR"/>
+              <a:t>Clique para editar o título Mestre</a:t>
+            </a:r>
+          </a:p>
+        </p:txBody>
+      </p:sp>
+      <p:sp>
+        <p:nvSpPr>
+          <p:cNvPr id="3" name="Espaço Reservado para Texto 2">
+            <a:extLst>
+              <a:ext uri="{FF2B5EF4-FFF2-40B4-BE49-F238E27FC236}">
+                <a16:creationId xmlns:a16="http://schemas.microsoft.com/office/drawing/2014/main" id="{C8788CB1-29FB-43AB-82DF-606A9B6902D8}"/>
+              </a:ext>
+            </a:extLst>
+          </p:cNvPr>
           <p:cNvSpPr>
             <a:spLocks noGrp="1"/>
           </p:cNvSpPr>
@@ -2618,8 +2880,8 @@
         </p:nvSpPr>
         <p:spPr>
           <a:xfrm>
-            <a:off x="457200" y="1600200"/>
-            <a:ext cx="8229600" cy="4525963"/>
+            <a:off x="1257300" y="2738438"/>
+            <a:ext cx="15773400" cy="6527007"/>
           </a:xfrm>
           <a:prstGeom prst="rect">
             <a:avLst/>
@@ -2633,43 +2895,49 @@
           <a:p>
             <a:pPr lvl="0"/>
             <a:r>
-              <a:rPr lang="en-US"/>
-              <a:t>Click to edit Master text styles</a:t>
+              <a:rPr lang="pt-BR"/>
+              <a:t>Clique para editar os estilos de texto Mestres</a:t>
             </a:r>
           </a:p>
           <a:p>
             <a:pPr lvl="1"/>
             <a:r>
-              <a:rPr lang="en-US"/>
-              <a:t>Second level</a:t>
+              <a:rPr lang="pt-BR"/>
+              <a:t>Segundo nível</a:t>
             </a:r>
           </a:p>
           <a:p>
             <a:pPr lvl="2"/>
             <a:r>
-              <a:rPr lang="en-US"/>
-              <a:t>Third level</a:t>
+              <a:rPr lang="pt-BR"/>
+              <a:t>Terceiro nível</a:t>
             </a:r>
           </a:p>
           <a:p>
             <a:pPr lvl="3"/>
             <a:r>
-              <a:rPr lang="en-US"/>
-              <a:t>Fourth level</a:t>
+              <a:rPr lang="pt-BR"/>
+              <a:t>Quarto nível</a:t>
             </a:r>
           </a:p>
           <a:p>
             <a:pPr lvl="4"/>
             <a:r>
-              <a:rPr lang="en-US"/>
-              <a:t>Fifth level</a:t>
-            </a:r>
-          </a:p>
-        </p:txBody>
-      </p:sp>
-      <p:sp>
-        <p:nvSpPr>
-          <p:cNvPr id="4" name="Date Placeholder 3"/>
+              <a:rPr lang="pt-BR"/>
+              <a:t>Quinto nível</a:t>
+            </a:r>
+          </a:p>
+        </p:txBody>
+      </p:sp>
+      <p:sp>
+        <p:nvSpPr>
+          <p:cNvPr id="4" name="Espaço Reservado para Data 3">
+            <a:extLst>
+              <a:ext uri="{FF2B5EF4-FFF2-40B4-BE49-F238E27FC236}">
+                <a16:creationId xmlns:a16="http://schemas.microsoft.com/office/drawing/2014/main" id="{4B825377-D918-4A38-9473-5F8706D3AB9E}"/>
+              </a:ext>
+            </a:extLst>
+          </p:cNvPr>
           <p:cNvSpPr>
             <a:spLocks noGrp="1"/>
           </p:cNvSpPr>
@@ -2679,8 +2947,8 @@
         </p:nvSpPr>
         <p:spPr>
           <a:xfrm>
-            <a:off x="457200" y="6356350"/>
-            <a:ext cx="2133600" cy="365125"/>
+            <a:off x="1257300" y="9534526"/>
+            <a:ext cx="4114800" cy="547688"/>
           </a:xfrm>
           <a:prstGeom prst="rect">
             <a:avLst/>
@@ -2690,7 +2958,7 @@
           <a:bodyPr vert="horz" lIns="91440" tIns="45720" rIns="91440" bIns="45720" rtlCol="0" anchor="ctr"/>
           <a:lstStyle>
             <a:lvl1pPr algn="l">
-              <a:defRPr sz="1200">
+              <a:defRPr sz="1800">
                 <a:solidFill>
                   <a:schemeClr val="tx1">
                     <a:tint val="75000"/>
@@ -2703,7 +2971,7 @@
             <a:fld id="{1D8BD707-D9CF-40AE-B4C6-C98DA3205C09}" type="datetimeFigureOut">
               <a:rPr lang="en-US" smtClean="0"/>
               <a:pPr/>
-              <a:t>11/6/2020</a:t>
+              <a:t>11/10/2020</a:t>
             </a:fld>
             <a:endParaRPr lang="en-US"/>
           </a:p>
@@ -2711,7 +2979,13 @@
       </p:sp>
       <p:sp>
         <p:nvSpPr>
-          <p:cNvPr id="5" name="Footer Placeholder 4"/>
+          <p:cNvPr id="5" name="Espaço Reservado para Rodapé 4">
+            <a:extLst>
+              <a:ext uri="{FF2B5EF4-FFF2-40B4-BE49-F238E27FC236}">
+                <a16:creationId xmlns:a16="http://schemas.microsoft.com/office/drawing/2014/main" id="{97F22190-1B00-45AF-AA59-53D3C8CA7F75}"/>
+              </a:ext>
+            </a:extLst>
+          </p:cNvPr>
           <p:cNvSpPr>
             <a:spLocks noGrp="1"/>
           </p:cNvSpPr>
@@ -2721,8 +2995,8 @@
         </p:nvSpPr>
         <p:spPr>
           <a:xfrm>
-            <a:off x="3124200" y="6356350"/>
-            <a:ext cx="2895600" cy="365125"/>
+            <a:off x="6057900" y="9534526"/>
+            <a:ext cx="6172200" cy="547688"/>
           </a:xfrm>
           <a:prstGeom prst="rect">
             <a:avLst/>
@@ -2732,7 +3006,7 @@
           <a:bodyPr vert="horz" lIns="91440" tIns="45720" rIns="91440" bIns="45720" rtlCol="0" anchor="ctr"/>
           <a:lstStyle>
             <a:lvl1pPr algn="ctr">
-              <a:defRPr sz="1200">
+              <a:defRPr sz="1800">
                 <a:solidFill>
                   <a:schemeClr val="tx1">
                     <a:tint val="75000"/>
@@ -2748,7 +3022,13 @@
       </p:sp>
       <p:sp>
         <p:nvSpPr>
-          <p:cNvPr id="6" name="Slide Number Placeholder 5"/>
+          <p:cNvPr id="6" name="Espaço Reservado para Número de Slide 5">
+            <a:extLst>
+              <a:ext uri="{FF2B5EF4-FFF2-40B4-BE49-F238E27FC236}">
+                <a16:creationId xmlns:a16="http://schemas.microsoft.com/office/drawing/2014/main" id="{C33B4904-E0B2-4C7E-9F5F-2B35264DD41A}"/>
+              </a:ext>
+            </a:extLst>
+          </p:cNvPr>
           <p:cNvSpPr>
             <a:spLocks noGrp="1"/>
           </p:cNvSpPr>
@@ -2758,8 +3038,8 @@
         </p:nvSpPr>
         <p:spPr>
           <a:xfrm>
-            <a:off x="6553200" y="6356350"/>
-            <a:ext cx="2133600" cy="365125"/>
+            <a:off x="12915900" y="9534526"/>
+            <a:ext cx="4114800" cy="547688"/>
           </a:xfrm>
           <a:prstGeom prst="rect">
             <a:avLst/>
@@ -2769,7 +3049,7 @@
           <a:bodyPr vert="horz" lIns="91440" tIns="45720" rIns="91440" bIns="45720" rtlCol="0" anchor="ctr"/>
           <a:lstStyle>
             <a:lvl1pPr algn="r">
-              <a:defRPr sz="1200">
+              <a:defRPr sz="1800">
                 <a:solidFill>
                   <a:schemeClr val="tx1">
                     <a:tint val="75000"/>
@@ -2789,29 +3069,37 @@
         </p:txBody>
       </p:sp>
     </p:spTree>
+    <p:extLst>
+      <p:ext uri="{BB962C8B-B14F-4D97-AF65-F5344CB8AC3E}">
+        <p14:creationId xmlns:p14="http://schemas.microsoft.com/office/powerpoint/2010/main" val="3094141366"/>
+      </p:ext>
+    </p:extLst>
   </p:cSld>
   <p:clrMap bg1="lt1" tx1="dk1" bg2="lt2" tx2="dk2" accent1="accent1" accent2="accent2" accent3="accent3" accent4="accent4" accent5="accent5" accent6="accent6" hlink="hlink" folHlink="folHlink"/>
   <p:sldLayoutIdLst>
-    <p:sldLayoutId id="2147483649" r:id="rId1"/>
-    <p:sldLayoutId id="2147483650" r:id="rId2"/>
-    <p:sldLayoutId id="2147483651" r:id="rId3"/>
-    <p:sldLayoutId id="2147483652" r:id="rId4"/>
-    <p:sldLayoutId id="2147483653" r:id="rId5"/>
-    <p:sldLayoutId id="2147483654" r:id="rId6"/>
-    <p:sldLayoutId id="2147483655" r:id="rId7"/>
-    <p:sldLayoutId id="2147483656" r:id="rId8"/>
-    <p:sldLayoutId id="2147483657" r:id="rId9"/>
-    <p:sldLayoutId id="2147483658" r:id="rId10"/>
-    <p:sldLayoutId id="2147483659" r:id="rId11"/>
+    <p:sldLayoutId id="2147483673" r:id="rId1"/>
+    <p:sldLayoutId id="2147483674" r:id="rId2"/>
+    <p:sldLayoutId id="2147483675" r:id="rId3"/>
+    <p:sldLayoutId id="2147483676" r:id="rId4"/>
+    <p:sldLayoutId id="2147483677" r:id="rId5"/>
+    <p:sldLayoutId id="2147483678" r:id="rId6"/>
+    <p:sldLayoutId id="2147483679" r:id="rId7"/>
+    <p:sldLayoutId id="2147483680" r:id="rId8"/>
+    <p:sldLayoutId id="2147483681" r:id="rId9"/>
+    <p:sldLayoutId id="2147483682" r:id="rId10"/>
+    <p:sldLayoutId id="2147483683" r:id="rId11"/>
   </p:sldLayoutIdLst>
   <p:txStyles>
     <p:titleStyle>
-      <a:lvl1pPr algn="ctr" defTabSz="914400" rtl="0" eaLnBrk="1" latinLnBrk="0" hangingPunct="1">
+      <a:lvl1pPr algn="l" defTabSz="1371600" rtl="0" eaLnBrk="1" latinLnBrk="0" hangingPunct="1">
+        <a:lnSpc>
+          <a:spcPct val="90000"/>
+        </a:lnSpc>
         <a:spcBef>
           <a:spcPct val="0"/>
         </a:spcBef>
         <a:buNone/>
-        <a:defRPr sz="4400" kern="1200">
+        <a:defRPr sz="6600" kern="1200">
           <a:solidFill>
             <a:schemeClr val="tx1"/>
           </a:solidFill>
@@ -2822,13 +3110,16 @@
       </a:lvl1pPr>
     </p:titleStyle>
     <p:bodyStyle>
-      <a:lvl1pPr marL="342900" indent="-342900" algn="l" defTabSz="914400" rtl="0" eaLnBrk="1" latinLnBrk="0" hangingPunct="1">
+      <a:lvl1pPr marL="342900" indent="-342900" algn="l" defTabSz="1371600" rtl="0" eaLnBrk="1" latinLnBrk="0" hangingPunct="1">
+        <a:lnSpc>
+          <a:spcPct val="90000"/>
+        </a:lnSpc>
         <a:spcBef>
-          <a:spcPct val="20000"/>
+          <a:spcPts val="1500"/>
         </a:spcBef>
-        <a:buFont typeface="Arial" pitchFamily="34" charset="0"/>
+        <a:buFont typeface="Arial" panose="020B0604020202020204" pitchFamily="34" charset="0"/>
         <a:buChar char="•"/>
-        <a:defRPr sz="3200" kern="1200">
+        <a:defRPr sz="4200" kern="1200">
           <a:solidFill>
             <a:schemeClr val="tx1"/>
           </a:solidFill>
@@ -2837,13 +3128,16 @@
           <a:cs typeface="+mn-cs"/>
         </a:defRPr>
       </a:lvl1pPr>
-      <a:lvl2pPr marL="742950" indent="-285750" algn="l" defTabSz="914400" rtl="0" eaLnBrk="1" latinLnBrk="0" hangingPunct="1">
+      <a:lvl2pPr marL="1028700" indent="-342900" algn="l" defTabSz="1371600" rtl="0" eaLnBrk="1" latinLnBrk="0" hangingPunct="1">
+        <a:lnSpc>
+          <a:spcPct val="90000"/>
+        </a:lnSpc>
         <a:spcBef>
-          <a:spcPct val="20000"/>
+          <a:spcPts val="750"/>
         </a:spcBef>
-        <a:buFont typeface="Arial" pitchFamily="34" charset="0"/>
-        <a:buChar char="–"/>
-        <a:defRPr sz="2800" kern="1200">
+        <a:buFont typeface="Arial" panose="020B0604020202020204" pitchFamily="34" charset="0"/>
+        <a:buChar char="•"/>
+        <a:defRPr sz="3600" kern="1200">
           <a:solidFill>
             <a:schemeClr val="tx1"/>
           </a:solidFill>
@@ -2852,13 +3146,16 @@
           <a:cs typeface="+mn-cs"/>
         </a:defRPr>
       </a:lvl2pPr>
-      <a:lvl3pPr marL="1143000" indent="-228600" algn="l" defTabSz="914400" rtl="0" eaLnBrk="1" latinLnBrk="0" hangingPunct="1">
+      <a:lvl3pPr marL="1714500" indent="-342900" algn="l" defTabSz="1371600" rtl="0" eaLnBrk="1" latinLnBrk="0" hangingPunct="1">
+        <a:lnSpc>
+          <a:spcPct val="90000"/>
+        </a:lnSpc>
         <a:spcBef>
-          <a:spcPct val="20000"/>
+          <a:spcPts val="750"/>
         </a:spcBef>
-        <a:buFont typeface="Arial" pitchFamily="34" charset="0"/>
+        <a:buFont typeface="Arial" panose="020B0604020202020204" pitchFamily="34" charset="0"/>
         <a:buChar char="•"/>
-        <a:defRPr sz="2400" kern="1200">
+        <a:defRPr sz="3000" kern="1200">
           <a:solidFill>
             <a:schemeClr val="tx1"/>
           </a:solidFill>
@@ -2867,13 +3164,16 @@
           <a:cs typeface="+mn-cs"/>
         </a:defRPr>
       </a:lvl3pPr>
-      <a:lvl4pPr marL="1600200" indent="-228600" algn="l" defTabSz="914400" rtl="0" eaLnBrk="1" latinLnBrk="0" hangingPunct="1">
+      <a:lvl4pPr marL="2400300" indent="-342900" algn="l" defTabSz="1371600" rtl="0" eaLnBrk="1" latinLnBrk="0" hangingPunct="1">
+        <a:lnSpc>
+          <a:spcPct val="90000"/>
+        </a:lnSpc>
         <a:spcBef>
-          <a:spcPct val="20000"/>
+          <a:spcPts val="750"/>
         </a:spcBef>
-        <a:buFont typeface="Arial" pitchFamily="34" charset="0"/>
-        <a:buChar char="–"/>
-        <a:defRPr sz="2000" kern="1200">
+        <a:buFont typeface="Arial" panose="020B0604020202020204" pitchFamily="34" charset="0"/>
+        <a:buChar char="•"/>
+        <a:defRPr sz="2700" kern="1200">
           <a:solidFill>
             <a:schemeClr val="tx1"/>
           </a:solidFill>
@@ -2882,13 +3182,16 @@
           <a:cs typeface="+mn-cs"/>
         </a:defRPr>
       </a:lvl4pPr>
-      <a:lvl5pPr marL="2057400" indent="-228600" algn="l" defTabSz="914400" rtl="0" eaLnBrk="1" latinLnBrk="0" hangingPunct="1">
+      <a:lvl5pPr marL="3086100" indent="-342900" algn="l" defTabSz="1371600" rtl="0" eaLnBrk="1" latinLnBrk="0" hangingPunct="1">
+        <a:lnSpc>
+          <a:spcPct val="90000"/>
+        </a:lnSpc>
         <a:spcBef>
-          <a:spcPct val="20000"/>
+          <a:spcPts val="750"/>
         </a:spcBef>
-        <a:buFont typeface="Arial" pitchFamily="34" charset="0"/>
-        <a:buChar char="»"/>
-        <a:defRPr sz="2000" kern="1200">
+        <a:buFont typeface="Arial" panose="020B0604020202020204" pitchFamily="34" charset="0"/>
+        <a:buChar char="•"/>
+        <a:defRPr sz="2700" kern="1200">
           <a:solidFill>
             <a:schemeClr val="tx1"/>
           </a:solidFill>
@@ -2897,13 +3200,16 @@
           <a:cs typeface="+mn-cs"/>
         </a:defRPr>
       </a:lvl5pPr>
-      <a:lvl6pPr marL="2514600" indent="-228600" algn="l" defTabSz="914400" rtl="0" eaLnBrk="1" latinLnBrk="0" hangingPunct="1">
+      <a:lvl6pPr marL="3771900" indent="-342900" algn="l" defTabSz="1371600" rtl="0" eaLnBrk="1" latinLnBrk="0" hangingPunct="1">
+        <a:lnSpc>
+          <a:spcPct val="90000"/>
+        </a:lnSpc>
         <a:spcBef>
-          <a:spcPct val="20000"/>
+          <a:spcPts val="750"/>
         </a:spcBef>
-        <a:buFont typeface="Arial" pitchFamily="34" charset="0"/>
+        <a:buFont typeface="Arial" panose="020B0604020202020204" pitchFamily="34" charset="0"/>
         <a:buChar char="•"/>
-        <a:defRPr sz="2000" kern="1200">
+        <a:defRPr sz="2700" kern="1200">
           <a:solidFill>
             <a:schemeClr val="tx1"/>
           </a:solidFill>
@@ -2912,13 +3218,16 @@
           <a:cs typeface="+mn-cs"/>
         </a:defRPr>
       </a:lvl6pPr>
-      <a:lvl7pPr marL="2971800" indent="-228600" algn="l" defTabSz="914400" rtl="0" eaLnBrk="1" latinLnBrk="0" hangingPunct="1">
+      <a:lvl7pPr marL="4457700" indent="-342900" algn="l" defTabSz="1371600" rtl="0" eaLnBrk="1" latinLnBrk="0" hangingPunct="1">
+        <a:lnSpc>
+          <a:spcPct val="90000"/>
+        </a:lnSpc>
         <a:spcBef>
-          <a:spcPct val="20000"/>
+          <a:spcPts val="750"/>
         </a:spcBef>
-        <a:buFont typeface="Arial" pitchFamily="34" charset="0"/>
+        <a:buFont typeface="Arial" panose="020B0604020202020204" pitchFamily="34" charset="0"/>
         <a:buChar char="•"/>
-        <a:defRPr sz="2000" kern="1200">
+        <a:defRPr sz="2700" kern="1200">
           <a:solidFill>
             <a:schemeClr val="tx1"/>
           </a:solidFill>
@@ -2927,13 +3236,16 @@
           <a:cs typeface="+mn-cs"/>
         </a:defRPr>
       </a:lvl7pPr>
-      <a:lvl8pPr marL="3429000" indent="-228600" algn="l" defTabSz="914400" rtl="0" eaLnBrk="1" latinLnBrk="0" hangingPunct="1">
+      <a:lvl8pPr marL="5143500" indent="-342900" algn="l" defTabSz="1371600" rtl="0" eaLnBrk="1" latinLnBrk="0" hangingPunct="1">
+        <a:lnSpc>
+          <a:spcPct val="90000"/>
+        </a:lnSpc>
         <a:spcBef>
-          <a:spcPct val="20000"/>
+          <a:spcPts val="750"/>
         </a:spcBef>
-        <a:buFont typeface="Arial" pitchFamily="34" charset="0"/>
+        <a:buFont typeface="Arial" panose="020B0604020202020204" pitchFamily="34" charset="0"/>
         <a:buChar char="•"/>
-        <a:defRPr sz="2000" kern="1200">
+        <a:defRPr sz="2700" kern="1200">
           <a:solidFill>
             <a:schemeClr val="tx1"/>
           </a:solidFill>
@@ -2942,13 +3254,16 @@
           <a:cs typeface="+mn-cs"/>
         </a:defRPr>
       </a:lvl8pPr>
-      <a:lvl9pPr marL="3886200" indent="-228600" algn="l" defTabSz="914400" rtl="0" eaLnBrk="1" latinLnBrk="0" hangingPunct="1">
+      <a:lvl9pPr marL="5829300" indent="-342900" algn="l" defTabSz="1371600" rtl="0" eaLnBrk="1" latinLnBrk="0" hangingPunct="1">
+        <a:lnSpc>
+          <a:spcPct val="90000"/>
+        </a:lnSpc>
         <a:spcBef>
-          <a:spcPct val="20000"/>
+          <a:spcPts val="750"/>
         </a:spcBef>
-        <a:buFont typeface="Arial" pitchFamily="34" charset="0"/>
+        <a:buFont typeface="Arial" panose="020B0604020202020204" pitchFamily="34" charset="0"/>
         <a:buChar char="•"/>
-        <a:defRPr sz="2000" kern="1200">
+        <a:defRPr sz="2700" kern="1200">
           <a:solidFill>
             <a:schemeClr val="tx1"/>
           </a:solidFill>
@@ -2960,10 +3275,10 @@
     </p:bodyStyle>
     <p:otherStyle>
       <a:defPPr>
-        <a:defRPr lang="en-US"/>
+        <a:defRPr lang="pt-BR"/>
       </a:defPPr>
-      <a:lvl1pPr marL="0" algn="l" defTabSz="914400" rtl="0" eaLnBrk="1" latinLnBrk="0" hangingPunct="1">
-        <a:defRPr sz="1800" kern="1200">
+      <a:lvl1pPr marL="0" algn="l" defTabSz="1371600" rtl="0" eaLnBrk="1" latinLnBrk="0" hangingPunct="1">
+        <a:defRPr sz="2700" kern="1200">
           <a:solidFill>
             <a:schemeClr val="tx1"/>
           </a:solidFill>
@@ -2972,8 +3287,8 @@
           <a:cs typeface="+mn-cs"/>
         </a:defRPr>
       </a:lvl1pPr>
-      <a:lvl2pPr marL="457200" algn="l" defTabSz="914400" rtl="0" eaLnBrk="1" latinLnBrk="0" hangingPunct="1">
-        <a:defRPr sz="1800" kern="1200">
+      <a:lvl2pPr marL="685800" algn="l" defTabSz="1371600" rtl="0" eaLnBrk="1" latinLnBrk="0" hangingPunct="1">
+        <a:defRPr sz="2700" kern="1200">
           <a:solidFill>
             <a:schemeClr val="tx1"/>
           </a:solidFill>
@@ -2982,8 +3297,8 @@
           <a:cs typeface="+mn-cs"/>
         </a:defRPr>
       </a:lvl2pPr>
-      <a:lvl3pPr marL="914400" algn="l" defTabSz="914400" rtl="0" eaLnBrk="1" latinLnBrk="0" hangingPunct="1">
-        <a:defRPr sz="1800" kern="1200">
+      <a:lvl3pPr marL="1371600" algn="l" defTabSz="1371600" rtl="0" eaLnBrk="1" latinLnBrk="0" hangingPunct="1">
+        <a:defRPr sz="2700" kern="1200">
           <a:solidFill>
             <a:schemeClr val="tx1"/>
           </a:solidFill>
@@ -2992,8 +3307,8 @@
           <a:cs typeface="+mn-cs"/>
         </a:defRPr>
       </a:lvl3pPr>
-      <a:lvl4pPr marL="1371600" algn="l" defTabSz="914400" rtl="0" eaLnBrk="1" latinLnBrk="0" hangingPunct="1">
-        <a:defRPr sz="1800" kern="1200">
+      <a:lvl4pPr marL="2057400" algn="l" defTabSz="1371600" rtl="0" eaLnBrk="1" latinLnBrk="0" hangingPunct="1">
+        <a:defRPr sz="2700" kern="1200">
           <a:solidFill>
             <a:schemeClr val="tx1"/>
           </a:solidFill>
@@ -3002,8 +3317,8 @@
           <a:cs typeface="+mn-cs"/>
         </a:defRPr>
       </a:lvl4pPr>
-      <a:lvl5pPr marL="1828800" algn="l" defTabSz="914400" rtl="0" eaLnBrk="1" latinLnBrk="0" hangingPunct="1">
-        <a:defRPr sz="1800" kern="1200">
+      <a:lvl5pPr marL="2743200" algn="l" defTabSz="1371600" rtl="0" eaLnBrk="1" latinLnBrk="0" hangingPunct="1">
+        <a:defRPr sz="2700" kern="1200">
           <a:solidFill>
             <a:schemeClr val="tx1"/>
           </a:solidFill>
@@ -3012,8 +3327,8 @@
           <a:cs typeface="+mn-cs"/>
         </a:defRPr>
       </a:lvl5pPr>
-      <a:lvl6pPr marL="2286000" algn="l" defTabSz="914400" rtl="0" eaLnBrk="1" latinLnBrk="0" hangingPunct="1">
-        <a:defRPr sz="1800" kern="1200">
+      <a:lvl6pPr marL="3429000" algn="l" defTabSz="1371600" rtl="0" eaLnBrk="1" latinLnBrk="0" hangingPunct="1">
+        <a:defRPr sz="2700" kern="1200">
           <a:solidFill>
             <a:schemeClr val="tx1"/>
           </a:solidFill>
@@ -3022,8 +3337,8 @@
           <a:cs typeface="+mn-cs"/>
         </a:defRPr>
       </a:lvl6pPr>
-      <a:lvl7pPr marL="2743200" algn="l" defTabSz="914400" rtl="0" eaLnBrk="1" latinLnBrk="0" hangingPunct="1">
-        <a:defRPr sz="1800" kern="1200">
+      <a:lvl7pPr marL="4114800" algn="l" defTabSz="1371600" rtl="0" eaLnBrk="1" latinLnBrk="0" hangingPunct="1">
+        <a:defRPr sz="2700" kern="1200">
           <a:solidFill>
             <a:schemeClr val="tx1"/>
           </a:solidFill>
@@ -3032,8 +3347,8 @@
           <a:cs typeface="+mn-cs"/>
         </a:defRPr>
       </a:lvl7pPr>
-      <a:lvl8pPr marL="3200400" algn="l" defTabSz="914400" rtl="0" eaLnBrk="1" latinLnBrk="0" hangingPunct="1">
-        <a:defRPr sz="1800" kern="1200">
+      <a:lvl8pPr marL="4800600" algn="l" defTabSz="1371600" rtl="0" eaLnBrk="1" latinLnBrk="0" hangingPunct="1">
+        <a:defRPr sz="2700" kern="1200">
           <a:solidFill>
             <a:schemeClr val="tx1"/>
           </a:solidFill>
@@ -3042,8 +3357,8 @@
           <a:cs typeface="+mn-cs"/>
         </a:defRPr>
       </a:lvl8pPr>
-      <a:lvl9pPr marL="3657600" algn="l" defTabSz="914400" rtl="0" eaLnBrk="1" latinLnBrk="0" hangingPunct="1">
-        <a:defRPr sz="1800" kern="1200">
+      <a:lvl9pPr marL="5486400" algn="l" defTabSz="1371600" rtl="0" eaLnBrk="1" latinLnBrk="0" hangingPunct="1">
+        <a:defRPr sz="2700" kern="1200">
           <a:solidFill>
             <a:schemeClr val="tx1"/>
           </a:solidFill>
@@ -3062,13 +3377,9 @@
   <p:cSld>
     <p:bg>
       <p:bgPr>
-        <a:blipFill>
-          <a:blip r:embed="rId2"/>
-          <a:srcRect t="28906" b="28906"/>
-          <a:stretch>
-            <a:fillRect/>
-          </a:stretch>
-        </a:blipFill>
+        <a:solidFill>
+          <a:schemeClr val="bg1"/>
+        </a:solidFill>
         <a:effectLst/>
       </p:bgPr>
     </p:bg>
@@ -3086,294 +3397,6 @@
           <a:chExt cx="0" cy="0"/>
         </a:xfrm>
       </p:grpSpPr>
-      <p:sp>
-        <p:nvSpPr>
-          <p:cNvPr id="2" name="AutoShape 2"/>
-          <p:cNvSpPr/>
-          <p:nvPr/>
-        </p:nvSpPr>
-        <p:spPr>
-          <a:xfrm>
-            <a:off x="0" y="0"/>
-            <a:ext cx="18288000" cy="10287000"/>
-          </a:xfrm>
-          <a:prstGeom prst="rect">
-            <a:avLst/>
-          </a:prstGeom>
-          <a:solidFill>
-            <a:srgbClr val="181C24">
-              <a:alpha val="89803"/>
-            </a:srgbClr>
-          </a:solidFill>
-        </p:spPr>
-      </p:sp>
-      <p:grpSp>
-        <p:nvGrpSpPr>
-          <p:cNvPr id="3" name="Group 3"/>
-          <p:cNvGrpSpPr/>
-          <p:nvPr/>
-        </p:nvGrpSpPr>
-        <p:grpSpPr>
-          <a:xfrm>
-            <a:off x="422688" y="307162"/>
-            <a:ext cx="17442622" cy="9672675"/>
-            <a:chOff x="0" y="0"/>
-            <a:chExt cx="5219585" cy="2894482"/>
-          </a:xfrm>
-        </p:grpSpPr>
-        <p:sp>
-          <p:nvSpPr>
-            <p:cNvPr id="4" name="Freeform 4"/>
-            <p:cNvSpPr/>
-            <p:nvPr/>
-          </p:nvSpPr>
-          <p:spPr>
-            <a:xfrm>
-              <a:off x="0" y="0"/>
-              <a:ext cx="5219585" cy="2894482"/>
-            </a:xfrm>
-            <a:custGeom>
-              <a:avLst/>
-              <a:gdLst/>
-              <a:ahLst/>
-              <a:cxnLst/>
-              <a:rect l="l" t="t" r="r" b="b"/>
-              <a:pathLst>
-                <a:path w="5219585" h="2894482">
-                  <a:moveTo>
-                    <a:pt x="5095125" y="2894482"/>
-                  </a:moveTo>
-                  <a:lnTo>
-                    <a:pt x="124460" y="2894482"/>
-                  </a:lnTo>
-                  <a:cubicBezTo>
-                    <a:pt x="55880" y="2894482"/>
-                    <a:pt x="0" y="2838602"/>
-                    <a:pt x="0" y="2770022"/>
-                  </a:cubicBezTo>
-                  <a:lnTo>
-                    <a:pt x="0" y="124460"/>
-                  </a:lnTo>
-                  <a:cubicBezTo>
-                    <a:pt x="0" y="55880"/>
-                    <a:pt x="55880" y="0"/>
-                    <a:pt x="124460" y="0"/>
-                  </a:cubicBezTo>
-                  <a:lnTo>
-                    <a:pt x="5095125" y="0"/>
-                  </a:lnTo>
-                  <a:cubicBezTo>
-                    <a:pt x="5163705" y="0"/>
-                    <a:pt x="5219585" y="55880"/>
-                    <a:pt x="5219585" y="124460"/>
-                  </a:cubicBezTo>
-                  <a:lnTo>
-                    <a:pt x="5219585" y="2770022"/>
-                  </a:lnTo>
-                  <a:cubicBezTo>
-                    <a:pt x="5219585" y="2838602"/>
-                    <a:pt x="5163705" y="2894482"/>
-                    <a:pt x="5095125" y="2894482"/>
-                  </a:cubicBezTo>
-                  <a:close/>
-                </a:path>
-              </a:pathLst>
-            </a:custGeom>
-            <a:solidFill>
-              <a:srgbClr val="FFFFFF">
-                <a:alpha val="61960"/>
-              </a:srgbClr>
-            </a:solidFill>
-          </p:spPr>
-          <p:txBody>
-            <a:bodyPr/>
-            <a:lstStyle/>
-            <a:p>
-              <a:r>
-                <a:rPr lang="pt-BR" dirty="0"/>
-                <a:t>   </a:t>
-              </a:r>
-            </a:p>
-          </p:txBody>
-        </p:sp>
-      </p:grpSp>
-      <p:grpSp>
-        <p:nvGrpSpPr>
-          <p:cNvPr id="5" name="Group 5"/>
-          <p:cNvGrpSpPr/>
-          <p:nvPr/>
-        </p:nvGrpSpPr>
-        <p:grpSpPr>
-          <a:xfrm>
-            <a:off x="7411301" y="5668899"/>
-            <a:ext cx="3368376" cy="3274864"/>
-            <a:chOff x="0" y="0"/>
-            <a:chExt cx="11981037" cy="11436588"/>
-          </a:xfrm>
-        </p:grpSpPr>
-        <p:sp>
-          <p:nvSpPr>
-            <p:cNvPr id="6" name="Freeform 6"/>
-            <p:cNvSpPr/>
-            <p:nvPr/>
-          </p:nvSpPr>
-          <p:spPr>
-            <a:xfrm>
-              <a:off x="-12700" y="-12700"/>
-              <a:ext cx="12006438" cy="11461989"/>
-            </a:xfrm>
-            <a:custGeom>
-              <a:avLst/>
-              <a:gdLst/>
-              <a:ahLst/>
-              <a:cxnLst/>
-              <a:rect l="l" t="t" r="r" b="b"/>
-              <a:pathLst>
-                <a:path w="12006438" h="11461989">
-                  <a:moveTo>
-                    <a:pt x="11144107" y="0"/>
-                  </a:moveTo>
-                  <a:lnTo>
-                    <a:pt x="862330" y="0"/>
-                  </a:lnTo>
-                  <a:cubicBezTo>
-                    <a:pt x="389890" y="0"/>
-                    <a:pt x="0" y="389890"/>
-                    <a:pt x="0" y="862330"/>
-                  </a:cubicBezTo>
-                  <a:lnTo>
-                    <a:pt x="0" y="10599658"/>
-                  </a:lnTo>
-                  <a:cubicBezTo>
-                    <a:pt x="0" y="11072099"/>
-                    <a:pt x="389890" y="11461989"/>
-                    <a:pt x="862330" y="11461989"/>
-                  </a:cubicBezTo>
-                  <a:lnTo>
-                    <a:pt x="11144107" y="11461989"/>
-                  </a:lnTo>
-                  <a:cubicBezTo>
-                    <a:pt x="11616548" y="11461989"/>
-                    <a:pt x="12006438" y="11072099"/>
-                    <a:pt x="12006438" y="10599658"/>
-                  </a:cubicBezTo>
-                  <a:lnTo>
-                    <a:pt x="12006438" y="862330"/>
-                  </a:lnTo>
-                  <a:cubicBezTo>
-                    <a:pt x="12006437" y="389890"/>
-                    <a:pt x="11616547" y="0"/>
-                    <a:pt x="11144107" y="0"/>
-                  </a:cubicBezTo>
-                  <a:close/>
-                  <a:moveTo>
-                    <a:pt x="11815937" y="927100"/>
-                  </a:moveTo>
-                  <a:lnTo>
-                    <a:pt x="11815937" y="10599658"/>
-                  </a:lnTo>
-                  <a:cubicBezTo>
-                    <a:pt x="11815937" y="10966688"/>
-                    <a:pt x="11511137" y="11271488"/>
-                    <a:pt x="11144107" y="11271488"/>
-                  </a:cubicBezTo>
-                  <a:lnTo>
-                    <a:pt x="862330" y="11271488"/>
-                  </a:lnTo>
-                  <a:cubicBezTo>
-                    <a:pt x="495300" y="11271488"/>
-                    <a:pt x="190500" y="10966688"/>
-                    <a:pt x="190500" y="10599658"/>
-                  </a:cubicBezTo>
-                  <a:lnTo>
-                    <a:pt x="190500" y="862330"/>
-                  </a:lnTo>
-                  <a:cubicBezTo>
-                    <a:pt x="190500" y="495300"/>
-                    <a:pt x="495300" y="190500"/>
-                    <a:pt x="862330" y="190500"/>
-                  </a:cubicBezTo>
-                  <a:lnTo>
-                    <a:pt x="11144107" y="190500"/>
-                  </a:lnTo>
-                  <a:cubicBezTo>
-                    <a:pt x="11511137" y="190500"/>
-                    <a:pt x="11815937" y="495300"/>
-                    <a:pt x="11815937" y="862330"/>
-                  </a:cubicBezTo>
-                  <a:lnTo>
-                    <a:pt x="11815937" y="927100"/>
-                  </a:lnTo>
-                  <a:close/>
-                </a:path>
-              </a:pathLst>
-            </a:custGeom>
-            <a:solidFill>
-              <a:srgbClr val="000000"/>
-            </a:solidFill>
-          </p:spPr>
-        </p:sp>
-      </p:grpSp>
-      <p:pic>
-        <p:nvPicPr>
-          <p:cNvPr id="7" name="Picture 7"/>
-          <p:cNvPicPr>
-            <a:picLocks noChangeAspect="1"/>
-          </p:cNvPicPr>
-          <p:nvPr/>
-        </p:nvPicPr>
-        <p:blipFill>
-          <a:blip r:embed="rId3"/>
-          <a:srcRect t="18401" b="16824"/>
-          <a:stretch>
-            <a:fillRect/>
-          </a:stretch>
-        </p:blipFill>
-        <p:spPr>
-          <a:xfrm>
-            <a:off x="2545514" y="1250502"/>
-            <a:ext cx="2242453" cy="1452531"/>
-          </a:xfrm>
-          <a:prstGeom prst="rect">
-            <a:avLst/>
-          </a:prstGeom>
-        </p:spPr>
-      </p:pic>
-      <p:pic>
-        <p:nvPicPr>
-          <p:cNvPr id="8" name="Picture 8"/>
-          <p:cNvPicPr>
-            <a:picLocks noChangeAspect="1"/>
-          </p:cNvPicPr>
-          <p:nvPr/>
-        </p:nvPicPr>
-        <p:blipFill>
-          <a:blip r:embed="rId4"/>
-          <a:srcRect l="842" r="842"/>
-          <a:stretch>
-            <a:fillRect/>
-          </a:stretch>
-        </p:blipFill>
-        <p:spPr>
-          <a:xfrm>
-            <a:off x="2509994" y="2741311"/>
-            <a:ext cx="2237596" cy="568981"/>
-          </a:xfrm>
-          <a:prstGeom prst="rect">
-            <a:avLst/>
-          </a:prstGeom>
-          <a:ln>
-            <a:noFill/>
-          </a:ln>
-          <a:effectLst>
-            <a:outerShdw blurRad="292100" dist="139700" dir="2700000" algn="tl" rotWithShape="0">
-              <a:srgbClr val="333333">
-                <a:alpha val="65000"/>
-              </a:srgbClr>
-            </a:outerShdw>
-          </a:effectLst>
-        </p:spPr>
-      </p:pic>
       <p:pic>
         <p:nvPicPr>
           <p:cNvPr id="9" name="Picture 9"/>
@@ -3383,7 +3406,7 @@
           <p:nvPr/>
         </p:nvPicPr>
         <p:blipFill>
-          <a:blip r:embed="rId5"/>
+          <a:blip r:embed="rId2"/>
           <a:srcRect/>
           <a:stretch>
             <a:fillRect/>
@@ -3391,8 +3414,8 @@
         </p:blipFill>
         <p:spPr>
           <a:xfrm>
-            <a:off x="8015513" y="5605258"/>
-            <a:ext cx="2212464" cy="2212464"/>
+            <a:off x="5562600" y="6315816"/>
+            <a:ext cx="2013281" cy="2013281"/>
           </a:xfrm>
           <a:prstGeom prst="rect">
             <a:avLst/>
@@ -3400,13 +3423,7 @@
           <a:ln>
             <a:noFill/>
           </a:ln>
-          <a:effectLst>
-            <a:outerShdw blurRad="292100" dist="139700" dir="2700000" algn="tl" rotWithShape="0">
-              <a:srgbClr val="333333">
-                <a:alpha val="65000"/>
-              </a:srgbClr>
-            </a:outerShdw>
-          </a:effectLst>
+          <a:effectLst/>
         </p:spPr>
       </p:pic>
       <p:pic>
@@ -3418,7 +3435,7 @@
           <p:nvPr/>
         </p:nvPicPr>
         <p:blipFill>
-          <a:blip r:embed="rId6"/>
+          <a:blip r:embed="rId3"/>
           <a:srcRect/>
           <a:stretch>
             <a:fillRect/>
@@ -3426,7 +3443,7 @@
         </p:blipFill>
         <p:spPr>
           <a:xfrm>
-            <a:off x="2805810" y="5916239"/>
+            <a:off x="5972118" y="1436859"/>
             <a:ext cx="1348494" cy="759643"/>
           </a:xfrm>
           <a:prstGeom prst="rect">
@@ -3435,155 +3452,7 @@
           <a:ln>
             <a:noFill/>
           </a:ln>
-          <a:effectLst>
-            <a:outerShdw blurRad="292100" dist="139700" dir="2700000" algn="tl" rotWithShape="0">
-              <a:srgbClr val="333333">
-                <a:alpha val="65000"/>
-              </a:srgbClr>
-            </a:outerShdw>
-          </a:effectLst>
-        </p:spPr>
-      </p:pic>
-      <p:grpSp>
-        <p:nvGrpSpPr>
-          <p:cNvPr id="11" name="Group 11"/>
-          <p:cNvGrpSpPr/>
-          <p:nvPr/>
-        </p:nvGrpSpPr>
-        <p:grpSpPr>
-          <a:xfrm>
-            <a:off x="12973553" y="5672536"/>
-            <a:ext cx="3430766" cy="3274864"/>
-            <a:chOff x="0" y="0"/>
-            <a:chExt cx="11981037" cy="11436588"/>
-          </a:xfrm>
-        </p:grpSpPr>
-        <p:sp>
-          <p:nvSpPr>
-            <p:cNvPr id="12" name="Freeform 12"/>
-            <p:cNvSpPr/>
-            <p:nvPr/>
-          </p:nvSpPr>
-          <p:spPr>
-            <a:xfrm>
-              <a:off x="-12700" y="-12700"/>
-              <a:ext cx="12006438" cy="11461989"/>
-            </a:xfrm>
-            <a:custGeom>
-              <a:avLst/>
-              <a:gdLst/>
-              <a:ahLst/>
-              <a:cxnLst/>
-              <a:rect l="l" t="t" r="r" b="b"/>
-              <a:pathLst>
-                <a:path w="12006438" h="11461989">
-                  <a:moveTo>
-                    <a:pt x="11144107" y="0"/>
-                  </a:moveTo>
-                  <a:lnTo>
-                    <a:pt x="862330" y="0"/>
-                  </a:lnTo>
-                  <a:cubicBezTo>
-                    <a:pt x="389890" y="0"/>
-                    <a:pt x="0" y="389890"/>
-                    <a:pt x="0" y="862330"/>
-                  </a:cubicBezTo>
-                  <a:lnTo>
-                    <a:pt x="0" y="10599658"/>
-                  </a:lnTo>
-                  <a:cubicBezTo>
-                    <a:pt x="0" y="11072099"/>
-                    <a:pt x="389890" y="11461989"/>
-                    <a:pt x="862330" y="11461989"/>
-                  </a:cubicBezTo>
-                  <a:lnTo>
-                    <a:pt x="11144107" y="11461989"/>
-                  </a:lnTo>
-                  <a:cubicBezTo>
-                    <a:pt x="11616548" y="11461989"/>
-                    <a:pt x="12006438" y="11072099"/>
-                    <a:pt x="12006438" y="10599658"/>
-                  </a:cubicBezTo>
-                  <a:lnTo>
-                    <a:pt x="12006438" y="862330"/>
-                  </a:lnTo>
-                  <a:cubicBezTo>
-                    <a:pt x="12006437" y="389890"/>
-                    <a:pt x="11616547" y="0"/>
-                    <a:pt x="11144107" y="0"/>
-                  </a:cubicBezTo>
-                  <a:close/>
-                  <a:moveTo>
-                    <a:pt x="11815937" y="927100"/>
-                  </a:moveTo>
-                  <a:lnTo>
-                    <a:pt x="11815937" y="10599658"/>
-                  </a:lnTo>
-                  <a:cubicBezTo>
-                    <a:pt x="11815937" y="10966688"/>
-                    <a:pt x="11511137" y="11271488"/>
-                    <a:pt x="11144107" y="11271488"/>
-                  </a:cubicBezTo>
-                  <a:lnTo>
-                    <a:pt x="862330" y="11271488"/>
-                  </a:lnTo>
-                  <a:cubicBezTo>
-                    <a:pt x="495300" y="11271488"/>
-                    <a:pt x="190500" y="10966688"/>
-                    <a:pt x="190500" y="10599658"/>
-                  </a:cubicBezTo>
-                  <a:lnTo>
-                    <a:pt x="190500" y="862330"/>
-                  </a:lnTo>
-                  <a:cubicBezTo>
-                    <a:pt x="190500" y="495300"/>
-                    <a:pt x="495300" y="190500"/>
-                    <a:pt x="862330" y="190500"/>
-                  </a:cubicBezTo>
-                  <a:lnTo>
-                    <a:pt x="11144107" y="190500"/>
-                  </a:lnTo>
-                  <a:cubicBezTo>
-                    <a:pt x="11511137" y="190500"/>
-                    <a:pt x="11815937" y="495300"/>
-                    <a:pt x="11815937" y="862330"/>
-                  </a:cubicBezTo>
-                  <a:lnTo>
-                    <a:pt x="11815937" y="927100"/>
-                  </a:lnTo>
-                  <a:close/>
-                </a:path>
-              </a:pathLst>
-            </a:custGeom>
-            <a:solidFill>
-              <a:srgbClr val="000000"/>
-            </a:solidFill>
-          </p:spPr>
-        </p:sp>
-      </p:grpSp>
-      <p:pic>
-        <p:nvPicPr>
-          <p:cNvPr id="14" name="Picture 14"/>
-          <p:cNvPicPr>
-            <a:picLocks noChangeAspect="1"/>
-          </p:cNvPicPr>
-          <p:nvPr/>
-        </p:nvPicPr>
-        <p:blipFill>
-          <a:blip r:embed="rId7"/>
-          <a:srcRect/>
-          <a:stretch>
-            <a:fillRect/>
-          </a:stretch>
-        </p:blipFill>
-        <p:spPr>
-          <a:xfrm>
-            <a:off x="3251096" y="4293374"/>
-            <a:ext cx="449576" cy="354041"/>
-          </a:xfrm>
-          <a:prstGeom prst="rect">
-            <a:avLst/>
-          </a:prstGeom>
+          <a:effectLst/>
         </p:spPr>
       </p:pic>
       <p:pic>
@@ -3595,7 +3464,7 @@
           <p:nvPr/>
         </p:nvPicPr>
         <p:blipFill>
-          <a:blip r:embed="rId8"/>
+          <a:blip r:embed="rId4"/>
           <a:srcRect/>
           <a:stretch>
             <a:fillRect/>
@@ -3603,7 +3472,7 @@
         </p:blipFill>
         <p:spPr>
           <a:xfrm>
-            <a:off x="2249733" y="6703272"/>
+            <a:off x="5537010" y="2076882"/>
             <a:ext cx="2212464" cy="1271531"/>
           </a:xfrm>
           <a:prstGeom prst="rect">
@@ -3612,13 +3481,7 @@
           <a:ln>
             <a:noFill/>
           </a:ln>
-          <a:effectLst>
-            <a:outerShdw blurRad="292100" dist="139700" dir="2700000" algn="tl" rotWithShape="0">
-              <a:srgbClr val="333333">
-                <a:alpha val="65000"/>
-              </a:srgbClr>
-            </a:outerShdw>
-          </a:effectLst>
+          <a:effectLst/>
         </p:spPr>
       </p:pic>
       <p:grpSp>
@@ -3629,8 +3492,8 @@
         </p:nvGrpSpPr>
         <p:grpSpPr>
           <a:xfrm>
-            <a:off x="1760501" y="5682107"/>
-            <a:ext cx="3430766" cy="3274864"/>
+            <a:off x="5140560" y="1169733"/>
+            <a:ext cx="3005365" cy="2686971"/>
             <a:chOff x="0" y="0"/>
             <a:chExt cx="11981037" cy="11436588"/>
           </a:xfrm>
@@ -3738,98 +3601,6 @@
           </p:spPr>
         </p:sp>
       </p:grpSp>
-      <p:grpSp>
-        <p:nvGrpSpPr>
-          <p:cNvPr id="18" name="Group 18"/>
-          <p:cNvGrpSpPr/>
-          <p:nvPr/>
-        </p:nvGrpSpPr>
-        <p:grpSpPr>
-          <a:xfrm>
-            <a:off x="10931121" y="7170045"/>
-            <a:ext cx="1946679" cy="259990"/>
-            <a:chOff x="0" y="0"/>
-            <a:chExt cx="3803650" cy="508000"/>
-          </a:xfrm>
-        </p:grpSpPr>
-        <p:sp>
-          <p:nvSpPr>
-            <p:cNvPr id="19" name="Freeform 19"/>
-            <p:cNvSpPr/>
-            <p:nvPr/>
-          </p:nvSpPr>
-          <p:spPr>
-            <a:xfrm>
-              <a:off x="0" y="215900"/>
-              <a:ext cx="3507740" cy="76200"/>
-            </a:xfrm>
-            <a:custGeom>
-              <a:avLst/>
-              <a:gdLst/>
-              <a:ahLst/>
-              <a:cxnLst/>
-              <a:rect l="l" t="t" r="r" b="b"/>
-              <a:pathLst>
-                <a:path w="3507740" h="76200">
-                  <a:moveTo>
-                    <a:pt x="0" y="0"/>
-                  </a:moveTo>
-                  <a:lnTo>
-                    <a:pt x="3507740" y="0"/>
-                  </a:lnTo>
-                  <a:lnTo>
-                    <a:pt x="3507740" y="76200"/>
-                  </a:lnTo>
-                  <a:lnTo>
-                    <a:pt x="0" y="76200"/>
-                  </a:lnTo>
-                  <a:close/>
-                </a:path>
-              </a:pathLst>
-            </a:custGeom>
-            <a:solidFill>
-              <a:srgbClr val="000000"/>
-            </a:solidFill>
-          </p:spPr>
-        </p:sp>
-        <p:sp>
-          <p:nvSpPr>
-            <p:cNvPr id="20" name="Freeform 20"/>
-            <p:cNvSpPr/>
-            <p:nvPr/>
-          </p:nvSpPr>
-          <p:spPr>
-            <a:xfrm>
-              <a:off x="3429000" y="1270"/>
-              <a:ext cx="374650" cy="505460"/>
-            </a:xfrm>
-            <a:custGeom>
-              <a:avLst/>
-              <a:gdLst/>
-              <a:ahLst/>
-              <a:cxnLst/>
-              <a:rect l="l" t="t" r="r" b="b"/>
-              <a:pathLst>
-                <a:path w="374650" h="505460">
-                  <a:moveTo>
-                    <a:pt x="0" y="505460"/>
-                  </a:moveTo>
-                  <a:lnTo>
-                    <a:pt x="0" y="0"/>
-                  </a:lnTo>
-                  <a:lnTo>
-                    <a:pt x="374650" y="252730"/>
-                  </a:lnTo>
-                  <a:close/>
-                </a:path>
-              </a:pathLst>
-            </a:custGeom>
-            <a:solidFill>
-              <a:srgbClr val="000000"/>
-            </a:solidFill>
-          </p:spPr>
-        </p:sp>
-      </p:grpSp>
       <p:sp>
         <p:nvSpPr>
           <p:cNvPr id="21" name="TextBox 21"/>
@@ -3838,7 +3609,7 @@
         </p:nvSpPr>
         <p:spPr>
           <a:xfrm>
-            <a:off x="11806684" y="1035651"/>
+            <a:off x="15383191" y="234111"/>
             <a:ext cx="2294632" cy="1419619"/>
           </a:xfrm>
           <a:prstGeom prst="rect">
@@ -3858,9 +3629,6 @@
             </a:pPr>
             <a:r>
               <a:rPr lang="en-US" sz="9000" dirty="0">
-                <a:solidFill>
-                  <a:srgbClr val="FFFFFF"/>
-                </a:solidFill>
                 <a:latin typeface="Exo 2 Black"/>
               </a:rPr>
               <a:t>LLD</a:t>
@@ -3870,51 +3638,13 @@
       </p:sp>
       <p:sp>
         <p:nvSpPr>
-          <p:cNvPr id="22" name="TextBox 22"/>
-          <p:cNvSpPr txBox="1"/>
-          <p:nvPr/>
-        </p:nvSpPr>
-        <p:spPr>
-          <a:xfrm>
-            <a:off x="2563408" y="554321"/>
-            <a:ext cx="1997719" cy="481330"/>
-          </a:xfrm>
-          <a:prstGeom prst="rect">
-            <a:avLst/>
-          </a:prstGeom>
-        </p:spPr>
-        <p:txBody>
-          <a:bodyPr lIns="0" tIns="0" rIns="0" bIns="0" rtlCol="0" anchor="t">
-            <a:spAutoFit/>
-          </a:bodyPr>
-          <a:lstStyle/>
-          <a:p>
-            <a:pPr algn="ctr">
-              <a:lnSpc>
-                <a:spcPts val="3919"/>
-              </a:lnSpc>
-            </a:pPr>
-            <a:r>
-              <a:rPr lang="en-US" sz="2800" dirty="0">
-                <a:solidFill>
-                  <a:srgbClr val="000000"/>
-                </a:solidFill>
-                <a:latin typeface="Exo 2 Medium"/>
-              </a:rPr>
-              <a:t>Usuário</a:t>
-            </a:r>
-          </a:p>
-        </p:txBody>
-      </p:sp>
-      <p:sp>
-        <p:nvSpPr>
           <p:cNvPr id="23" name="TextBox 23"/>
           <p:cNvSpPr txBox="1"/>
           <p:nvPr/>
         </p:nvSpPr>
         <p:spPr>
           <a:xfrm>
-            <a:off x="8311236" y="8069396"/>
+            <a:off x="5840954" y="8400631"/>
             <a:ext cx="1513128" cy="422488"/>
           </a:xfrm>
           <a:prstGeom prst="rect">
@@ -3952,8 +3682,8 @@
         </p:nvSpPr>
         <p:spPr>
           <a:xfrm>
-            <a:off x="13344766" y="8052504"/>
-            <a:ext cx="2608042" cy="442258"/>
+            <a:off x="1268157" y="5680053"/>
+            <a:ext cx="2608042" cy="422488"/>
           </a:xfrm>
           <a:prstGeom prst="rect">
             <a:avLst/>
@@ -3977,103 +3707,20 @@
                 </a:solidFill>
                 <a:latin typeface="Exo 2 Medium"/>
               </a:rPr>
-              <a:t>Banco de Dados</a:t>
-            </a:r>
-          </a:p>
-        </p:txBody>
-      </p:sp>
-      <p:grpSp>
-        <p:nvGrpSpPr>
-          <p:cNvPr id="28" name="Group 28"/>
-          <p:cNvGrpSpPr/>
-          <p:nvPr/>
-        </p:nvGrpSpPr>
-        <p:grpSpPr>
-          <a:xfrm rot="-10800000">
-            <a:off x="10931121" y="6910055"/>
-            <a:ext cx="1946679" cy="259990"/>
-            <a:chOff x="0" y="0"/>
-            <a:chExt cx="3803650" cy="508000"/>
-          </a:xfrm>
-        </p:grpSpPr>
-        <p:sp>
-          <p:nvSpPr>
-            <p:cNvPr id="29" name="Freeform 29"/>
-            <p:cNvSpPr/>
-            <p:nvPr/>
-          </p:nvSpPr>
-          <p:spPr>
-            <a:xfrm>
-              <a:off x="0" y="215900"/>
-              <a:ext cx="3507740" cy="76200"/>
-            </a:xfrm>
-            <a:custGeom>
-              <a:avLst/>
-              <a:gdLst/>
-              <a:ahLst/>
-              <a:cxnLst/>
-              <a:rect l="l" t="t" r="r" b="b"/>
-              <a:pathLst>
-                <a:path w="3507740" h="76200">
-                  <a:moveTo>
-                    <a:pt x="0" y="0"/>
-                  </a:moveTo>
-                  <a:lnTo>
-                    <a:pt x="3507740" y="0"/>
-                  </a:lnTo>
-                  <a:lnTo>
-                    <a:pt x="3507740" y="76200"/>
-                  </a:lnTo>
-                  <a:lnTo>
-                    <a:pt x="0" y="76200"/>
-                  </a:lnTo>
-                  <a:close/>
-                </a:path>
-              </a:pathLst>
-            </a:custGeom>
-            <a:solidFill>
-              <a:srgbClr val="000000"/>
-            </a:solidFill>
-          </p:spPr>
-        </p:sp>
-        <p:sp>
-          <p:nvSpPr>
-            <p:cNvPr id="30" name="Freeform 30"/>
-            <p:cNvSpPr/>
-            <p:nvPr/>
-          </p:nvSpPr>
-          <p:spPr>
-            <a:xfrm>
-              <a:off x="3429000" y="1270"/>
-              <a:ext cx="374650" cy="505460"/>
-            </a:xfrm>
-            <a:custGeom>
-              <a:avLst/>
-              <a:gdLst/>
-              <a:ahLst/>
-              <a:cxnLst/>
-              <a:rect l="l" t="t" r="r" b="b"/>
-              <a:pathLst>
-                <a:path w="374650" h="505460">
-                  <a:moveTo>
-                    <a:pt x="0" y="505460"/>
-                  </a:moveTo>
-                  <a:lnTo>
-                    <a:pt x="0" y="0"/>
-                  </a:lnTo>
-                  <a:lnTo>
-                    <a:pt x="374650" y="252730"/>
-                  </a:lnTo>
-                  <a:close/>
-                </a:path>
-              </a:pathLst>
-            </a:custGeom>
-            <a:solidFill>
-              <a:srgbClr val="000000"/>
-            </a:solidFill>
-          </p:spPr>
-        </p:sp>
-      </p:grpSp>
+              <a:t>Banco de </a:t>
+            </a:r>
+            <a:r>
+              <a:rPr lang="en-US" sz="2400" dirty="0">
+                <a:solidFill>
+                  <a:srgbClr val="000000"/>
+                </a:solidFill>
+                <a:latin typeface="Exo 2 Medium"/>
+              </a:rPr>
+              <a:t>Dados</a:t>
+            </a:r>
+          </a:p>
+        </p:txBody>
+      </p:sp>
       <p:sp>
         <p:nvSpPr>
           <p:cNvPr id="31" name="TextBox 31"/>
@@ -4082,15 +3729,15 @@
         </p:nvSpPr>
         <p:spPr>
           <a:xfrm>
-            <a:off x="10956281" y="7478447"/>
-            <a:ext cx="1997719" cy="481330"/>
+            <a:off x="3084956" y="8116026"/>
+            <a:ext cx="948407" cy="426142"/>
           </a:xfrm>
           <a:prstGeom prst="rect">
             <a:avLst/>
           </a:prstGeom>
         </p:spPr>
         <p:txBody>
-          <a:bodyPr lIns="0" tIns="0" rIns="0" bIns="0" rtlCol="0" anchor="t">
+          <a:bodyPr wrap="square" lIns="0" tIns="0" rIns="0" bIns="0" rtlCol="0" anchor="t">
             <a:spAutoFit/>
           </a:bodyPr>
           <a:lstStyle/>
@@ -4101,7 +3748,7 @@
               </a:lnSpc>
             </a:pPr>
             <a:r>
-              <a:rPr lang="en-US" sz="2800" dirty="0">
+              <a:rPr lang="en-US" sz="2000" dirty="0">
                 <a:solidFill>
                   <a:srgbClr val="000000"/>
                 </a:solidFill>
@@ -4112,273 +3759,6 @@
           </a:p>
         </p:txBody>
       </p:sp>
-      <p:pic>
-        <p:nvPicPr>
-          <p:cNvPr id="1030" name="Picture 6" descr="Comando em SQL para descobrir os Processos / Queries em Sql que estão  ativas | 2F Consultoria em Inovação e Tecnologia">
-            <a:extLst>
-              <a:ext uri="{FF2B5EF4-FFF2-40B4-BE49-F238E27FC236}">
-                <a16:creationId xmlns:a16="http://schemas.microsoft.com/office/drawing/2014/main" id="{0656355E-9E64-40EC-AABA-1177D3375A35}"/>
-              </a:ext>
-            </a:extLst>
-          </p:cNvPr>
-          <p:cNvPicPr>
-            <a:picLocks noChangeAspect="1" noChangeArrowheads="1"/>
-          </p:cNvPicPr>
-          <p:nvPr/>
-        </p:nvPicPr>
-        <p:blipFill>
-          <a:blip r:embed="rId9">
-            <a:extLst>
-              <a:ext uri="{28A0092B-C50C-407E-A947-70E740481C1C}">
-                <a14:useLocalDpi xmlns:a14="http://schemas.microsoft.com/office/drawing/2010/main" val="0"/>
-              </a:ext>
-            </a:extLst>
-          </a:blip>
-          <a:srcRect/>
-          <a:stretch>
-            <a:fillRect/>
-          </a:stretch>
-        </p:blipFill>
-        <p:spPr bwMode="auto">
-          <a:xfrm>
-            <a:off x="13528945" y="5838259"/>
-            <a:ext cx="2319982" cy="1868442"/>
-          </a:xfrm>
-          <a:prstGeom prst="rect">
-            <a:avLst/>
-          </a:prstGeom>
-          <a:noFill/>
-          <a:extLst>
-            <a:ext uri="{909E8E84-426E-40DD-AFC4-6F175D3DCCD1}">
-              <a14:hiddenFill xmlns:a14="http://schemas.microsoft.com/office/drawing/2010/main">
-                <a:solidFill>
-                  <a:srgbClr val="FFFFFF"/>
-                </a:solidFill>
-              </a14:hiddenFill>
-            </a:ext>
-          </a:extLst>
-        </p:spPr>
-      </p:pic>
-      <p:grpSp>
-        <p:nvGrpSpPr>
-          <p:cNvPr id="36" name="Group 28">
-            <a:extLst>
-              <a:ext uri="{FF2B5EF4-FFF2-40B4-BE49-F238E27FC236}">
-                <a16:creationId xmlns:a16="http://schemas.microsoft.com/office/drawing/2014/main" id="{C685AF4D-AD18-44AE-990F-9953A10D6DF8}"/>
-              </a:ext>
-            </a:extLst>
-          </p:cNvPr>
-          <p:cNvGrpSpPr/>
-          <p:nvPr/>
-        </p:nvGrpSpPr>
-        <p:grpSpPr>
-          <a:xfrm rot="-10800000">
-            <a:off x="5292320" y="6910054"/>
-            <a:ext cx="1946679" cy="259990"/>
-            <a:chOff x="0" y="0"/>
-            <a:chExt cx="3803650" cy="508000"/>
-          </a:xfrm>
-        </p:grpSpPr>
-        <p:sp>
-          <p:nvSpPr>
-            <p:cNvPr id="37" name="Freeform 29">
-              <a:extLst>
-                <a:ext uri="{FF2B5EF4-FFF2-40B4-BE49-F238E27FC236}">
-                  <a16:creationId xmlns:a16="http://schemas.microsoft.com/office/drawing/2014/main" id="{75AA821B-18BF-4801-B0C7-28A22E001BA2}"/>
-                </a:ext>
-              </a:extLst>
-            </p:cNvPr>
-            <p:cNvSpPr/>
-            <p:nvPr/>
-          </p:nvSpPr>
-          <p:spPr>
-            <a:xfrm>
-              <a:off x="0" y="215900"/>
-              <a:ext cx="3507740" cy="76200"/>
-            </a:xfrm>
-            <a:custGeom>
-              <a:avLst/>
-              <a:gdLst/>
-              <a:ahLst/>
-              <a:cxnLst/>
-              <a:rect l="l" t="t" r="r" b="b"/>
-              <a:pathLst>
-                <a:path w="3507740" h="76200">
-                  <a:moveTo>
-                    <a:pt x="0" y="0"/>
-                  </a:moveTo>
-                  <a:lnTo>
-                    <a:pt x="3507740" y="0"/>
-                  </a:lnTo>
-                  <a:lnTo>
-                    <a:pt x="3507740" y="76200"/>
-                  </a:lnTo>
-                  <a:lnTo>
-                    <a:pt x="0" y="76200"/>
-                  </a:lnTo>
-                  <a:close/>
-                </a:path>
-              </a:pathLst>
-            </a:custGeom>
-            <a:solidFill>
-              <a:srgbClr val="000000"/>
-            </a:solidFill>
-          </p:spPr>
-        </p:sp>
-        <p:sp>
-          <p:nvSpPr>
-            <p:cNvPr id="38" name="Freeform 30">
-              <a:extLst>
-                <a:ext uri="{FF2B5EF4-FFF2-40B4-BE49-F238E27FC236}">
-                  <a16:creationId xmlns:a16="http://schemas.microsoft.com/office/drawing/2014/main" id="{792E4460-FF0E-4F7D-B685-34AD5CD623D7}"/>
-                </a:ext>
-              </a:extLst>
-            </p:cNvPr>
-            <p:cNvSpPr/>
-            <p:nvPr/>
-          </p:nvSpPr>
-          <p:spPr>
-            <a:xfrm>
-              <a:off x="3429000" y="1270"/>
-              <a:ext cx="374650" cy="505460"/>
-            </a:xfrm>
-            <a:custGeom>
-              <a:avLst/>
-              <a:gdLst/>
-              <a:ahLst/>
-              <a:cxnLst/>
-              <a:rect l="l" t="t" r="r" b="b"/>
-              <a:pathLst>
-                <a:path w="374650" h="505460">
-                  <a:moveTo>
-                    <a:pt x="0" y="505460"/>
-                  </a:moveTo>
-                  <a:lnTo>
-                    <a:pt x="0" y="0"/>
-                  </a:lnTo>
-                  <a:lnTo>
-                    <a:pt x="374650" y="252730"/>
-                  </a:lnTo>
-                  <a:close/>
-                </a:path>
-              </a:pathLst>
-            </a:custGeom>
-            <a:solidFill>
-              <a:srgbClr val="000000"/>
-            </a:solidFill>
-          </p:spPr>
-        </p:sp>
-      </p:grpSp>
-      <p:grpSp>
-        <p:nvGrpSpPr>
-          <p:cNvPr id="39" name="Group 18">
-            <a:extLst>
-              <a:ext uri="{FF2B5EF4-FFF2-40B4-BE49-F238E27FC236}">
-                <a16:creationId xmlns:a16="http://schemas.microsoft.com/office/drawing/2014/main" id="{2A05A212-CBD9-49EF-B8DC-2E92830867AB}"/>
-              </a:ext>
-            </a:extLst>
-          </p:cNvPr>
-          <p:cNvGrpSpPr/>
-          <p:nvPr/>
-        </p:nvGrpSpPr>
-        <p:grpSpPr>
-          <a:xfrm>
-            <a:off x="5368521" y="7189544"/>
-            <a:ext cx="1946679" cy="259990"/>
-            <a:chOff x="0" y="0"/>
-            <a:chExt cx="3803650" cy="508000"/>
-          </a:xfrm>
-        </p:grpSpPr>
-        <p:sp>
-          <p:nvSpPr>
-            <p:cNvPr id="40" name="Freeform 19">
-              <a:extLst>
-                <a:ext uri="{FF2B5EF4-FFF2-40B4-BE49-F238E27FC236}">
-                  <a16:creationId xmlns:a16="http://schemas.microsoft.com/office/drawing/2014/main" id="{5A54B8F2-989B-4566-A1BA-4611859C0C57}"/>
-                </a:ext>
-              </a:extLst>
-            </p:cNvPr>
-            <p:cNvSpPr/>
-            <p:nvPr/>
-          </p:nvSpPr>
-          <p:spPr>
-            <a:xfrm>
-              <a:off x="0" y="215900"/>
-              <a:ext cx="3507740" cy="76200"/>
-            </a:xfrm>
-            <a:custGeom>
-              <a:avLst/>
-              <a:gdLst/>
-              <a:ahLst/>
-              <a:cxnLst/>
-              <a:rect l="l" t="t" r="r" b="b"/>
-              <a:pathLst>
-                <a:path w="3507740" h="76200">
-                  <a:moveTo>
-                    <a:pt x="0" y="0"/>
-                  </a:moveTo>
-                  <a:lnTo>
-                    <a:pt x="3507740" y="0"/>
-                  </a:lnTo>
-                  <a:lnTo>
-                    <a:pt x="3507740" y="76200"/>
-                  </a:lnTo>
-                  <a:lnTo>
-                    <a:pt x="0" y="76200"/>
-                  </a:lnTo>
-                  <a:close/>
-                </a:path>
-              </a:pathLst>
-            </a:custGeom>
-            <a:solidFill>
-              <a:srgbClr val="000000"/>
-            </a:solidFill>
-          </p:spPr>
-        </p:sp>
-        <p:sp>
-          <p:nvSpPr>
-            <p:cNvPr id="41" name="Freeform 20">
-              <a:extLst>
-                <a:ext uri="{FF2B5EF4-FFF2-40B4-BE49-F238E27FC236}">
-                  <a16:creationId xmlns:a16="http://schemas.microsoft.com/office/drawing/2014/main" id="{D6D17665-2CD5-47DC-8ACD-021E91B422C3}"/>
-                </a:ext>
-              </a:extLst>
-            </p:cNvPr>
-            <p:cNvSpPr/>
-            <p:nvPr/>
-          </p:nvSpPr>
-          <p:spPr>
-            <a:xfrm>
-              <a:off x="3429000" y="1270"/>
-              <a:ext cx="374650" cy="505460"/>
-            </a:xfrm>
-            <a:custGeom>
-              <a:avLst/>
-              <a:gdLst/>
-              <a:ahLst/>
-              <a:cxnLst/>
-              <a:rect l="l" t="t" r="r" b="b"/>
-              <a:pathLst>
-                <a:path w="374650" h="505460">
-                  <a:moveTo>
-                    <a:pt x="0" y="505460"/>
-                  </a:moveTo>
-                  <a:lnTo>
-                    <a:pt x="0" y="0"/>
-                  </a:lnTo>
-                  <a:lnTo>
-                    <a:pt x="374650" y="252730"/>
-                  </a:lnTo>
-                  <a:close/>
-                </a:path>
-              </a:pathLst>
-            </a:custGeom>
-            <a:solidFill>
-              <a:srgbClr val="000000"/>
-            </a:solidFill>
-          </p:spPr>
-        </p:sp>
-      </p:grpSp>
       <p:sp>
         <p:nvSpPr>
           <p:cNvPr id="42" name="TextBox 23">
@@ -4393,7 +3773,7 @@
         </p:nvSpPr>
         <p:spPr>
           <a:xfrm>
-            <a:off x="2719320" y="8072274"/>
+            <a:off x="5827891" y="3147822"/>
             <a:ext cx="1630702" cy="422488"/>
           </a:xfrm>
           <a:prstGeom prst="rect">
@@ -4437,8 +3817,8 @@
         </p:nvSpPr>
         <p:spPr>
           <a:xfrm>
-            <a:off x="1143000" y="4991100"/>
-            <a:ext cx="15849600" cy="4419600"/>
+            <a:off x="1119635" y="420657"/>
+            <a:ext cx="7512846" cy="9425770"/>
           </a:xfrm>
           <a:prstGeom prst="roundRect">
             <a:avLst/>
@@ -4492,7 +3872,7 @@
           <p:nvPr/>
         </p:nvPicPr>
         <p:blipFill rotWithShape="1">
-          <a:blip r:embed="rId10" cstate="print">
+          <a:blip r:embed="rId5" cstate="print">
             <a:extLst>
               <a:ext uri="{28A0092B-C50C-407E-A947-70E740481C1C}">
                 <a14:useLocalDpi xmlns:a14="http://schemas.microsoft.com/office/drawing/2010/main" val="0"/>
@@ -4504,7 +3884,7 @@
         </p:blipFill>
         <p:spPr bwMode="auto">
           <a:xfrm>
-            <a:off x="8603302" y="4588552"/>
+            <a:off x="1138685" y="266121"/>
             <a:ext cx="928995" cy="677799"/>
           </a:xfrm>
           <a:prstGeom prst="rect">
@@ -4513,11 +3893,825 @@
           <a:ln>
             <a:noFill/>
           </a:ln>
+          <a:effectLst/>
+          <a:extLst>
+            <a:ext uri="{909E8E84-426E-40DD-AFC4-6F175D3DCCD1}">
+              <a14:hiddenFill xmlns:a14="http://schemas.microsoft.com/office/drawing/2010/main">
+                <a:solidFill>
+                  <a:srgbClr val="FFFFFF"/>
+                </a:solidFill>
+              </a14:hiddenFill>
+            </a:ext>
+          </a:extLst>
+        </p:spPr>
+      </p:pic>
+      <p:sp>
+        <p:nvSpPr>
+          <p:cNvPr id="44" name="TextBox 31">
+            <a:extLst>
+              <a:ext uri="{FF2B5EF4-FFF2-40B4-BE49-F238E27FC236}">
+                <a16:creationId xmlns:a16="http://schemas.microsoft.com/office/drawing/2014/main" id="{D99942C3-369B-4C34-8B3D-E8783CAA2811}"/>
+              </a:ext>
+            </a:extLst>
+          </p:cNvPr>
+          <p:cNvSpPr txBox="1"/>
+          <p:nvPr/>
+        </p:nvSpPr>
+        <p:spPr>
+          <a:xfrm>
+            <a:off x="5705926" y="4695885"/>
+            <a:ext cx="672458" cy="426142"/>
+          </a:xfrm>
+          <a:prstGeom prst="rect">
+            <a:avLst/>
+          </a:prstGeom>
+        </p:spPr>
+        <p:txBody>
+          <a:bodyPr wrap="square" lIns="0" tIns="0" rIns="0" bIns="0" rtlCol="0" anchor="t">
+            <a:spAutoFit/>
+          </a:bodyPr>
+          <a:lstStyle/>
+          <a:p>
+            <a:pPr algn="ctr">
+              <a:lnSpc>
+                <a:spcPts val="3919"/>
+              </a:lnSpc>
+            </a:pPr>
+            <a:r>
+              <a:rPr lang="en-US" sz="2000" i="1" dirty="0">
+                <a:solidFill>
+                  <a:srgbClr val="000000"/>
+                </a:solidFill>
+                <a:latin typeface="Exo 2 Medium"/>
+              </a:rPr>
+              <a:t>Req</a:t>
+            </a:r>
+          </a:p>
+        </p:txBody>
+      </p:sp>
+      <p:sp>
+        <p:nvSpPr>
+          <p:cNvPr id="45" name="TextBox 31">
+            <a:extLst>
+              <a:ext uri="{FF2B5EF4-FFF2-40B4-BE49-F238E27FC236}">
+                <a16:creationId xmlns:a16="http://schemas.microsoft.com/office/drawing/2014/main" id="{CC3F375E-158A-47FE-8D12-898025550E0C}"/>
+              </a:ext>
+            </a:extLst>
+          </p:cNvPr>
+          <p:cNvSpPr txBox="1"/>
+          <p:nvPr/>
+        </p:nvSpPr>
+        <p:spPr>
+          <a:xfrm>
+            <a:off x="6742241" y="4698522"/>
+            <a:ext cx="779623" cy="426142"/>
+          </a:xfrm>
+          <a:prstGeom prst="rect">
+            <a:avLst/>
+          </a:prstGeom>
+        </p:spPr>
+        <p:txBody>
+          <a:bodyPr wrap="square" lIns="0" tIns="0" rIns="0" bIns="0" rtlCol="0" anchor="t">
+            <a:spAutoFit/>
+          </a:bodyPr>
+          <a:lstStyle/>
+          <a:p>
+            <a:pPr algn="ctr">
+              <a:lnSpc>
+                <a:spcPts val="3919"/>
+              </a:lnSpc>
+            </a:pPr>
+            <a:r>
+              <a:rPr lang="en-US" sz="2000" i="1" dirty="0">
+                <a:solidFill>
+                  <a:srgbClr val="000000"/>
+                </a:solidFill>
+                <a:latin typeface="Exo 2 Medium"/>
+              </a:rPr>
+              <a:t>Res</a:t>
+            </a:r>
+          </a:p>
+        </p:txBody>
+      </p:sp>
+      <p:grpSp>
+        <p:nvGrpSpPr>
+          <p:cNvPr id="13" name="Agrupar 12">
+            <a:extLst>
+              <a:ext uri="{FF2B5EF4-FFF2-40B4-BE49-F238E27FC236}">
+                <a16:creationId xmlns:a16="http://schemas.microsoft.com/office/drawing/2014/main" id="{DC531995-242F-4730-8A54-44F156897418}"/>
+              </a:ext>
+            </a:extLst>
+          </p:cNvPr>
+          <p:cNvGrpSpPr/>
+          <p:nvPr/>
+        </p:nvGrpSpPr>
+        <p:grpSpPr>
+          <a:xfrm>
+            <a:off x="11033580" y="821831"/>
+            <a:ext cx="3659790" cy="3254869"/>
+            <a:chOff x="1756411" y="554321"/>
+            <a:chExt cx="3659790" cy="3254869"/>
+          </a:xfrm>
+        </p:grpSpPr>
+        <p:pic>
+          <p:nvPicPr>
+            <p:cNvPr id="7" name="Picture 7"/>
+            <p:cNvPicPr>
+              <a:picLocks noChangeAspect="1"/>
+            </p:cNvPicPr>
+            <p:nvPr/>
+          </p:nvPicPr>
+          <p:blipFill>
+            <a:blip r:embed="rId6"/>
+            <a:srcRect t="18401" b="16824"/>
+            <a:stretch>
+              <a:fillRect/>
+            </a:stretch>
+          </p:blipFill>
+          <p:spPr>
+            <a:xfrm>
+              <a:off x="2545514" y="1250502"/>
+              <a:ext cx="2242453" cy="1452531"/>
+            </a:xfrm>
+            <a:prstGeom prst="rect">
+              <a:avLst/>
+            </a:prstGeom>
+          </p:spPr>
+        </p:pic>
+        <p:pic>
+          <p:nvPicPr>
+            <p:cNvPr id="8" name="Picture 8"/>
+            <p:cNvPicPr>
+              <a:picLocks noChangeAspect="1"/>
+            </p:cNvPicPr>
+            <p:nvPr/>
+          </p:nvPicPr>
+          <p:blipFill>
+            <a:blip r:embed="rId7"/>
+            <a:srcRect l="842" r="842"/>
+            <a:stretch>
+              <a:fillRect/>
+            </a:stretch>
+          </p:blipFill>
+          <p:spPr>
+            <a:xfrm>
+              <a:off x="2509994" y="2741311"/>
+              <a:ext cx="2237596" cy="568981"/>
+            </a:xfrm>
+            <a:prstGeom prst="rect">
+              <a:avLst/>
+            </a:prstGeom>
+            <a:ln>
+              <a:noFill/>
+            </a:ln>
+            <a:effectLst/>
+          </p:spPr>
+        </p:pic>
+        <p:sp>
+          <p:nvSpPr>
+            <p:cNvPr id="22" name="TextBox 22"/>
+            <p:cNvSpPr txBox="1"/>
+            <p:nvPr/>
+          </p:nvSpPr>
+          <p:spPr>
+            <a:xfrm>
+              <a:off x="2563408" y="554321"/>
+              <a:ext cx="1997719" cy="481330"/>
+            </a:xfrm>
+            <a:prstGeom prst="rect">
+              <a:avLst/>
+            </a:prstGeom>
+          </p:spPr>
+          <p:txBody>
+            <a:bodyPr lIns="0" tIns="0" rIns="0" bIns="0" rtlCol="0" anchor="t">
+              <a:spAutoFit/>
+            </a:bodyPr>
+            <a:lstStyle/>
+            <a:p>
+              <a:pPr algn="ctr">
+                <a:lnSpc>
+                  <a:spcPts val="3919"/>
+                </a:lnSpc>
+              </a:pPr>
+              <a:r>
+                <a:rPr lang="en-US" sz="2800" dirty="0">
+                  <a:solidFill>
+                    <a:srgbClr val="000000"/>
+                  </a:solidFill>
+                  <a:latin typeface="Exo 2 Medium"/>
+                </a:rPr>
+                <a:t>Usuário</a:t>
+              </a:r>
+            </a:p>
+          </p:txBody>
+        </p:sp>
+        <p:sp>
+          <p:nvSpPr>
+            <p:cNvPr id="46" name="Retângulo: Cantos Arredondados 45">
+              <a:extLst>
+                <a:ext uri="{FF2B5EF4-FFF2-40B4-BE49-F238E27FC236}">
+                  <a16:creationId xmlns:a16="http://schemas.microsoft.com/office/drawing/2014/main" id="{AA132D2D-339A-496F-8596-8FBF1F945094}"/>
+                </a:ext>
+              </a:extLst>
+            </p:cNvPr>
+            <p:cNvSpPr/>
+            <p:nvPr/>
+          </p:nvSpPr>
+          <p:spPr>
+            <a:xfrm>
+              <a:off x="1756411" y="1083309"/>
+              <a:ext cx="3659790" cy="2725881"/>
+            </a:xfrm>
+            <a:prstGeom prst="roundRect">
+              <a:avLst/>
+            </a:prstGeom>
+            <a:noFill/>
+            <a:ln w="9525" cap="flat" cmpd="sng" algn="ctr">
+              <a:solidFill>
+                <a:schemeClr val="dk1"/>
+              </a:solidFill>
+              <a:prstDash val="dash"/>
+              <a:round/>
+              <a:headEnd type="none" w="med" len="med"/>
+              <a:tailEnd type="none" w="med" len="med"/>
+            </a:ln>
+          </p:spPr>
+          <p:style>
+            <a:lnRef idx="0">
+              <a:scrgbClr r="0" g="0" b="0"/>
+            </a:lnRef>
+            <a:fillRef idx="0">
+              <a:scrgbClr r="0" g="0" b="0"/>
+            </a:fillRef>
+            <a:effectRef idx="0">
+              <a:scrgbClr r="0" g="0" b="0"/>
+            </a:effectRef>
+            <a:fontRef idx="minor">
+              <a:schemeClr val="dk1"/>
+            </a:fontRef>
+          </p:style>
+          <p:txBody>
+            <a:bodyPr rtlCol="0" anchor="ctr"/>
+            <a:lstStyle/>
+            <a:p>
+              <a:pPr algn="ctr"/>
+              <a:endParaRPr lang="pt-BR"/>
+            </a:p>
+          </p:txBody>
+        </p:sp>
+      </p:grpSp>
+      <p:sp>
+        <p:nvSpPr>
+          <p:cNvPr id="47" name="TextBox 23">
+            <a:extLst>
+              <a:ext uri="{FF2B5EF4-FFF2-40B4-BE49-F238E27FC236}">
+                <a16:creationId xmlns:a16="http://schemas.microsoft.com/office/drawing/2014/main" id="{757AA5EA-5588-42EB-B01A-F25611E19696}"/>
+              </a:ext>
+            </a:extLst>
+          </p:cNvPr>
+          <p:cNvSpPr txBox="1"/>
+          <p:nvPr/>
+        </p:nvSpPr>
+        <p:spPr>
+          <a:xfrm>
+            <a:off x="5833411" y="9092204"/>
+            <a:ext cx="1513128" cy="422488"/>
+          </a:xfrm>
+          <a:prstGeom prst="rect">
+            <a:avLst/>
+          </a:prstGeom>
+        </p:spPr>
+        <p:txBody>
+          <a:bodyPr lIns="0" tIns="0" rIns="0" bIns="0" rtlCol="0" anchor="t">
+            <a:spAutoFit/>
+          </a:bodyPr>
+          <a:lstStyle/>
+          <a:p>
+            <a:pPr algn="ctr">
+              <a:lnSpc>
+                <a:spcPts val="3656"/>
+              </a:lnSpc>
+            </a:pPr>
+            <a:r>
+              <a:rPr lang="en-US" sz="2611" dirty="0">
+                <a:solidFill>
+                  <a:srgbClr val="000000"/>
+                </a:solidFill>
+                <a:latin typeface="Exo 2 Medium"/>
+              </a:rPr>
+              <a:t>Back-End</a:t>
+            </a:r>
+          </a:p>
+        </p:txBody>
+      </p:sp>
+      <p:sp>
+        <p:nvSpPr>
+          <p:cNvPr id="48" name="TextBox 23">
+            <a:extLst>
+              <a:ext uri="{FF2B5EF4-FFF2-40B4-BE49-F238E27FC236}">
+                <a16:creationId xmlns:a16="http://schemas.microsoft.com/office/drawing/2014/main" id="{E1621954-D638-4A42-9B1C-44BF4FBB64D1}"/>
+              </a:ext>
+            </a:extLst>
+          </p:cNvPr>
+          <p:cNvSpPr txBox="1"/>
+          <p:nvPr/>
+        </p:nvSpPr>
+        <p:spPr>
+          <a:xfrm>
+            <a:off x="5833999" y="711204"/>
+            <a:ext cx="1630703" cy="422488"/>
+          </a:xfrm>
+          <a:prstGeom prst="rect">
+            <a:avLst/>
+          </a:prstGeom>
+        </p:spPr>
+        <p:txBody>
+          <a:bodyPr wrap="square" lIns="0" tIns="0" rIns="0" bIns="0" rtlCol="0" anchor="t">
+            <a:spAutoFit/>
+          </a:bodyPr>
+          <a:lstStyle/>
+          <a:p>
+            <a:pPr algn="ctr">
+              <a:lnSpc>
+                <a:spcPts val="3656"/>
+              </a:lnSpc>
+            </a:pPr>
+            <a:r>
+              <a:rPr lang="en-US" sz="2611" dirty="0">
+                <a:solidFill>
+                  <a:srgbClr val="000000"/>
+                </a:solidFill>
+                <a:latin typeface="Exo 2 Medium"/>
+              </a:rPr>
+              <a:t>Front-End</a:t>
+            </a:r>
+          </a:p>
+        </p:txBody>
+      </p:sp>
+      <p:grpSp>
+        <p:nvGrpSpPr>
+          <p:cNvPr id="25" name="Agrupar 24">
+            <a:extLst>
+              <a:ext uri="{FF2B5EF4-FFF2-40B4-BE49-F238E27FC236}">
+                <a16:creationId xmlns:a16="http://schemas.microsoft.com/office/drawing/2014/main" id="{49879B1C-8FED-4B99-BDF2-D59B0954ACE6}"/>
+              </a:ext>
+            </a:extLst>
+          </p:cNvPr>
+          <p:cNvGrpSpPr/>
+          <p:nvPr/>
+        </p:nvGrpSpPr>
+        <p:grpSpPr>
+          <a:xfrm>
+            <a:off x="10914275" y="5834930"/>
+            <a:ext cx="3659790" cy="3706996"/>
+            <a:chOff x="10440389" y="5458619"/>
+            <a:chExt cx="3659790" cy="3706996"/>
+          </a:xfrm>
+        </p:grpSpPr>
+        <p:sp>
+          <p:nvSpPr>
+            <p:cNvPr id="54" name="Retângulo: Cantos Arredondados 53">
+              <a:extLst>
+                <a:ext uri="{FF2B5EF4-FFF2-40B4-BE49-F238E27FC236}">
+                  <a16:creationId xmlns:a16="http://schemas.microsoft.com/office/drawing/2014/main" id="{53986C48-D5BE-4543-A670-766366743C80}"/>
+                </a:ext>
+              </a:extLst>
+            </p:cNvPr>
+            <p:cNvSpPr/>
+            <p:nvPr/>
+          </p:nvSpPr>
+          <p:spPr>
+            <a:xfrm>
+              <a:off x="10440389" y="5458619"/>
+              <a:ext cx="3659790" cy="3706996"/>
+            </a:xfrm>
+            <a:prstGeom prst="roundRect">
+              <a:avLst/>
+            </a:prstGeom>
+            <a:noFill/>
+            <a:ln w="9525" cap="flat" cmpd="sng" algn="ctr">
+              <a:solidFill>
+                <a:schemeClr val="dk1"/>
+              </a:solidFill>
+              <a:prstDash val="dash"/>
+              <a:round/>
+              <a:headEnd type="none" w="med" len="med"/>
+              <a:tailEnd type="none" w="med" len="med"/>
+            </a:ln>
+          </p:spPr>
+          <p:style>
+            <a:lnRef idx="0">
+              <a:scrgbClr r="0" g="0" b="0"/>
+            </a:lnRef>
+            <a:fillRef idx="0">
+              <a:scrgbClr r="0" g="0" b="0"/>
+            </a:fillRef>
+            <a:effectRef idx="0">
+              <a:scrgbClr r="0" g="0" b="0"/>
+            </a:effectRef>
+            <a:fontRef idx="minor">
+              <a:schemeClr val="dk1"/>
+            </a:fontRef>
+          </p:style>
+          <p:txBody>
+            <a:bodyPr rtlCol="0" anchor="ctr"/>
+            <a:lstStyle/>
+            <a:p>
+              <a:pPr algn="ctr"/>
+              <a:endParaRPr lang="pt-BR"/>
+            </a:p>
+          </p:txBody>
+        </p:sp>
+        <p:grpSp>
+          <p:nvGrpSpPr>
+            <p:cNvPr id="55" name="Group 16">
+              <a:extLst>
+                <a:ext uri="{FF2B5EF4-FFF2-40B4-BE49-F238E27FC236}">
+                  <a16:creationId xmlns:a16="http://schemas.microsoft.com/office/drawing/2014/main" id="{D3FE70BB-6824-491D-8DF6-07C97C995944}"/>
+                </a:ext>
+              </a:extLst>
+            </p:cNvPr>
+            <p:cNvGrpSpPr/>
+            <p:nvPr/>
+          </p:nvGrpSpPr>
+          <p:grpSpPr>
+            <a:xfrm>
+              <a:off x="10822640" y="5792950"/>
+              <a:ext cx="2904349" cy="3076659"/>
+              <a:chOff x="498262" y="137092"/>
+              <a:chExt cx="10932858" cy="11312195"/>
+            </a:xfrm>
+          </p:grpSpPr>
+          <p:sp>
+            <p:nvSpPr>
+              <p:cNvPr id="56" name="Freeform 17">
+                <a:extLst>
+                  <a:ext uri="{FF2B5EF4-FFF2-40B4-BE49-F238E27FC236}">
+                    <a16:creationId xmlns:a16="http://schemas.microsoft.com/office/drawing/2014/main" id="{0257E89F-8140-4688-B035-D0E598D13B52}"/>
+                  </a:ext>
+                </a:extLst>
+              </p:cNvPr>
+              <p:cNvSpPr/>
+              <p:nvPr/>
+            </p:nvSpPr>
+            <p:spPr>
+              <a:xfrm>
+                <a:off x="498262" y="137092"/>
+                <a:ext cx="10932858" cy="11312195"/>
+              </a:xfrm>
+              <a:custGeom>
+                <a:avLst/>
+                <a:gdLst/>
+                <a:ahLst/>
+                <a:cxnLst/>
+                <a:rect l="l" t="t" r="r" b="b"/>
+                <a:pathLst>
+                  <a:path w="12006438" h="11461989">
+                    <a:moveTo>
+                      <a:pt x="11144107" y="0"/>
+                    </a:moveTo>
+                    <a:lnTo>
+                      <a:pt x="862330" y="0"/>
+                    </a:lnTo>
+                    <a:cubicBezTo>
+                      <a:pt x="389890" y="0"/>
+                      <a:pt x="0" y="389890"/>
+                      <a:pt x="0" y="862330"/>
+                    </a:cubicBezTo>
+                    <a:lnTo>
+                      <a:pt x="0" y="10599658"/>
+                    </a:lnTo>
+                    <a:cubicBezTo>
+                      <a:pt x="0" y="11072099"/>
+                      <a:pt x="389890" y="11461989"/>
+                      <a:pt x="862330" y="11461989"/>
+                    </a:cubicBezTo>
+                    <a:lnTo>
+                      <a:pt x="11144107" y="11461989"/>
+                    </a:lnTo>
+                    <a:cubicBezTo>
+                      <a:pt x="11616548" y="11461989"/>
+                      <a:pt x="12006438" y="11072099"/>
+                      <a:pt x="12006438" y="10599658"/>
+                    </a:cubicBezTo>
+                    <a:lnTo>
+                      <a:pt x="12006438" y="862330"/>
+                    </a:lnTo>
+                    <a:cubicBezTo>
+                      <a:pt x="12006437" y="389890"/>
+                      <a:pt x="11616547" y="0"/>
+                      <a:pt x="11144107" y="0"/>
+                    </a:cubicBezTo>
+                    <a:close/>
+                    <a:moveTo>
+                      <a:pt x="11815937" y="927100"/>
+                    </a:moveTo>
+                    <a:lnTo>
+                      <a:pt x="11815937" y="10599658"/>
+                    </a:lnTo>
+                    <a:cubicBezTo>
+                      <a:pt x="11815937" y="10966688"/>
+                      <a:pt x="11511137" y="11271488"/>
+                      <a:pt x="11144107" y="11271488"/>
+                    </a:cubicBezTo>
+                    <a:lnTo>
+                      <a:pt x="862330" y="11271488"/>
+                    </a:lnTo>
+                    <a:cubicBezTo>
+                      <a:pt x="495300" y="11271488"/>
+                      <a:pt x="190500" y="10966688"/>
+                      <a:pt x="190500" y="10599658"/>
+                    </a:cubicBezTo>
+                    <a:lnTo>
+                      <a:pt x="190500" y="862330"/>
+                    </a:lnTo>
+                    <a:cubicBezTo>
+                      <a:pt x="190500" y="495300"/>
+                      <a:pt x="495300" y="190500"/>
+                      <a:pt x="862330" y="190500"/>
+                    </a:cubicBezTo>
+                    <a:lnTo>
+                      <a:pt x="11144107" y="190500"/>
+                    </a:lnTo>
+                    <a:cubicBezTo>
+                      <a:pt x="11511137" y="190500"/>
+                      <a:pt x="11815937" y="495300"/>
+                      <a:pt x="11815937" y="862330"/>
+                    </a:cubicBezTo>
+                    <a:lnTo>
+                      <a:pt x="11815937" y="927100"/>
+                    </a:lnTo>
+                    <a:close/>
+                  </a:path>
+                </a:pathLst>
+              </a:custGeom>
+              <a:solidFill>
+                <a:srgbClr val="000000"/>
+              </a:solidFill>
+            </p:spPr>
+          </p:sp>
+        </p:grpSp>
+      </p:grpSp>
+      <p:grpSp>
+        <p:nvGrpSpPr>
+          <p:cNvPr id="60" name="Group 16">
+            <a:extLst>
+              <a:ext uri="{FF2B5EF4-FFF2-40B4-BE49-F238E27FC236}">
+                <a16:creationId xmlns:a16="http://schemas.microsoft.com/office/drawing/2014/main" id="{7219EA70-3F90-4573-A69D-8C4D9807DDA4}"/>
+              </a:ext>
+            </a:extLst>
+          </p:cNvPr>
+          <p:cNvGrpSpPr/>
+          <p:nvPr/>
+        </p:nvGrpSpPr>
+        <p:grpSpPr>
+          <a:xfrm>
+            <a:off x="5094836" y="6390334"/>
+            <a:ext cx="3005365" cy="2686971"/>
+            <a:chOff x="0" y="0"/>
+            <a:chExt cx="11981037" cy="11436588"/>
+          </a:xfrm>
+        </p:grpSpPr>
+        <p:sp>
+          <p:nvSpPr>
+            <p:cNvPr id="61" name="Freeform 17">
+              <a:extLst>
+                <a:ext uri="{FF2B5EF4-FFF2-40B4-BE49-F238E27FC236}">
+                  <a16:creationId xmlns:a16="http://schemas.microsoft.com/office/drawing/2014/main" id="{7AE24891-B37E-4BE2-8451-6B6516B0EAF5}"/>
+                </a:ext>
+              </a:extLst>
+            </p:cNvPr>
+            <p:cNvSpPr/>
+            <p:nvPr/>
+          </p:nvSpPr>
+          <p:spPr>
+            <a:xfrm>
+              <a:off x="-12700" y="-12700"/>
+              <a:ext cx="12006438" cy="11461989"/>
+            </a:xfrm>
+            <a:custGeom>
+              <a:avLst/>
+              <a:gdLst/>
+              <a:ahLst/>
+              <a:cxnLst/>
+              <a:rect l="l" t="t" r="r" b="b"/>
+              <a:pathLst>
+                <a:path w="12006438" h="11461989">
+                  <a:moveTo>
+                    <a:pt x="11144107" y="0"/>
+                  </a:moveTo>
+                  <a:lnTo>
+                    <a:pt x="862330" y="0"/>
+                  </a:lnTo>
+                  <a:cubicBezTo>
+                    <a:pt x="389890" y="0"/>
+                    <a:pt x="0" y="389890"/>
+                    <a:pt x="0" y="862330"/>
+                  </a:cubicBezTo>
+                  <a:lnTo>
+                    <a:pt x="0" y="10599658"/>
+                  </a:lnTo>
+                  <a:cubicBezTo>
+                    <a:pt x="0" y="11072099"/>
+                    <a:pt x="389890" y="11461989"/>
+                    <a:pt x="862330" y="11461989"/>
+                  </a:cubicBezTo>
+                  <a:lnTo>
+                    <a:pt x="11144107" y="11461989"/>
+                  </a:lnTo>
+                  <a:cubicBezTo>
+                    <a:pt x="11616548" y="11461989"/>
+                    <a:pt x="12006438" y="11072099"/>
+                    <a:pt x="12006438" y="10599658"/>
+                  </a:cubicBezTo>
+                  <a:lnTo>
+                    <a:pt x="12006438" y="862330"/>
+                  </a:lnTo>
+                  <a:cubicBezTo>
+                    <a:pt x="12006437" y="389890"/>
+                    <a:pt x="11616547" y="0"/>
+                    <a:pt x="11144107" y="0"/>
+                  </a:cubicBezTo>
+                  <a:close/>
+                  <a:moveTo>
+                    <a:pt x="11815937" y="927100"/>
+                  </a:moveTo>
+                  <a:lnTo>
+                    <a:pt x="11815937" y="10599658"/>
+                  </a:lnTo>
+                  <a:cubicBezTo>
+                    <a:pt x="11815937" y="10966688"/>
+                    <a:pt x="11511137" y="11271488"/>
+                    <a:pt x="11144107" y="11271488"/>
+                  </a:cubicBezTo>
+                  <a:lnTo>
+                    <a:pt x="862330" y="11271488"/>
+                  </a:lnTo>
+                  <a:cubicBezTo>
+                    <a:pt x="495300" y="11271488"/>
+                    <a:pt x="190500" y="10966688"/>
+                    <a:pt x="190500" y="10599658"/>
+                  </a:cubicBezTo>
+                  <a:lnTo>
+                    <a:pt x="190500" y="862330"/>
+                  </a:lnTo>
+                  <a:cubicBezTo>
+                    <a:pt x="190500" y="495300"/>
+                    <a:pt x="495300" y="190500"/>
+                    <a:pt x="862330" y="190500"/>
+                  </a:cubicBezTo>
+                  <a:lnTo>
+                    <a:pt x="11144107" y="190500"/>
+                  </a:lnTo>
+                  <a:cubicBezTo>
+                    <a:pt x="11511137" y="190500"/>
+                    <a:pt x="11815937" y="495300"/>
+                    <a:pt x="11815937" y="862330"/>
+                  </a:cubicBezTo>
+                  <a:lnTo>
+                    <a:pt x="11815937" y="927100"/>
+                  </a:lnTo>
+                  <a:close/>
+                </a:path>
+              </a:pathLst>
+            </a:custGeom>
+            <a:solidFill>
+              <a:srgbClr val="000000"/>
+            </a:solidFill>
+          </p:spPr>
+        </p:sp>
+      </p:grpSp>
+      <p:pic>
+        <p:nvPicPr>
+          <p:cNvPr id="1026" name="Picture 2" descr="What is Amazon S3?. An introduction to Amazon S3, with… | by Jovan  Hernandez | Medium">
+            <a:extLst>
+              <a:ext uri="{FF2B5EF4-FFF2-40B4-BE49-F238E27FC236}">
+                <a16:creationId xmlns:a16="http://schemas.microsoft.com/office/drawing/2014/main" id="{21906539-6D60-427E-B5C5-C31A3E8E0943}"/>
+              </a:ext>
+            </a:extLst>
+          </p:cNvPr>
+          <p:cNvPicPr>
+            <a:picLocks noChangeAspect="1" noChangeArrowheads="1"/>
+          </p:cNvPicPr>
+          <p:nvPr/>
+        </p:nvPicPr>
+        <p:blipFill rotWithShape="1">
+          <a:blip r:embed="rId8">
+            <a:extLst>
+              <a:ext uri="{28A0092B-C50C-407E-A947-70E740481C1C}">
+                <a14:useLocalDpi xmlns:a14="http://schemas.microsoft.com/office/drawing/2010/main" val="0"/>
+              </a:ext>
+            </a:extLst>
+          </a:blip>
+          <a:srcRect l="41749" t="13396" r="13525" b="12083"/>
+          <a:stretch/>
+        </p:blipFill>
+        <p:spPr bwMode="auto">
+          <a:xfrm>
+            <a:off x="11930772" y="7755014"/>
+            <a:ext cx="1330061" cy="764171"/>
+          </a:xfrm>
+          <a:prstGeom prst="rect">
+            <a:avLst/>
+          </a:prstGeom>
+          <a:noFill/>
+          <a:extLst>
+            <a:ext uri="{909E8E84-426E-40DD-AFC4-6F175D3DCCD1}">
+              <a14:hiddenFill xmlns:a14="http://schemas.microsoft.com/office/drawing/2010/main">
+                <a:solidFill>
+                  <a:srgbClr val="FFFFFF"/>
+                </a:solidFill>
+              </a14:hiddenFill>
+            </a:ext>
+          </a:extLst>
+        </p:spPr>
+      </p:pic>
+      <p:pic>
+        <p:nvPicPr>
+          <p:cNvPr id="96" name="Picture 2" descr="What is Amazon S3?. An introduction to Amazon S3, with… | by Jovan  Hernandez | Medium">
+            <a:extLst>
+              <a:ext uri="{FF2B5EF4-FFF2-40B4-BE49-F238E27FC236}">
+                <a16:creationId xmlns:a16="http://schemas.microsoft.com/office/drawing/2014/main" id="{2C109525-C544-4BFD-B7E4-7F307B5E9B8C}"/>
+              </a:ext>
+            </a:extLst>
+          </p:cNvPr>
+          <p:cNvPicPr>
+            <a:picLocks noChangeAspect="1" noChangeArrowheads="1"/>
+          </p:cNvPicPr>
+          <p:nvPr/>
+        </p:nvPicPr>
+        <p:blipFill rotWithShape="1">
+          <a:blip r:embed="rId8">
+            <a:extLst>
+              <a:ext uri="{28A0092B-C50C-407E-A947-70E740481C1C}">
+                <a14:useLocalDpi xmlns:a14="http://schemas.microsoft.com/office/drawing/2010/main" val="0"/>
+              </a:ext>
+            </a:extLst>
+          </a:blip>
+          <a:srcRect l="13792" r="56652"/>
+          <a:stretch/>
+        </p:blipFill>
+        <p:spPr bwMode="auto">
+          <a:xfrm>
+            <a:off x="11742703" y="6286500"/>
+            <a:ext cx="1316096" cy="1535449"/>
+          </a:xfrm>
+          <a:prstGeom prst="rect">
+            <a:avLst/>
+          </a:prstGeom>
+          <a:noFill/>
+          <a:extLst>
+            <a:ext uri="{909E8E84-426E-40DD-AFC4-6F175D3DCCD1}">
+              <a14:hiddenFill xmlns:a14="http://schemas.microsoft.com/office/drawing/2010/main">
+                <a:solidFill>
+                  <a:srgbClr val="FFFFFF"/>
+                </a:solidFill>
+              </a14:hiddenFill>
+            </a:ext>
+          </a:extLst>
+        </p:spPr>
+      </p:pic>
+      <p:pic>
+        <p:nvPicPr>
+          <p:cNvPr id="1028" name="Picture 4">
+            <a:extLst>
+              <a:ext uri="{FF2B5EF4-FFF2-40B4-BE49-F238E27FC236}">
+                <a16:creationId xmlns:a16="http://schemas.microsoft.com/office/drawing/2014/main" id="{C386CC05-CCF1-4AE3-BB90-16ABD34F7A9E}"/>
+              </a:ext>
+            </a:extLst>
+          </p:cNvPr>
+          <p:cNvPicPr>
+            <a:picLocks noChangeAspect="1" noChangeArrowheads="1"/>
+          </p:cNvPicPr>
+          <p:nvPr/>
+        </p:nvPicPr>
+        <p:blipFill>
+          <a:blip r:embed="rId9" cstate="print">
+            <a:extLst>
+              <a:ext uri="{28A0092B-C50C-407E-A947-70E740481C1C}">
+                <a14:useLocalDpi xmlns:a14="http://schemas.microsoft.com/office/drawing/2010/main" val="0"/>
+              </a:ext>
+            </a:extLst>
+          </a:blip>
+          <a:srcRect/>
+          <a:stretch>
+            <a:fillRect/>
+          </a:stretch>
+        </p:blipFill>
+        <p:spPr bwMode="auto">
+          <a:xfrm>
+            <a:off x="10386061" y="5810695"/>
+            <a:ext cx="983452" cy="588534"/>
+          </a:xfrm>
+          <a:prstGeom prst="rect">
+            <a:avLst/>
+          </a:prstGeom>
+          <a:noFill/>
           <a:effectLst>
-            <a:outerShdw blurRad="292100" dist="139700" dir="2700000" algn="tl" rotWithShape="0">
-              <a:srgbClr val="333333">
-                <a:alpha val="65000"/>
-              </a:srgbClr>
+            <a:outerShdw blurRad="50800" dist="38100" dir="2700000" algn="tl" rotWithShape="0">
+              <a:prstClr val="black">
+                <a:alpha val="40000"/>
+              </a:prstClr>
             </a:outerShdw>
           </a:effectLst>
           <a:extLst>
@@ -4531,12 +4725,108 @@
           </a:extLst>
         </p:spPr>
       </p:pic>
-      <p:sp>
-        <p:nvSpPr>
-          <p:cNvPr id="44" name="TextBox 31">
-            <a:extLst>
-              <a:ext uri="{FF2B5EF4-FFF2-40B4-BE49-F238E27FC236}">
-                <a16:creationId xmlns:a16="http://schemas.microsoft.com/office/drawing/2014/main" id="{D99942C3-369B-4C34-8B3D-E8783CAA2811}"/>
+      <p:pic>
+        <p:nvPicPr>
+          <p:cNvPr id="1032" name="Picture 8" descr="Delivery, s3, storage, bucket, content, objects, with icon - Free download">
+            <a:extLst>
+              <a:ext uri="{FF2B5EF4-FFF2-40B4-BE49-F238E27FC236}">
+                <a16:creationId xmlns:a16="http://schemas.microsoft.com/office/drawing/2014/main" id="{C1AC9551-ECCA-46F5-8373-3E1FE4BD3EBE}"/>
+              </a:ext>
+            </a:extLst>
+          </p:cNvPr>
+          <p:cNvPicPr>
+            <a:picLocks noChangeAspect="1" noChangeArrowheads="1"/>
+          </p:cNvPicPr>
+          <p:nvPr/>
+        </p:nvPicPr>
+        <p:blipFill rotWithShape="1">
+          <a:blip r:embed="rId10" cstate="print">
+            <a:extLst>
+              <a:ext uri="{28A0092B-C50C-407E-A947-70E740481C1C}">
+                <a14:useLocalDpi xmlns:a14="http://schemas.microsoft.com/office/drawing/2010/main" val="0"/>
+              </a:ext>
+            </a:extLst>
+          </a:blip>
+          <a:srcRect l="18679" t="18297" r="17939" b="21322"/>
+          <a:stretch/>
+        </p:blipFill>
+        <p:spPr bwMode="auto">
+          <a:xfrm>
+            <a:off x="12994461" y="6966770"/>
+            <a:ext cx="710106" cy="676492"/>
+          </a:xfrm>
+          <a:prstGeom prst="rect">
+            <a:avLst/>
+          </a:prstGeom>
+          <a:noFill/>
+          <a:scene3d>
+            <a:camera prst="obliqueTopRight"/>
+            <a:lightRig rig="threePt" dir="t"/>
+          </a:scene3d>
+          <a:extLst>
+            <a:ext uri="{909E8E84-426E-40DD-AFC4-6F175D3DCCD1}">
+              <a14:hiddenFill xmlns:a14="http://schemas.microsoft.com/office/drawing/2010/main">
+                <a:solidFill>
+                  <a:srgbClr val="FFFFFF"/>
+                </a:solidFill>
+              </a14:hiddenFill>
+            </a:ext>
+          </a:extLst>
+        </p:spPr>
+      </p:pic>
+      <p:pic>
+        <p:nvPicPr>
+          <p:cNvPr id="1038" name="Picture 14" descr="Database Sql Svg Png Icon Free Download (#248289) - OnlineWebFonts.COM">
+            <a:extLst>
+              <a:ext uri="{FF2B5EF4-FFF2-40B4-BE49-F238E27FC236}">
+                <a16:creationId xmlns:a16="http://schemas.microsoft.com/office/drawing/2014/main" id="{A7FB2310-06C3-4A17-B7B0-C444C4726BDA}"/>
+              </a:ext>
+            </a:extLst>
+          </p:cNvPr>
+          <p:cNvPicPr>
+            <a:picLocks noChangeAspect="1" noChangeArrowheads="1"/>
+          </p:cNvPicPr>
+          <p:nvPr/>
+        </p:nvPicPr>
+        <p:blipFill>
+          <a:blip r:embed="rId11" cstate="print">
+            <a:extLst>
+              <a:ext uri="{28A0092B-C50C-407E-A947-70E740481C1C}">
+                <a14:useLocalDpi xmlns:a14="http://schemas.microsoft.com/office/drawing/2010/main" val="0"/>
+              </a:ext>
+            </a:extLst>
+          </a:blip>
+          <a:srcRect/>
+          <a:stretch>
+            <a:fillRect/>
+          </a:stretch>
+        </p:blipFill>
+        <p:spPr bwMode="auto">
+          <a:xfrm>
+            <a:off x="1874106" y="3719629"/>
+            <a:ext cx="1509540" cy="1929294"/>
+          </a:xfrm>
+          <a:prstGeom prst="rect">
+            <a:avLst/>
+          </a:prstGeom>
+          <a:noFill/>
+          <a:extLst>
+            <a:ext uri="{909E8E84-426E-40DD-AFC4-6F175D3DCCD1}">
+              <a14:hiddenFill xmlns:a14="http://schemas.microsoft.com/office/drawing/2010/main">
+                <a:solidFill>
+                  <a:srgbClr val="FFFFFF"/>
+                </a:solidFill>
+              </a14:hiddenFill>
+            </a:ext>
+          </a:extLst>
+        </p:spPr>
+      </p:pic>
+      <p:sp>
+        <p:nvSpPr>
+          <p:cNvPr id="103" name="TextBox 23">
+            <a:extLst>
+              <a:ext uri="{FF2B5EF4-FFF2-40B4-BE49-F238E27FC236}">
+                <a16:creationId xmlns:a16="http://schemas.microsoft.com/office/drawing/2014/main" id="{E72F0282-8F31-4A8A-81D9-AEE142FFDC80}"/>
               </a:ext>
             </a:extLst>
           </p:cNvPr>
@@ -4545,8 +4835,8 @@
         </p:nvSpPr>
         <p:spPr>
           <a:xfrm>
-            <a:off x="5251887" y="7397793"/>
-            <a:ext cx="1997719" cy="446532"/>
+            <a:off x="12044670" y="8514465"/>
+            <a:ext cx="1513128" cy="422488"/>
           </a:xfrm>
           <a:prstGeom prst="rect">
             <a:avLst/>
@@ -4554,6 +4844,357 @@
         </p:spPr>
         <p:txBody>
           <a:bodyPr lIns="0" tIns="0" rIns="0" bIns="0" rtlCol="0" anchor="t">
+            <a:spAutoFit/>
+          </a:bodyPr>
+          <a:lstStyle/>
+          <a:p>
+            <a:pPr algn="ctr">
+              <a:lnSpc>
+                <a:spcPts val="3656"/>
+              </a:lnSpc>
+            </a:pPr>
+            <a:r>
+              <a:rPr lang="en-US" sz="2611" dirty="0">
+                <a:solidFill>
+                  <a:srgbClr val="000000"/>
+                </a:solidFill>
+                <a:latin typeface="Exo 2 Medium"/>
+              </a:rPr>
+              <a:t>Storage</a:t>
+            </a:r>
+          </a:p>
+        </p:txBody>
+      </p:sp>
+      <p:cxnSp>
+        <p:nvCxnSpPr>
+          <p:cNvPr id="106" name="Conector de Seta Reta 105">
+            <a:extLst>
+              <a:ext uri="{FF2B5EF4-FFF2-40B4-BE49-F238E27FC236}">
+                <a16:creationId xmlns:a16="http://schemas.microsoft.com/office/drawing/2014/main" id="{874C8CFE-AE17-4E5B-BE1B-2A5539752B68}"/>
+              </a:ext>
+            </a:extLst>
+          </p:cNvPr>
+          <p:cNvCxnSpPr>
+            <a:cxnSpLocks/>
+          </p:cNvCxnSpPr>
+          <p:nvPr/>
+        </p:nvCxnSpPr>
+        <p:spPr>
+          <a:xfrm>
+            <a:off x="7749474" y="2513218"/>
+            <a:ext cx="3547052" cy="0"/>
+          </a:xfrm>
+          <a:prstGeom prst="straightConnector1">
+            <a:avLst/>
+          </a:prstGeom>
+          <a:ln w="38100">
+            <a:solidFill>
+              <a:schemeClr val="tx1"/>
+            </a:solidFill>
+            <a:tailEnd type="triangle"/>
+          </a:ln>
+        </p:spPr>
+        <p:style>
+          <a:lnRef idx="1">
+            <a:schemeClr val="accent1"/>
+          </a:lnRef>
+          <a:fillRef idx="0">
+            <a:schemeClr val="accent1"/>
+          </a:fillRef>
+          <a:effectRef idx="0">
+            <a:schemeClr val="accent1"/>
+          </a:effectRef>
+          <a:fontRef idx="minor">
+            <a:schemeClr val="tx1"/>
+          </a:fontRef>
+        </p:style>
+      </p:cxnSp>
+      <p:cxnSp>
+        <p:nvCxnSpPr>
+          <p:cNvPr id="117" name="Conector de Seta Reta 116">
+            <a:extLst>
+              <a:ext uri="{FF2B5EF4-FFF2-40B4-BE49-F238E27FC236}">
+                <a16:creationId xmlns:a16="http://schemas.microsoft.com/office/drawing/2014/main" id="{C4D6FEFB-73D5-415D-B666-0E54067441C4}"/>
+              </a:ext>
+            </a:extLst>
+          </p:cNvPr>
+          <p:cNvCxnSpPr>
+            <a:cxnSpLocks/>
+          </p:cNvCxnSpPr>
+          <p:nvPr/>
+        </p:nvCxnSpPr>
+        <p:spPr>
+          <a:xfrm flipV="1">
+            <a:off x="7749474" y="7896083"/>
+            <a:ext cx="3168052" cy="13740"/>
+          </a:xfrm>
+          <a:prstGeom prst="straightConnector1">
+            <a:avLst/>
+          </a:prstGeom>
+          <a:ln w="38100">
+            <a:solidFill>
+              <a:schemeClr val="tx1"/>
+            </a:solidFill>
+            <a:tailEnd type="triangle"/>
+          </a:ln>
+        </p:spPr>
+        <p:style>
+          <a:lnRef idx="1">
+            <a:schemeClr val="accent1"/>
+          </a:lnRef>
+          <a:fillRef idx="0">
+            <a:schemeClr val="accent1"/>
+          </a:fillRef>
+          <a:effectRef idx="0">
+            <a:schemeClr val="accent1"/>
+          </a:effectRef>
+          <a:fontRef idx="minor">
+            <a:schemeClr val="tx1"/>
+          </a:fontRef>
+        </p:style>
+      </p:cxnSp>
+      <p:cxnSp>
+        <p:nvCxnSpPr>
+          <p:cNvPr id="120" name="Conector de Seta Reta 119">
+            <a:extLst>
+              <a:ext uri="{FF2B5EF4-FFF2-40B4-BE49-F238E27FC236}">
+                <a16:creationId xmlns:a16="http://schemas.microsoft.com/office/drawing/2014/main" id="{7BC79059-EBAD-44F1-A61A-FF75525A9194}"/>
+              </a:ext>
+            </a:extLst>
+          </p:cNvPr>
+          <p:cNvCxnSpPr>
+            <a:cxnSpLocks/>
+          </p:cNvCxnSpPr>
+          <p:nvPr/>
+        </p:nvCxnSpPr>
+        <p:spPr>
+          <a:xfrm flipV="1">
+            <a:off x="6804689" y="4076700"/>
+            <a:ext cx="0" cy="2167582"/>
+          </a:xfrm>
+          <a:prstGeom prst="straightConnector1">
+            <a:avLst/>
+          </a:prstGeom>
+          <a:ln w="38100">
+            <a:solidFill>
+              <a:schemeClr val="tx1"/>
+            </a:solidFill>
+            <a:tailEnd type="triangle"/>
+          </a:ln>
+        </p:spPr>
+        <p:style>
+          <a:lnRef idx="1">
+            <a:schemeClr val="accent1"/>
+          </a:lnRef>
+          <a:fillRef idx="0">
+            <a:schemeClr val="accent1"/>
+          </a:fillRef>
+          <a:effectRef idx="0">
+            <a:schemeClr val="accent1"/>
+          </a:effectRef>
+          <a:fontRef idx="minor">
+            <a:schemeClr val="tx1"/>
+          </a:fontRef>
+        </p:style>
+      </p:cxnSp>
+      <p:cxnSp>
+        <p:nvCxnSpPr>
+          <p:cNvPr id="127" name="Conector de Seta Reta 126">
+            <a:extLst>
+              <a:ext uri="{FF2B5EF4-FFF2-40B4-BE49-F238E27FC236}">
+                <a16:creationId xmlns:a16="http://schemas.microsoft.com/office/drawing/2014/main" id="{0E75C5A4-6049-4770-82C3-F9508C5724C6}"/>
+              </a:ext>
+            </a:extLst>
+          </p:cNvPr>
+          <p:cNvCxnSpPr>
+            <a:cxnSpLocks/>
+          </p:cNvCxnSpPr>
+          <p:nvPr/>
+        </p:nvCxnSpPr>
+        <p:spPr>
+          <a:xfrm>
+            <a:off x="6488299" y="4076700"/>
+            <a:ext cx="0" cy="2167582"/>
+          </a:xfrm>
+          <a:prstGeom prst="straightConnector1">
+            <a:avLst/>
+          </a:prstGeom>
+          <a:ln w="38100">
+            <a:solidFill>
+              <a:schemeClr val="tx1"/>
+            </a:solidFill>
+            <a:tailEnd type="triangle"/>
+          </a:ln>
+        </p:spPr>
+        <p:style>
+          <a:lnRef idx="1">
+            <a:schemeClr val="accent1"/>
+          </a:lnRef>
+          <a:fillRef idx="0">
+            <a:schemeClr val="accent1"/>
+          </a:fillRef>
+          <a:effectRef idx="0">
+            <a:schemeClr val="accent1"/>
+          </a:effectRef>
+          <a:fontRef idx="minor">
+            <a:schemeClr val="tx1"/>
+          </a:fontRef>
+        </p:style>
+      </p:cxnSp>
+      <p:cxnSp>
+        <p:nvCxnSpPr>
+          <p:cNvPr id="1037" name="Conector: Angulado 1036">
+            <a:extLst>
+              <a:ext uri="{FF2B5EF4-FFF2-40B4-BE49-F238E27FC236}">
+                <a16:creationId xmlns:a16="http://schemas.microsoft.com/office/drawing/2014/main" id="{66EE2E35-B02C-49E9-A4F4-88D775AFAFB1}"/>
+              </a:ext>
+            </a:extLst>
+          </p:cNvPr>
+          <p:cNvCxnSpPr>
+            <a:cxnSpLocks/>
+          </p:cNvCxnSpPr>
+          <p:nvPr/>
+        </p:nvCxnSpPr>
+        <p:spPr>
+          <a:xfrm rot="10800000">
+            <a:off x="2347738" y="6102541"/>
+            <a:ext cx="2693457" cy="1968949"/>
+          </a:xfrm>
+          <a:prstGeom prst="bentConnector2">
+            <a:avLst/>
+          </a:prstGeom>
+          <a:ln w="38100">
+            <a:solidFill>
+              <a:schemeClr val="tx1"/>
+            </a:solidFill>
+            <a:tailEnd type="triangle"/>
+          </a:ln>
+        </p:spPr>
+        <p:style>
+          <a:lnRef idx="1">
+            <a:schemeClr val="accent1"/>
+          </a:lnRef>
+          <a:fillRef idx="0">
+            <a:schemeClr val="accent1"/>
+          </a:fillRef>
+          <a:effectRef idx="0">
+            <a:schemeClr val="accent1"/>
+          </a:effectRef>
+          <a:fontRef idx="minor">
+            <a:schemeClr val="tx1"/>
+          </a:fontRef>
+        </p:style>
+      </p:cxnSp>
+      <p:cxnSp>
+        <p:nvCxnSpPr>
+          <p:cNvPr id="1053" name="Conector de Seta Reta 1052">
+            <a:extLst>
+              <a:ext uri="{FF2B5EF4-FFF2-40B4-BE49-F238E27FC236}">
+                <a16:creationId xmlns:a16="http://schemas.microsoft.com/office/drawing/2014/main" id="{BEEF2B6D-62F2-4038-B9BA-04FDE8382A30}"/>
+              </a:ext>
+            </a:extLst>
+          </p:cNvPr>
+          <p:cNvCxnSpPr>
+            <a:cxnSpLocks/>
+          </p:cNvCxnSpPr>
+          <p:nvPr/>
+        </p:nvCxnSpPr>
+        <p:spPr>
+          <a:xfrm>
+            <a:off x="2746511" y="7755014"/>
+            <a:ext cx="2294684" cy="0"/>
+          </a:xfrm>
+          <a:prstGeom prst="straightConnector1">
+            <a:avLst/>
+          </a:prstGeom>
+          <a:ln w="38100">
+            <a:solidFill>
+              <a:schemeClr val="tx1"/>
+            </a:solidFill>
+            <a:tailEnd type="triangle"/>
+          </a:ln>
+        </p:spPr>
+        <p:style>
+          <a:lnRef idx="1">
+            <a:schemeClr val="accent1"/>
+          </a:lnRef>
+          <a:fillRef idx="0">
+            <a:schemeClr val="accent1"/>
+          </a:fillRef>
+          <a:effectRef idx="0">
+            <a:schemeClr val="accent1"/>
+          </a:effectRef>
+          <a:fontRef idx="minor">
+            <a:schemeClr val="tx1"/>
+          </a:fontRef>
+        </p:style>
+      </p:cxnSp>
+      <p:cxnSp>
+        <p:nvCxnSpPr>
+          <p:cNvPr id="131" name="Conector reto 130">
+            <a:extLst>
+              <a:ext uri="{FF2B5EF4-FFF2-40B4-BE49-F238E27FC236}">
+                <a16:creationId xmlns:a16="http://schemas.microsoft.com/office/drawing/2014/main" id="{968BA22C-755B-41D6-8810-709C666F108A}"/>
+              </a:ext>
+            </a:extLst>
+          </p:cNvPr>
+          <p:cNvCxnSpPr>
+            <a:cxnSpLocks/>
+          </p:cNvCxnSpPr>
+          <p:nvPr/>
+        </p:nvCxnSpPr>
+        <p:spPr>
+          <a:xfrm flipV="1">
+            <a:off x="2743200" y="6128522"/>
+            <a:ext cx="0" cy="1626492"/>
+          </a:xfrm>
+          <a:prstGeom prst="line">
+            <a:avLst/>
+          </a:prstGeom>
+          <a:ln w="38100">
+            <a:solidFill>
+              <a:schemeClr val="tx1"/>
+            </a:solidFill>
+          </a:ln>
+        </p:spPr>
+        <p:style>
+          <a:lnRef idx="1">
+            <a:schemeClr val="accent1"/>
+          </a:lnRef>
+          <a:fillRef idx="0">
+            <a:schemeClr val="accent1"/>
+          </a:fillRef>
+          <a:effectRef idx="0">
+            <a:schemeClr val="accent1"/>
+          </a:effectRef>
+          <a:fontRef idx="minor">
+            <a:schemeClr val="tx1"/>
+          </a:fontRef>
+        </p:style>
+      </p:cxnSp>
+      <p:sp>
+        <p:nvSpPr>
+          <p:cNvPr id="172" name="TextBox 31">
+            <a:extLst>
+              <a:ext uri="{FF2B5EF4-FFF2-40B4-BE49-F238E27FC236}">
+                <a16:creationId xmlns:a16="http://schemas.microsoft.com/office/drawing/2014/main" id="{E02E74B3-FE9D-4676-9EE9-9269DD8F7116}"/>
+              </a:ext>
+            </a:extLst>
+          </p:cNvPr>
+          <p:cNvSpPr txBox="1"/>
+          <p:nvPr/>
+        </p:nvSpPr>
+        <p:spPr>
+          <a:xfrm>
+            <a:off x="9148038" y="7333893"/>
+            <a:ext cx="672458" cy="426142"/>
+          </a:xfrm>
+          <a:prstGeom prst="rect">
+            <a:avLst/>
+          </a:prstGeom>
+        </p:spPr>
+        <p:txBody>
+          <a:bodyPr wrap="square" lIns="0" tIns="0" rIns="0" bIns="0" rtlCol="0" anchor="t">
             <a:spAutoFit/>
           </a:bodyPr>
           <a:lstStyle/>
@@ -4564,7 +5205,7 @@
               </a:lnSpc>
             </a:pPr>
             <a:r>
-              <a:rPr lang="en-US" sz="2800" i="1" dirty="0">
+              <a:rPr lang="en-US" sz="2000" i="1" dirty="0">
                 <a:solidFill>
                   <a:srgbClr val="000000"/>
                 </a:solidFill>
@@ -4577,10 +5218,10 @@
       </p:sp>
       <p:sp>
         <p:nvSpPr>
-          <p:cNvPr id="45" name="TextBox 31">
-            <a:extLst>
-              <a:ext uri="{FF2B5EF4-FFF2-40B4-BE49-F238E27FC236}">
-                <a16:creationId xmlns:a16="http://schemas.microsoft.com/office/drawing/2014/main" id="{CC3F375E-158A-47FE-8D12-898025550E0C}"/>
+          <p:cNvPr id="180" name="TextBox 23">
+            <a:extLst>
+              <a:ext uri="{FF2B5EF4-FFF2-40B4-BE49-F238E27FC236}">
+                <a16:creationId xmlns:a16="http://schemas.microsoft.com/office/drawing/2014/main" id="{E0BE17C1-456B-4783-BDAA-76FF9A952DEB}"/>
               </a:ext>
             </a:extLst>
           </p:cNvPr>
@@ -4589,113 +5230,15 @@
         </p:nvSpPr>
         <p:spPr>
           <a:xfrm>
-            <a:off x="5239002" y="6495249"/>
-            <a:ext cx="1997719" cy="446532"/>
+            <a:off x="11154655" y="5254412"/>
+            <a:ext cx="3247145" cy="422488"/>
           </a:xfrm>
           <a:prstGeom prst="rect">
             <a:avLst/>
           </a:prstGeom>
         </p:spPr>
         <p:txBody>
-          <a:bodyPr lIns="0" tIns="0" rIns="0" bIns="0" rtlCol="0" anchor="t">
-            <a:spAutoFit/>
-          </a:bodyPr>
-          <a:lstStyle/>
-          <a:p>
-            <a:pPr algn="ctr">
-              <a:lnSpc>
-                <a:spcPts val="3919"/>
-              </a:lnSpc>
-            </a:pPr>
-            <a:r>
-              <a:rPr lang="en-US" sz="2800" i="1" dirty="0">
-                <a:solidFill>
-                  <a:srgbClr val="000000"/>
-                </a:solidFill>
-                <a:latin typeface="Exo 2 Medium"/>
-              </a:rPr>
-              <a:t>Res</a:t>
-            </a:r>
-          </a:p>
-        </p:txBody>
-      </p:sp>
-      <p:sp>
-        <p:nvSpPr>
-          <p:cNvPr id="46" name="Retângulo: Cantos Arredondados 45">
-            <a:extLst>
-              <a:ext uri="{FF2B5EF4-FFF2-40B4-BE49-F238E27FC236}">
-                <a16:creationId xmlns:a16="http://schemas.microsoft.com/office/drawing/2014/main" id="{AA132D2D-339A-496F-8596-8FBF1F945094}"/>
-              </a:ext>
-            </a:extLst>
-          </p:cNvPr>
-          <p:cNvSpPr/>
-          <p:nvPr/>
-        </p:nvSpPr>
-        <p:spPr>
-          <a:xfrm>
-            <a:off x="1756411" y="1083309"/>
-            <a:ext cx="3659790" cy="2725881"/>
-          </a:xfrm>
-          <a:prstGeom prst="roundRect">
-            <a:avLst/>
-          </a:prstGeom>
-          <a:noFill/>
-          <a:ln w="9525" cap="flat" cmpd="sng" algn="ctr">
-            <a:solidFill>
-              <a:schemeClr val="dk1"/>
-            </a:solidFill>
-            <a:prstDash val="dash"/>
-            <a:round/>
-            <a:headEnd type="none" w="med" len="med"/>
-            <a:tailEnd type="none" w="med" len="med"/>
-          </a:ln>
-        </p:spPr>
-        <p:style>
-          <a:lnRef idx="0">
-            <a:scrgbClr r="0" g="0" b="0"/>
-          </a:lnRef>
-          <a:fillRef idx="0">
-            <a:scrgbClr r="0" g="0" b="0"/>
-          </a:fillRef>
-          <a:effectRef idx="0">
-            <a:scrgbClr r="0" g="0" b="0"/>
-          </a:effectRef>
-          <a:fontRef idx="minor">
-            <a:schemeClr val="dk1"/>
-          </a:fontRef>
-        </p:style>
-        <p:txBody>
-          <a:bodyPr rtlCol="0" anchor="ctr"/>
-          <a:lstStyle/>
-          <a:p>
-            <a:pPr algn="ctr"/>
-            <a:endParaRPr lang="pt-BR"/>
-          </a:p>
-        </p:txBody>
-      </p:sp>
-      <p:sp>
-        <p:nvSpPr>
-          <p:cNvPr id="47" name="TextBox 23">
-            <a:extLst>
-              <a:ext uri="{FF2B5EF4-FFF2-40B4-BE49-F238E27FC236}">
-                <a16:creationId xmlns:a16="http://schemas.microsoft.com/office/drawing/2014/main" id="{757AA5EA-5588-42EB-B01A-F25611E19696}"/>
-              </a:ext>
-            </a:extLst>
-          </p:cNvPr>
-          <p:cNvSpPr txBox="1"/>
-          <p:nvPr/>
-        </p:nvSpPr>
-        <p:spPr>
-          <a:xfrm>
-            <a:off x="8365181" y="8927460"/>
-            <a:ext cx="1513128" cy="422488"/>
-          </a:xfrm>
-          <a:prstGeom prst="rect">
-            <a:avLst/>
-          </a:prstGeom>
-        </p:spPr>
-        <p:txBody>
-          <a:bodyPr lIns="0" tIns="0" rIns="0" bIns="0" rtlCol="0" anchor="t">
+          <a:bodyPr wrap="square" lIns="0" tIns="0" rIns="0" bIns="0" rtlCol="0" anchor="t">
             <a:spAutoFit/>
           </a:bodyPr>
           <a:lstStyle/>
@@ -4712,51 +5255,7 @@
                 </a:solidFill>
                 <a:latin typeface="Exo 2 Medium"/>
               </a:rPr>
-              <a:t>Back-End</a:t>
-            </a:r>
-          </a:p>
-        </p:txBody>
-      </p:sp>
-      <p:sp>
-        <p:nvSpPr>
-          <p:cNvPr id="48" name="TextBox 23">
-            <a:extLst>
-              <a:ext uri="{FF2B5EF4-FFF2-40B4-BE49-F238E27FC236}">
-                <a16:creationId xmlns:a16="http://schemas.microsoft.com/office/drawing/2014/main" id="{E1621954-D638-4A42-9B1C-44BF4FBB64D1}"/>
-              </a:ext>
-            </a:extLst>
-          </p:cNvPr>
-          <p:cNvSpPr txBox="1"/>
-          <p:nvPr/>
-        </p:nvSpPr>
-        <p:spPr>
-          <a:xfrm>
-            <a:off x="2644662" y="8947382"/>
-            <a:ext cx="1630703" cy="422488"/>
-          </a:xfrm>
-          <a:prstGeom prst="rect">
-            <a:avLst/>
-          </a:prstGeom>
-        </p:spPr>
-        <p:txBody>
-          <a:bodyPr wrap="square" lIns="0" tIns="0" rIns="0" bIns="0" rtlCol="0" anchor="t">
-            <a:spAutoFit/>
-          </a:bodyPr>
-          <a:lstStyle/>
-          <a:p>
-            <a:pPr algn="ctr">
-              <a:lnSpc>
-                <a:spcPts val="3656"/>
-              </a:lnSpc>
-            </a:pPr>
-            <a:r>
-              <a:rPr lang="en-US" sz="2611" dirty="0">
-                <a:solidFill>
-                  <a:srgbClr val="000000"/>
-                </a:solidFill>
-                <a:latin typeface="Exo 2 Medium"/>
-              </a:rPr>
-              <a:t>Front-End</a:t>
+              <a:t>Reserva de imagens</a:t>
             </a:r>
           </a:p>
         </p:txBody>
@@ -4770,7 +5269,7 @@
 </file>
 
 <file path=ppt/theme/theme1.xml><?xml version="1.0" encoding="utf-8"?>
-<a:theme xmlns:a="http://schemas.openxmlformats.org/drawingml/2006/main" name="Office Theme">
+<a:theme xmlns:a="http://schemas.openxmlformats.org/drawingml/2006/main" name="Tema camp">
   <a:themeElements>
     <a:clrScheme name="Office">
       <a:dk1>
@@ -4780,44 +5279,44 @@
         <a:sysClr val="window" lastClr="FFFFFF"/>
       </a:lt1>
       <a:dk2>
-        <a:srgbClr val="1F497D"/>
+        <a:srgbClr val="44546A"/>
       </a:dk2>
       <a:lt2>
-        <a:srgbClr val="EEECE1"/>
+        <a:srgbClr val="E7E6E6"/>
       </a:lt2>
       <a:accent1>
-        <a:srgbClr val="4F81BD"/>
+        <a:srgbClr val="4472C4"/>
       </a:accent1>
       <a:accent2>
-        <a:srgbClr val="C0504D"/>
+        <a:srgbClr val="ED7D31"/>
       </a:accent2>
       <a:accent3>
-        <a:srgbClr val="9BBB59"/>
+        <a:srgbClr val="A5A5A5"/>
       </a:accent3>
       <a:accent4>
-        <a:srgbClr val="8064A2"/>
+        <a:srgbClr val="FFC000"/>
       </a:accent4>
       <a:accent5>
-        <a:srgbClr val="4BACC6"/>
+        <a:srgbClr val="5B9BD5"/>
       </a:accent5>
       <a:accent6>
-        <a:srgbClr val="F79646"/>
+        <a:srgbClr val="70AD47"/>
       </a:accent6>
       <a:hlink>
-        <a:srgbClr val="0000FF"/>
+        <a:srgbClr val="0563C1"/>
       </a:hlink>
       <a:folHlink>
-        <a:srgbClr val="800080"/>
+        <a:srgbClr val="954F72"/>
       </a:folHlink>
     </a:clrScheme>
     <a:fontScheme name="Office">
       <a:majorFont>
-        <a:latin typeface="Calibri"/>
+        <a:latin typeface="Calibri Light" panose="020F0302020204030204"/>
         <a:ea typeface=""/>
         <a:cs typeface=""/>
-        <a:font script="Jpan" typeface="ＭＳ Ｐゴシック"/>
+        <a:font script="Jpan" typeface="游ゴシック Light"/>
         <a:font script="Hang" typeface="맑은 고딕"/>
-        <a:font script="Hans" typeface="宋体"/>
+        <a:font script="Hans" typeface="等线 Light"/>
         <a:font script="Hant" typeface="新細明體"/>
         <a:font script="Arab" typeface="Times New Roman"/>
         <a:font script="Hebr" typeface="Times New Roman"/>
@@ -4844,14 +5343,32 @@
         <a:font script="Mong" typeface="Mongolian Baiti"/>
         <a:font script="Viet" typeface="Times New Roman"/>
         <a:font script="Uigh" typeface="Microsoft Uighur"/>
+        <a:font script="Geor" typeface="Sylfaen"/>
+        <a:font script="Armn" typeface="Arial"/>
+        <a:font script="Bugi" typeface="Leelawadee UI"/>
+        <a:font script="Bopo" typeface="Microsoft JhengHei"/>
+        <a:font script="Java" typeface="Javanese Text"/>
+        <a:font script="Lisu" typeface="Segoe UI"/>
+        <a:font script="Mymr" typeface="Myanmar Text"/>
+        <a:font script="Nkoo" typeface="Ebrima"/>
+        <a:font script="Olck" typeface="Nirmala UI"/>
+        <a:font script="Osma" typeface="Ebrima"/>
+        <a:font script="Phag" typeface="Phagspa"/>
+        <a:font script="Syrn" typeface="Estrangelo Edessa"/>
+        <a:font script="Syrj" typeface="Estrangelo Edessa"/>
+        <a:font script="Syre" typeface="Estrangelo Edessa"/>
+        <a:font script="Sora" typeface="Nirmala UI"/>
+        <a:font script="Tale" typeface="Microsoft Tai Le"/>
+        <a:font script="Talu" typeface="Microsoft New Tai Lue"/>
+        <a:font script="Tfng" typeface="Ebrima"/>
       </a:majorFont>
       <a:minorFont>
-        <a:latin typeface="Calibri"/>
+        <a:latin typeface="Calibri" panose="020F0502020204030204"/>
         <a:ea typeface=""/>
         <a:cs typeface=""/>
-        <a:font script="Jpan" typeface="ＭＳ Ｐゴシック"/>
+        <a:font script="Jpan" typeface="游ゴシック"/>
         <a:font script="Hang" typeface="맑은 고딕"/>
-        <a:font script="Hans" typeface="宋体"/>
+        <a:font script="Hans" typeface="等线"/>
         <a:font script="Hant" typeface="新細明體"/>
         <a:font script="Arab" typeface="Arial"/>
         <a:font script="Hebr" typeface="Arial"/>
@@ -4878,6 +5395,24 @@
         <a:font script="Mong" typeface="Mongolian Baiti"/>
         <a:font script="Viet" typeface="Arial"/>
         <a:font script="Uigh" typeface="Microsoft Uighur"/>
+        <a:font script="Geor" typeface="Sylfaen"/>
+        <a:font script="Armn" typeface="Arial"/>
+        <a:font script="Bugi" typeface="Leelawadee UI"/>
+        <a:font script="Bopo" typeface="Microsoft JhengHei"/>
+        <a:font script="Java" typeface="Javanese Text"/>
+        <a:font script="Lisu" typeface="Segoe UI"/>
+        <a:font script="Mymr" typeface="Myanmar Text"/>
+        <a:font script="Nkoo" typeface="Ebrima"/>
+        <a:font script="Olck" typeface="Nirmala UI"/>
+        <a:font script="Osma" typeface="Ebrima"/>
+        <a:font script="Phag" typeface="Phagspa"/>
+        <a:font script="Syrn" typeface="Estrangelo Edessa"/>
+        <a:font script="Syrj" typeface="Estrangelo Edessa"/>
+        <a:font script="Syre" typeface="Estrangelo Edessa"/>
+        <a:font script="Sora" typeface="Nirmala UI"/>
+        <a:font script="Tale" typeface="Microsoft Tai Le"/>
+        <a:font script="Talu" typeface="Microsoft New Tai Lue"/>
+        <a:font script="Tfng" typeface="Ebrima"/>
       </a:minorFont>
     </a:fontScheme>
     <a:fmtScheme name="Office">
@@ -4889,165 +5424,141 @@
           <a:gsLst>
             <a:gs pos="0">
               <a:schemeClr val="phClr">
-                <a:tint val="50000"/>
-                <a:satMod val="300000"/>
+                <a:lumMod val="110000"/>
+                <a:satMod val="105000"/>
+                <a:tint val="67000"/>
               </a:schemeClr>
             </a:gs>
-            <a:gs pos="35000">
+            <a:gs pos="50000">
               <a:schemeClr val="phClr">
-                <a:tint val="37000"/>
-                <a:satMod val="300000"/>
+                <a:lumMod val="105000"/>
+                <a:satMod val="103000"/>
+                <a:tint val="73000"/>
               </a:schemeClr>
             </a:gs>
             <a:gs pos="100000">
               <a:schemeClr val="phClr">
-                <a:tint val="15000"/>
-                <a:satMod val="350000"/>
+                <a:lumMod val="105000"/>
+                <a:satMod val="109000"/>
+                <a:tint val="81000"/>
               </a:schemeClr>
             </a:gs>
           </a:gsLst>
-          <a:lin ang="16200000" scaled="1"/>
+          <a:lin ang="5400000" scaled="0"/>
         </a:gradFill>
         <a:gradFill rotWithShape="1">
           <a:gsLst>
             <a:gs pos="0">
               <a:schemeClr val="phClr">
-                <a:shade val="51000"/>
-                <a:satMod val="130000"/>
+                <a:satMod val="103000"/>
+                <a:lumMod val="102000"/>
+                <a:tint val="94000"/>
               </a:schemeClr>
             </a:gs>
-            <a:gs pos="80000">
+            <a:gs pos="50000">
               <a:schemeClr val="phClr">
-                <a:shade val="93000"/>
-                <a:satMod val="130000"/>
+                <a:satMod val="110000"/>
+                <a:lumMod val="100000"/>
+                <a:shade val="100000"/>
               </a:schemeClr>
             </a:gs>
             <a:gs pos="100000">
               <a:schemeClr val="phClr">
-                <a:shade val="94000"/>
-                <a:satMod val="135000"/>
+                <a:lumMod val="99000"/>
+                <a:satMod val="120000"/>
+                <a:shade val="78000"/>
               </a:schemeClr>
             </a:gs>
           </a:gsLst>
-          <a:lin ang="16200000" scaled="0"/>
+          <a:lin ang="5400000" scaled="0"/>
         </a:gradFill>
       </a:fillStyleLst>
       <a:lnStyleLst>
-        <a:ln w="9525" cap="flat" cmpd="sng" algn="ctr">
-          <a:solidFill>
-            <a:schemeClr val="phClr">
-              <a:shade val="95000"/>
-              <a:satMod val="105000"/>
-            </a:schemeClr>
-          </a:solidFill>
-          <a:prstDash val="solid"/>
-        </a:ln>
-        <a:ln w="25400" cap="flat" cmpd="sng" algn="ctr">
+        <a:ln w="6350" cap="flat" cmpd="sng" algn="ctr">
           <a:solidFill>
             <a:schemeClr val="phClr"/>
           </a:solidFill>
           <a:prstDash val="solid"/>
+          <a:miter lim="800000"/>
         </a:ln>
-        <a:ln w="38100" cap="flat" cmpd="sng" algn="ctr">
+        <a:ln w="12700" cap="flat" cmpd="sng" algn="ctr">
           <a:solidFill>
             <a:schemeClr val="phClr"/>
           </a:solidFill>
           <a:prstDash val="solid"/>
+          <a:miter lim="800000"/>
+        </a:ln>
+        <a:ln w="19050" cap="flat" cmpd="sng" algn="ctr">
+          <a:solidFill>
+            <a:schemeClr val="phClr"/>
+          </a:solidFill>
+          <a:prstDash val="solid"/>
+          <a:miter lim="800000"/>
         </a:ln>
       </a:lnStyleLst>
       <a:effectStyleLst>
         <a:effectStyle>
+          <a:effectLst/>
+        </a:effectStyle>
+        <a:effectStyle>
+          <a:effectLst/>
+        </a:effectStyle>
+        <a:effectStyle>
           <a:effectLst>
-            <a:outerShdw blurRad="40000" dist="20000" dir="5400000" rotWithShape="0">
+            <a:outerShdw blurRad="57150" dist="19050" dir="5400000" algn="ctr" rotWithShape="0">
               <a:srgbClr val="000000">
-                <a:alpha val="38000"/>
+                <a:alpha val="63000"/>
               </a:srgbClr>
             </a:outerShdw>
           </a:effectLst>
-        </a:effectStyle>
-        <a:effectStyle>
-          <a:effectLst>
-            <a:outerShdw blurRad="40000" dist="23000" dir="5400000" rotWithShape="0">
-              <a:srgbClr val="000000">
-                <a:alpha val="35000"/>
-              </a:srgbClr>
-            </a:outerShdw>
-          </a:effectLst>
-        </a:effectStyle>
-        <a:effectStyle>
-          <a:effectLst>
-            <a:outerShdw blurRad="40000" dist="23000" dir="5400000" rotWithShape="0">
-              <a:srgbClr val="000000">
-                <a:alpha val="35000"/>
-              </a:srgbClr>
-            </a:outerShdw>
-          </a:effectLst>
-          <a:scene3d>
-            <a:camera prst="orthographicFront">
-              <a:rot lat="0" lon="0" rev="0"/>
-            </a:camera>
-            <a:lightRig rig="threePt" dir="t">
-              <a:rot lat="0" lon="0" rev="1200000"/>
-            </a:lightRig>
-          </a:scene3d>
-          <a:sp3d>
-            <a:bevelT w="63500" h="25400"/>
-          </a:sp3d>
         </a:effectStyle>
       </a:effectStyleLst>
       <a:bgFillStyleLst>
         <a:solidFill>
           <a:schemeClr val="phClr"/>
         </a:solidFill>
+        <a:solidFill>
+          <a:schemeClr val="phClr">
+            <a:tint val="95000"/>
+            <a:satMod val="170000"/>
+          </a:schemeClr>
+        </a:solidFill>
         <a:gradFill rotWithShape="1">
           <a:gsLst>
             <a:gs pos="0">
               <a:schemeClr val="phClr">
-                <a:tint val="40000"/>
-                <a:satMod val="350000"/>
+                <a:tint val="93000"/>
+                <a:satMod val="150000"/>
+                <a:shade val="98000"/>
+                <a:lumMod val="102000"/>
               </a:schemeClr>
             </a:gs>
-            <a:gs pos="40000">
+            <a:gs pos="50000">
               <a:schemeClr val="phClr">
-                <a:tint val="45000"/>
-                <a:shade val="99000"/>
-                <a:satMod val="350000"/>
+                <a:tint val="98000"/>
+                <a:satMod val="130000"/>
+                <a:shade val="90000"/>
+                <a:lumMod val="103000"/>
               </a:schemeClr>
             </a:gs>
             <a:gs pos="100000">
               <a:schemeClr val="phClr">
-                <a:shade val="20000"/>
-                <a:satMod val="255000"/>
+                <a:shade val="63000"/>
+                <a:satMod val="120000"/>
               </a:schemeClr>
             </a:gs>
           </a:gsLst>
-          <a:path path="circle">
-            <a:fillToRect l="50000" t="-80000" r="50000" b="180000"/>
-          </a:path>
-        </a:gradFill>
-        <a:gradFill rotWithShape="1">
-          <a:gsLst>
-            <a:gs pos="0">
-              <a:schemeClr val="phClr">
-                <a:tint val="80000"/>
-                <a:satMod val="300000"/>
-              </a:schemeClr>
-            </a:gs>
-            <a:gs pos="100000">
-              <a:schemeClr val="phClr">
-                <a:shade val="30000"/>
-                <a:satMod val="200000"/>
-              </a:schemeClr>
-            </a:gs>
-          </a:gsLst>
-          <a:path path="circle">
-            <a:fillToRect l="50000" t="50000" r="50000" b="50000"/>
-          </a:path>
+          <a:lin ang="5400000" scaled="0"/>
         </a:gradFill>
       </a:bgFillStyleLst>
     </a:fmtScheme>
   </a:themeElements>
   <a:objectDefaults/>
   <a:extraClrSchemeLst/>
+  <a:extLst>
+    <a:ext uri="{05A4C25C-085E-4340-85A3-A5531E510DB2}">
+      <thm15:themeFamily xmlns:thm15="http://schemas.microsoft.com/office/thememl/2012/main" name="Tema camp" id="{4BBF7939-3A7B-45AB-8198-21AC832FEBC4}" vid="{4B844D0D-CDCC-47EE-969D-10B16824BFEF}"/>
+    </a:ext>
+  </a:extLst>
 </a:theme>
 </file>